--- a/Project_presentation.pptx
+++ b/Project_presentation.pptx
@@ -3447,13 +3447,13 @@
         </p:nvSpPr>
         <p:spPr>
           <a:xfrm>
-            <a:off x="4537784" y="3645023"/>
-            <a:ext cx="4498712" cy="3096345"/>
+            <a:off x="5076056" y="3716911"/>
+            <a:ext cx="3672408" cy="2736305"/>
           </a:xfrm>
         </p:spPr>
         <p:txBody>
           <a:bodyPr>
-            <a:normAutofit fontScale="92500" lnSpcReduction="20000"/>
+            <a:normAutofit lnSpcReduction="10000"/>
           </a:bodyPr>
           <a:lstStyle/>
           <a:p>
@@ -3463,7 +3463,7 @@
               </a:spcAft>
             </a:pPr>
             <a:r>
-              <a:rPr lang="en-IN" i="1" dirty="0">
+              <a:rPr lang="en-IN" sz="1800" i="1" dirty="0">
                 <a:solidFill>
                   <a:schemeClr val="accent2">
                     <a:lumMod val="50000"/>
@@ -3472,7 +3472,7 @@
               </a:rPr>
               <a:t>Under the Supervision of </a:t>
             </a:r>
-            <a:endParaRPr lang="en-IN" i="1" dirty="0" smtClean="0">
+            <a:endParaRPr lang="en-IN" sz="1800" i="1" dirty="0" smtClean="0">
               <a:solidFill>
                 <a:schemeClr val="accent2">
                   <a:lumMod val="50000"/>
@@ -3487,7 +3487,7 @@
               </a:spcAft>
             </a:pPr>
             <a:r>
-              <a:rPr lang="en-IN" b="1" dirty="0" err="1" smtClean="0">
+              <a:rPr lang="en-IN" sz="1800" b="1" dirty="0" err="1" smtClean="0">
                 <a:solidFill>
                   <a:schemeClr val="accent2">
                     <a:lumMod val="50000"/>
@@ -3497,7 +3497,7 @@
               <a:t>Prof.</a:t>
             </a:r>
             <a:r>
-              <a:rPr lang="en-IN" b="1" dirty="0" smtClean="0">
+              <a:rPr lang="en-IN" sz="1800" b="1" dirty="0" smtClean="0">
                 <a:solidFill>
                   <a:schemeClr val="accent2">
                     <a:lumMod val="50000"/>
@@ -3507,7 +3507,7 @@
               <a:t> (</a:t>
             </a:r>
             <a:r>
-              <a:rPr lang="en-IN" b="1" dirty="0" err="1" smtClean="0">
+              <a:rPr lang="en-IN" sz="1800" b="1" dirty="0" err="1" smtClean="0">
                 <a:solidFill>
                   <a:schemeClr val="accent2">
                     <a:lumMod val="50000"/>
@@ -3517,7 +3517,7 @@
               <a:t>Dr.</a:t>
             </a:r>
             <a:r>
-              <a:rPr lang="en-IN" b="1" dirty="0" smtClean="0">
+              <a:rPr lang="en-IN" sz="1800" b="1" dirty="0" smtClean="0">
                 <a:solidFill>
                   <a:schemeClr val="accent2">
                     <a:lumMod val="50000"/>
@@ -3527,7 +3527,7 @@
               <a:t>) </a:t>
             </a:r>
             <a:r>
-              <a:rPr lang="en-IN" b="1" dirty="0" err="1">
+              <a:rPr lang="en-IN" sz="1800" b="1" dirty="0" err="1">
                 <a:solidFill>
                   <a:schemeClr val="accent2">
                     <a:lumMod val="50000"/>
@@ -3537,7 +3537,7 @@
               <a:t>Jamuna</a:t>
             </a:r>
             <a:r>
-              <a:rPr lang="en-IN" b="1" dirty="0">
+              <a:rPr lang="en-IN" sz="1800" b="1" dirty="0">
                 <a:solidFill>
                   <a:schemeClr val="accent2">
                     <a:lumMod val="50000"/>
@@ -3547,7 +3547,7 @@
               <a:t> </a:t>
             </a:r>
             <a:r>
-              <a:rPr lang="en-IN" b="1" dirty="0" err="1">
+              <a:rPr lang="en-IN" sz="1800" b="1" dirty="0" err="1">
                 <a:solidFill>
                   <a:schemeClr val="accent2">
                     <a:lumMod val="50000"/>
@@ -3557,7 +3557,7 @@
               <a:t>Kanta</a:t>
             </a:r>
             <a:r>
-              <a:rPr lang="en-IN" b="1" dirty="0">
+              <a:rPr lang="en-IN" sz="1800" b="1" dirty="0">
                 <a:solidFill>
                   <a:schemeClr val="accent2">
                     <a:lumMod val="50000"/>
@@ -3566,7 +3566,7 @@
               </a:rPr>
               <a:t> Sing </a:t>
             </a:r>
-            <a:endParaRPr lang="en-IN" b="1" dirty="0" smtClean="0">
+            <a:endParaRPr lang="en-IN" sz="1800" b="1" dirty="0" smtClean="0">
               <a:solidFill>
                 <a:schemeClr val="accent2">
                   <a:lumMod val="50000"/>
@@ -3581,7 +3581,7 @@
               </a:spcAft>
             </a:pPr>
             <a:r>
-              <a:rPr lang="en-IN" i="1" dirty="0" smtClean="0">
+              <a:rPr lang="en-IN" sz="1800" i="1" dirty="0" smtClean="0">
                 <a:solidFill>
                   <a:schemeClr val="accent2">
                     <a:lumMod val="50000"/>
@@ -3591,7 +3591,7 @@
               <a:t>By </a:t>
             </a:r>
             <a:r>
-              <a:rPr lang="en-IN" i="1" dirty="0">
+              <a:rPr lang="en-IN" sz="1800" i="1" dirty="0">
                 <a:solidFill>
                   <a:schemeClr val="accent2">
                     <a:lumMod val="50000"/>
@@ -3604,7 +3604,7 @@
           <a:p>
             <a:pPr algn="ctr"/>
             <a:r>
-              <a:rPr lang="en-IN" b="1" dirty="0" err="1" smtClean="0">
+              <a:rPr lang="en-IN" sz="1800" b="1" dirty="0" err="1" smtClean="0">
                 <a:solidFill>
                   <a:schemeClr val="accent2">
                     <a:lumMod val="50000"/>
@@ -3614,7 +3614,7 @@
               <a:t>Shruti</a:t>
             </a:r>
             <a:r>
-              <a:rPr lang="en-IN" b="1" dirty="0" smtClean="0">
+              <a:rPr lang="en-IN" sz="1800" b="1" dirty="0" smtClean="0">
                 <a:solidFill>
                   <a:schemeClr val="accent2">
                     <a:lumMod val="50000"/>
@@ -3623,7 +3623,7 @@
               </a:rPr>
               <a:t> Pathak</a:t>
             </a:r>
-            <a:endParaRPr lang="en-IN" b="1" dirty="0">
+            <a:endParaRPr lang="en-IN" sz="1800" b="1" dirty="0">
               <a:solidFill>
                 <a:schemeClr val="accent2">
                   <a:lumMod val="50000"/>
@@ -3634,7 +3634,7 @@
           <a:p>
             <a:pPr algn="ctr"/>
             <a:r>
-              <a:rPr lang="en-IN" dirty="0" smtClean="0">
+              <a:rPr lang="en-IN" sz="1800" dirty="0" smtClean="0">
                 <a:solidFill>
                   <a:schemeClr val="accent2">
                     <a:lumMod val="50000"/>
@@ -3644,7 +3644,7 @@
               <a:t>Reg</a:t>
             </a:r>
             <a:r>
-              <a:rPr lang="en-IN" dirty="0">
+              <a:rPr lang="en-IN" sz="1800" dirty="0">
                 <a:solidFill>
                   <a:schemeClr val="accent2">
                     <a:lumMod val="50000"/>
@@ -3654,7 +3654,7 @@
               <a:t>. No.- </a:t>
             </a:r>
             <a:r>
-              <a:rPr lang="en-IN" b="1" dirty="0">
+              <a:rPr lang="en-IN" sz="1800" b="1" dirty="0">
                 <a:solidFill>
                   <a:schemeClr val="accent2">
                     <a:lumMod val="50000"/>
@@ -3667,7 +3667,7 @@
           <a:p>
             <a:pPr algn="ctr"/>
             <a:r>
-              <a:rPr lang="en-IN" dirty="0">
+              <a:rPr lang="en-IN" sz="1800" dirty="0">
                 <a:solidFill>
                   <a:schemeClr val="accent2">
                     <a:lumMod val="50000"/>
@@ -3677,7 +3677,7 @@
               <a:t>Exam Roll No.- </a:t>
             </a:r>
             <a:r>
-              <a:rPr lang="en-IN" b="1" dirty="0">
+              <a:rPr lang="en-IN" sz="1800" b="1" dirty="0">
                 <a:solidFill>
                   <a:schemeClr val="accent2">
                     <a:lumMod val="50000"/>
@@ -3690,7 +3690,7 @@
           <a:p>
             <a:pPr algn="ctr"/>
             <a:r>
-              <a:rPr lang="en-IN" dirty="0">
+              <a:rPr lang="en-IN" sz="1800" dirty="0">
                 <a:solidFill>
                   <a:schemeClr val="accent2">
                     <a:lumMod val="50000"/>
@@ -3700,7 +3700,7 @@
               <a:t> MCA- </a:t>
             </a:r>
             <a:r>
-              <a:rPr lang="en-IN" dirty="0" smtClean="0">
+              <a:rPr lang="en-IN" sz="1800" dirty="0" smtClean="0">
                 <a:solidFill>
                   <a:schemeClr val="accent2">
                     <a:lumMod val="50000"/>
@@ -3710,7 +3710,7 @@
               <a:t>2</a:t>
             </a:r>
             <a:r>
-              <a:rPr lang="en-IN" baseline="30000" dirty="0" smtClean="0">
+              <a:rPr lang="en-IN" sz="1800" baseline="30000" dirty="0" smtClean="0">
                 <a:solidFill>
                   <a:schemeClr val="accent2">
                     <a:lumMod val="50000"/>
@@ -3720,7 +3720,7 @@
               <a:t>nd</a:t>
             </a:r>
             <a:r>
-              <a:rPr lang="en-IN" dirty="0" smtClean="0">
+              <a:rPr lang="en-IN" sz="1800" dirty="0" smtClean="0">
                 <a:solidFill>
                   <a:schemeClr val="accent2">
                     <a:lumMod val="50000"/>
@@ -3730,7 +3730,7 @@
               <a:t> Year 2</a:t>
             </a:r>
             <a:r>
-              <a:rPr lang="en-IN" baseline="30000" dirty="0" smtClean="0">
+              <a:rPr lang="en-IN" sz="1800" baseline="30000" dirty="0" smtClean="0">
                 <a:solidFill>
                   <a:schemeClr val="accent2">
                     <a:lumMod val="50000"/>
@@ -3740,7 +3740,7 @@
               <a:t>nd</a:t>
             </a:r>
             <a:r>
-              <a:rPr lang="en-IN" dirty="0" smtClean="0">
+              <a:rPr lang="en-IN" sz="1800" dirty="0" smtClean="0">
                 <a:solidFill>
                   <a:schemeClr val="accent2">
                     <a:lumMod val="50000"/>
@@ -3750,7 +3750,7 @@
               <a:t>  </a:t>
             </a:r>
             <a:r>
-              <a:rPr lang="en-IN" dirty="0">
+              <a:rPr lang="en-IN" sz="1800" dirty="0">
                 <a:solidFill>
                   <a:schemeClr val="accent2">
                     <a:lumMod val="50000"/>
@@ -3763,7 +3763,7 @@
           <a:p>
             <a:pPr algn="ctr"/>
             <a:r>
-              <a:rPr lang="en-IN" b="1" dirty="0">
+              <a:rPr lang="en-IN" sz="1800" b="1" dirty="0">
                 <a:solidFill>
                   <a:schemeClr val="accent2">
                     <a:lumMod val="50000"/>
@@ -4145,7 +4145,37 @@
                   </a:schemeClr>
                 </a:solidFill>
               </a:rPr>
-              <a:t>utilize the discrete anatomical model, which assigns class labels (0=Background, 1=CSF, 2=Grey Matter, 3=White Matter) </a:t>
+              <a:t>utilize the discrete anatomical model, which assigns class labels (0=Background, 1=CSF, 2=Grey Matter, 3=White </a:t>
+            </a:r>
+            <a:r>
+              <a:rPr lang="en-IN" sz="2000" dirty="0" smtClean="0">
+                <a:solidFill>
+                  <a:schemeClr val="accent2">
+                    <a:lumMod val="50000"/>
+                  </a:schemeClr>
+                </a:solidFill>
+              </a:rPr>
+              <a:t>Matter etc</a:t>
+            </a:r>
+            <a:r>
+              <a:rPr lang="en-IN" sz="2000" dirty="0" smtClean="0">
+                <a:solidFill>
+                  <a:schemeClr val="accent2">
+                    <a:lumMod val="50000"/>
+                  </a:schemeClr>
+                </a:solidFill>
+              </a:rPr>
+              <a:t>..</a:t>
+            </a:r>
+            <a:r>
+              <a:rPr lang="en-IN" sz="2000" dirty="0" smtClean="0">
+                <a:solidFill>
+                  <a:schemeClr val="accent2">
+                    <a:lumMod val="50000"/>
+                  </a:schemeClr>
+                </a:solidFill>
+              </a:rPr>
+              <a:t>) </a:t>
             </a:r>
             <a:r>
               <a:rPr lang="en-IN" sz="2000" dirty="0" smtClean="0">
@@ -6163,8 +6193,8 @@
           </a:p>
         </p:txBody>
       </p:sp>
-      <mc:AlternateContent xmlns:mc="http://schemas.openxmlformats.org/markup-compatibility/2006" xmlns:a14="http://schemas.microsoft.com/office/drawing/2010/main">
-        <mc:Choice Requires="a14">
+      <mc:AlternateContent xmlns:mc="http://schemas.openxmlformats.org/markup-compatibility/2006">
+        <mc:Choice xmlns:a14="http://schemas.microsoft.com/office/drawing/2010/main" Requires="a14">
           <p:sp>
             <p:nvSpPr>
               <p:cNvPr id="3" name="Content Placeholder 2"/>
@@ -6259,6 +6289,36 @@
                   <a:t> , </a:t>
                 </a:r>
                 <a:r>
+                  <a:rPr lang="en-IN" sz="1800" b="1" dirty="0" smtClean="0">
+                    <a:solidFill>
+                      <a:schemeClr val="accent2">
+                        <a:lumMod val="50000"/>
+                      </a:schemeClr>
+                    </a:solidFill>
+                  </a:rPr>
+                  <a:t>F</a:t>
+                </a:r>
+                <a:r>
+                  <a:rPr lang="en-IN" sz="1800" b="1" baseline="-25000" dirty="0" smtClean="0">
+                    <a:solidFill>
+                      <a:schemeClr val="accent2">
+                        <a:lumMod val="50000"/>
+                      </a:schemeClr>
+                    </a:solidFill>
+                  </a:rPr>
+                  <a:t>1</a:t>
+                </a:r>
+                <a:r>
+                  <a:rPr lang="en-IN" sz="1800" b="1" dirty="0" smtClean="0">
+                    <a:solidFill>
+                      <a:schemeClr val="accent2">
+                        <a:lumMod val="50000"/>
+                      </a:schemeClr>
+                    </a:solidFill>
+                  </a:rPr>
+                  <a:t> </a:t>
+                </a:r>
+                <a:r>
                   <a:rPr lang="en-IN" sz="1800" b="1" dirty="0">
                     <a:solidFill>
                       <a:schemeClr val="accent2">
@@ -6266,7 +6326,7 @@
                       </a:schemeClr>
                     </a:solidFill>
                   </a:rPr>
-                  <a:t>F1 Score </a:t>
+                  <a:t>Score </a:t>
                 </a:r>
                 <a:r>
                   <a:rPr lang="en-IN" sz="1800" dirty="0">
@@ -6346,7 +6406,47 @@
                       </a:schemeClr>
                     </a:solidFill>
                   </a:rPr>
-                  <a:t>calculate accuracy and F1 score, </a:t>
+                  <a:t>calculate accuracy and </a:t>
+                </a:r>
+                <a:r>
+                  <a:rPr lang="en-IN" sz="1800" dirty="0" smtClean="0">
+                    <a:solidFill>
+                      <a:schemeClr val="accent2">
+                        <a:lumMod val="50000"/>
+                      </a:schemeClr>
+                    </a:solidFill>
+                  </a:rPr>
+                  <a:t>F</a:t>
+                </a:r>
+                <a:r>
+                  <a:rPr lang="en-IN" sz="1800" baseline="-25000" dirty="0" smtClean="0">
+                    <a:solidFill>
+                      <a:schemeClr val="accent2">
+                        <a:lumMod val="50000"/>
+                      </a:schemeClr>
+                    </a:solidFill>
+                  </a:rPr>
+                  <a:t>1</a:t>
+                </a:r>
+                <a:r>
+                  <a:rPr lang="en-IN" sz="1800" dirty="0" smtClean="0">
+                    <a:solidFill>
+                      <a:schemeClr val="accent2">
+                        <a:lumMod val="50000"/>
+                      </a:schemeClr>
+                    </a:solidFill>
+                  </a:rPr>
+                  <a:t> </a:t>
+                </a:r>
+                <a:r>
+                  <a:rPr lang="en-IN" sz="1800" dirty="0">
+                    <a:solidFill>
+                      <a:schemeClr val="accent2">
+                        <a:lumMod val="50000"/>
+                      </a:schemeClr>
+                    </a:solidFill>
+                  </a:rPr>
+                  <a:t>score, </a:t>
                 </a:r>
                 <a:r>
                   <a:rPr lang="en-IN" sz="1800" b="1" dirty="0">
@@ -6806,7 +6906,7 @@
             </p:txBody>
           </p:sp>
         </mc:Choice>
-        <mc:Fallback xmlns="">
+        <mc:Fallback>
           <p:sp>
             <p:nvSpPr>
               <p:cNvPr id="3" name="Content Placeholder 2"/>
@@ -6908,8 +7008,8 @@
           </a:p>
         </p:txBody>
       </p:sp>
-      <mc:AlternateContent xmlns:mc="http://schemas.openxmlformats.org/markup-compatibility/2006" xmlns:a14="http://schemas.microsoft.com/office/drawing/2010/main">
-        <mc:Choice Requires="a14">
+      <mc:AlternateContent xmlns:mc="http://schemas.openxmlformats.org/markup-compatibility/2006">
+        <mc:Choice xmlns:a14="http://schemas.microsoft.com/office/drawing/2010/main" Requires="a14">
           <p:sp>
             <p:nvSpPr>
               <p:cNvPr id="3" name="Content Placeholder 2"/>
@@ -6948,7 +7048,47 @@
                       </a:schemeClr>
                     </a:solidFill>
                   </a:rPr>
-                  <a:t>Accuracy Score and F1 Score can be computed using the equation mentioned below –</a:t>
+                  <a:t>Accuracy </a:t>
+                </a:r>
+                <a:r>
+                  <a:rPr lang="en-IN" sz="2200" dirty="0" smtClean="0">
+                    <a:solidFill>
+                      <a:schemeClr val="accent2">
+                        <a:lumMod val="50000"/>
+                      </a:schemeClr>
+                    </a:solidFill>
+                  </a:rPr>
+                  <a:t>and F</a:t>
+                </a:r>
+                <a:r>
+                  <a:rPr lang="en-IN" sz="2200" baseline="-25000" dirty="0" smtClean="0">
+                    <a:solidFill>
+                      <a:schemeClr val="accent2">
+                        <a:lumMod val="50000"/>
+                      </a:schemeClr>
+                    </a:solidFill>
+                  </a:rPr>
+                  <a:t>1</a:t>
+                </a:r>
+                <a:r>
+                  <a:rPr lang="en-IN" sz="2200" dirty="0" smtClean="0">
+                    <a:solidFill>
+                      <a:schemeClr val="accent2">
+                        <a:lumMod val="50000"/>
+                      </a:schemeClr>
+                    </a:solidFill>
+                  </a:rPr>
+                  <a:t> </a:t>
+                </a:r>
+                <a:r>
+                  <a:rPr lang="en-IN" sz="2200" dirty="0" smtClean="0">
+                    <a:solidFill>
+                      <a:schemeClr val="accent2">
+                        <a:lumMod val="50000"/>
+                      </a:schemeClr>
+                    </a:solidFill>
+                  </a:rPr>
+                  <a:t>Score can be computed using the equation mentioned below –</a:t>
                 </a:r>
               </a:p>
               <a:p>
@@ -6996,29 +7136,7 @@
                           </a:solidFill>
                           <a:latin typeface="Cambria Math"/>
                         </a:rPr>
-                        <m:t> </m:t>
-                      </m:r>
-                      <m:r>
-                        <a:rPr lang="en-IN" i="1" smtClean="0">
-                          <a:solidFill>
-                            <a:schemeClr val="accent2">
-                              <a:lumMod val="50000"/>
-                            </a:schemeClr>
-                          </a:solidFill>
-                          <a:latin typeface="Cambria Math"/>
-                        </a:rPr>
-                        <m:t>𝑆𝑐𝑜𝑟𝑒</m:t>
-                      </m:r>
-                      <m:r>
-                        <a:rPr lang="en-IN" i="1" smtClean="0">
-                          <a:solidFill>
-                            <a:schemeClr val="accent2">
-                              <a:lumMod val="50000"/>
-                            </a:schemeClr>
-                          </a:solidFill>
-                          <a:latin typeface="Cambria Math"/>
-                        </a:rPr>
-                        <m:t>= </m:t>
+                        <m:t> = </m:t>
                       </m:r>
                       <m:f>
                         <m:fPr>
@@ -7379,7 +7497,47 @@
                       </a:schemeClr>
                     </a:solidFill>
                   </a:rPr>
-                  <a:t>Accuracy Score and F1 Score both lie between [0,1], </a:t>
+                  <a:t>Accuracy </a:t>
+                </a:r>
+                <a:r>
+                  <a:rPr lang="en-IN" sz="2200" dirty="0" smtClean="0">
+                    <a:solidFill>
+                      <a:schemeClr val="accent2">
+                        <a:lumMod val="50000"/>
+                      </a:schemeClr>
+                    </a:solidFill>
+                  </a:rPr>
+                  <a:t>and F</a:t>
+                </a:r>
+                <a:r>
+                  <a:rPr lang="en-IN" sz="2200" baseline="-25000" dirty="0" smtClean="0">
+                    <a:solidFill>
+                      <a:schemeClr val="accent2">
+                        <a:lumMod val="50000"/>
+                      </a:schemeClr>
+                    </a:solidFill>
+                  </a:rPr>
+                  <a:t>1</a:t>
+                </a:r>
+                <a:r>
+                  <a:rPr lang="en-IN" sz="2200" dirty="0" smtClean="0">
+                    <a:solidFill>
+                      <a:schemeClr val="accent2">
+                        <a:lumMod val="50000"/>
+                      </a:schemeClr>
+                    </a:solidFill>
+                  </a:rPr>
+                  <a:t> </a:t>
+                </a:r>
+                <a:r>
+                  <a:rPr lang="en-IN" sz="2200" dirty="0">
+                    <a:solidFill>
+                      <a:schemeClr val="accent2">
+                        <a:lumMod val="50000"/>
+                      </a:schemeClr>
+                    </a:solidFill>
+                  </a:rPr>
+                  <a:t>Score both lie between [0,1], </a:t>
                 </a:r>
                 <a:r>
                   <a:rPr lang="en-IN" sz="2200" b="1" dirty="0">
@@ -7417,7 +7575,7 @@
             </p:txBody>
           </p:sp>
         </mc:Choice>
-        <mc:Fallback xmlns="">
+        <mc:Fallback>
           <p:sp>
             <p:nvSpPr>
               <p:cNvPr id="3" name="Content Placeholder 2"/>
@@ -7432,7 +7590,7 @@
               <a:blipFill rotWithShape="1">
                 <a:blip r:embed="rId2"/>
                 <a:stretch>
-                  <a:fillRect l="-889" t="-270"/>
+                  <a:fillRect l="-889" t="-270" r="-667"/>
                 </a:stretch>
               </a:blipFill>
             </p:spPr>
@@ -7519,8 +7677,8 @@
           </a:p>
         </p:txBody>
       </p:sp>
-      <mc:AlternateContent xmlns:mc="http://schemas.openxmlformats.org/markup-compatibility/2006" xmlns:a14="http://schemas.microsoft.com/office/drawing/2010/main">
-        <mc:Choice Requires="a14">
+      <mc:AlternateContent xmlns:mc="http://schemas.openxmlformats.org/markup-compatibility/2006">
+        <mc:Choice xmlns:a14="http://schemas.microsoft.com/office/drawing/2010/main" Requires="a14">
           <p:sp>
             <p:nvSpPr>
               <p:cNvPr id="3" name="Content Placeholder 2"/>
@@ -7544,6 +7702,9 @@
               <a:lstStyle/>
               <a:p>
                 <a:pPr marL="0" indent="0">
+                  <a:lnSpc>
+                    <a:spcPct val="120000"/>
+                  </a:lnSpc>
                   <a:buNone/>
                 </a:pPr>
                 <a:r>
@@ -8359,7 +8520,7 @@
             </p:txBody>
           </p:sp>
         </mc:Choice>
-        <mc:Fallback xmlns="">
+        <mc:Fallback>
           <p:sp>
             <p:nvSpPr>
               <p:cNvPr id="3" name="Content Placeholder 2"/>
@@ -8378,7 +8539,7 @@
               <a:blipFill rotWithShape="1">
                 <a:blip r:embed="rId2"/>
                 <a:stretch>
-                  <a:fillRect l="-741" t="-1961" r="-741"/>
+                  <a:fillRect l="-741" t="-700" r="-741" b="-1120"/>
                 </a:stretch>
               </a:blipFill>
             </p:spPr>
@@ -10356,7 +10517,7 @@
         </p:blipFill>
         <p:spPr bwMode="auto">
           <a:xfrm>
-            <a:off x="3384012" y="4113076"/>
+            <a:off x="3293942" y="4120523"/>
             <a:ext cx="2592000" cy="1368153"/>
           </a:xfrm>
           <a:prstGeom prst="rect">
@@ -10375,7 +10536,7 @@
           <p:nvPr/>
         </p:nvPicPr>
         <p:blipFill>
-          <a:blip r:embed="rId3">
+          <a:blip r:embed="rId5">
             <a:extLst>
               <a:ext uri="{28A0092B-C50C-407E-A947-70E740481C1C}">
                 <a14:useLocalDpi xmlns:a14="http://schemas.microsoft.com/office/drawing/2010/main" val="0"/>
@@ -10388,8 +10549,8 @@
         </p:blipFill>
         <p:spPr bwMode="auto">
           <a:xfrm>
-            <a:off x="6228184" y="4095302"/>
-            <a:ext cx="2475570" cy="1383049"/>
+            <a:off x="6140216" y="4113076"/>
+            <a:ext cx="2592000" cy="1383049"/>
           </a:xfrm>
           <a:prstGeom prst="rect">
             <a:avLst/>
@@ -10840,7 +11001,7 @@
         </p:blipFill>
         <p:spPr bwMode="auto">
           <a:xfrm>
-            <a:off x="3384012" y="4110199"/>
+            <a:off x="3293942" y="4110199"/>
             <a:ext cx="2592000" cy="1368153"/>
           </a:xfrm>
           <a:prstGeom prst="rect">
@@ -11585,10 +11746,15 @@
             <p:ph idx="1"/>
           </p:nvPr>
         </p:nvSpPr>
-        <p:spPr/>
+        <p:spPr>
+          <a:xfrm>
+            <a:off x="467544" y="1484784"/>
+            <a:ext cx="8229600" cy="4785395"/>
+          </a:xfrm>
+        </p:spPr>
         <p:txBody>
           <a:bodyPr>
-            <a:normAutofit fontScale="85000" lnSpcReduction="10000"/>
+            <a:normAutofit fontScale="85000" lnSpcReduction="20000"/>
           </a:bodyPr>
           <a:lstStyle/>
           <a:p>
@@ -12211,9 +12377,118 @@
                 </a:solidFill>
                 <a:hlinkClick r:id="rId5"/>
               </a:rPr>
-              <a:t> approach to the evolution of radial basis functions for image segmentation." In 2007 IEEE Conference on Computer Vision and Pattern Recognition, pp. 1-8. IEEE, 2007.</a:t>
-            </a:r>
-            <a:endParaRPr lang="en-IN" sz="1800" dirty="0">
+              <a:t> approach to the evolution of radial basis functions for image segmentation." In 2007 IEEE Conference on Computer Vision and Pattern Recognition, pp. 1-8. IEEE, 2007</a:t>
+            </a:r>
+            <a:r>
+              <a:rPr lang="en-IN" sz="1800" dirty="0" smtClean="0">
+                <a:solidFill>
+                  <a:schemeClr val="accent2">
+                    <a:lumMod val="50000"/>
+                  </a:schemeClr>
+                </a:solidFill>
+                <a:hlinkClick r:id="rId5"/>
+              </a:rPr>
+              <a:t>.</a:t>
+            </a:r>
+            <a:endParaRPr lang="en-IN" sz="1800" dirty="0" smtClean="0">
+              <a:solidFill>
+                <a:schemeClr val="accent2">
+                  <a:lumMod val="50000"/>
+                </a:schemeClr>
+              </a:solidFill>
+            </a:endParaRPr>
+          </a:p>
+          <a:p>
+            <a:pPr>
+              <a:buFont typeface="Wingdings" panose="05000000000000000000" pitchFamily="2" charset="2"/>
+              <a:buChar char="Ø"/>
+            </a:pPr>
+            <a:endParaRPr lang="en-US" sz="1800" dirty="0">
+              <a:solidFill>
+                <a:schemeClr val="accent2">
+                  <a:lumMod val="50000"/>
+                </a:schemeClr>
+              </a:solidFill>
+            </a:endParaRPr>
+          </a:p>
+          <a:p>
+            <a:pPr>
+              <a:buFont typeface="Wingdings" panose="05000000000000000000" pitchFamily="2" charset="2"/>
+              <a:buChar char="Ø"/>
+            </a:pPr>
+            <a:r>
+              <a:rPr lang="en-IN" sz="1800" dirty="0" smtClean="0">
+                <a:solidFill>
+                  <a:schemeClr val="accent2">
+                    <a:lumMod val="50000"/>
+                  </a:schemeClr>
+                </a:solidFill>
+                <a:hlinkClick r:id="rId6"/>
+              </a:rPr>
+              <a:t>https://en.wikipedia.org/wiki/Radial_basis_function_network</a:t>
+            </a:r>
+            <a:endParaRPr lang="en-IN" sz="1800" dirty="0" smtClean="0">
+              <a:solidFill>
+                <a:schemeClr val="accent2">
+                  <a:lumMod val="50000"/>
+                </a:schemeClr>
+              </a:solidFill>
+            </a:endParaRPr>
+          </a:p>
+          <a:p>
+            <a:pPr>
+              <a:buFont typeface="Wingdings" panose="05000000000000000000" pitchFamily="2" charset="2"/>
+              <a:buChar char="Ø"/>
+            </a:pPr>
+            <a:endParaRPr lang="en-US" sz="1800" dirty="0">
+              <a:solidFill>
+                <a:schemeClr val="accent2">
+                  <a:lumMod val="50000"/>
+                </a:schemeClr>
+              </a:solidFill>
+            </a:endParaRPr>
+          </a:p>
+          <a:p>
+            <a:pPr>
+              <a:buFont typeface="Wingdings" panose="05000000000000000000" pitchFamily="2" charset="2"/>
+              <a:buChar char="Ø"/>
+            </a:pPr>
+            <a:r>
+              <a:rPr lang="en-IN" sz="1800" dirty="0">
+                <a:solidFill>
+                  <a:schemeClr val="accent2">
+                    <a:lumMod val="50000"/>
+                  </a:schemeClr>
+                </a:solidFill>
+                <a:hlinkClick r:id="rId7"/>
+              </a:rPr>
+              <a:t>https://</a:t>
+            </a:r>
+            <a:r>
+              <a:rPr lang="en-IN" sz="1800" dirty="0" smtClean="0">
+                <a:solidFill>
+                  <a:schemeClr val="accent2">
+                    <a:lumMod val="50000"/>
+                  </a:schemeClr>
+                </a:solidFill>
+                <a:hlinkClick r:id="rId7"/>
+              </a:rPr>
+              <a:t>www.educative.io/answers/what-are-radial-basis-function-neural-networks</a:t>
+            </a:r>
+            <a:endParaRPr lang="en-IN" sz="1800" dirty="0" smtClean="0">
+              <a:solidFill>
+                <a:schemeClr val="accent2">
+                  <a:lumMod val="50000"/>
+                </a:schemeClr>
+              </a:solidFill>
+            </a:endParaRPr>
+          </a:p>
+          <a:p>
+            <a:pPr>
+              <a:buFont typeface="Wingdings" panose="05000000000000000000" pitchFamily="2" charset="2"/>
+              <a:buChar char="Ø"/>
+            </a:pPr>
+            <a:endParaRPr lang="en-IN" sz="1800" dirty="0" smtClean="0">
               <a:solidFill>
                 <a:schemeClr val="accent2">
                   <a:lumMod val="50000"/>
@@ -13559,7 +13834,7 @@
                   <a:buNone/>
                 </a:pPr>
                 <a:r>
-                  <a:rPr lang="en-IN" dirty="0" smtClean="0">
+                  <a:rPr lang="en-IN" sz="2000" dirty="0" smtClean="0">
                     <a:solidFill>
                       <a:schemeClr val="accent2">
                         <a:lumMod val="50000"/>
@@ -13569,7 +13844,7 @@
                   <a:t>The RBF network is a fully interconnected feed- forward network with </a:t>
                 </a:r>
                 <a:r>
-                  <a:rPr lang="en-IN" b="1" dirty="0" smtClean="0">
+                  <a:rPr lang="en-IN" sz="2000" b="1" dirty="0" smtClean="0">
                     <a:solidFill>
                       <a:schemeClr val="accent2">
                         <a:lumMod val="50000"/>
@@ -13579,7 +13854,7 @@
                   <a:t>one hidden layer</a:t>
                 </a:r>
                 <a:r>
-                  <a:rPr lang="en-IN" dirty="0" smtClean="0">
+                  <a:rPr lang="en-IN" sz="2000" dirty="0" smtClean="0">
                     <a:solidFill>
                       <a:schemeClr val="accent2">
                         <a:lumMod val="50000"/>
@@ -14363,7 +14638,7 @@
               <a:blipFill rotWithShape="1">
                 <a:blip r:embed="rId2"/>
                 <a:stretch>
-                  <a:fillRect l="-1111" t="-1887" b="-1617"/>
+                  <a:fillRect l="-1111" t="-1348"/>
                 </a:stretch>
               </a:blipFill>
             </p:spPr>
@@ -14450,8 +14725,8 @@
           </a:p>
         </p:txBody>
       </p:sp>
-      <mc:AlternateContent xmlns:mc="http://schemas.openxmlformats.org/markup-compatibility/2006" xmlns:a14="http://schemas.microsoft.com/office/drawing/2010/main">
-        <mc:Choice Requires="a14">
+      <mc:AlternateContent xmlns:mc="http://schemas.openxmlformats.org/markup-compatibility/2006">
+        <mc:Choice xmlns:a14="http://schemas.microsoft.com/office/drawing/2010/main" Requires="a14">
           <p:sp>
             <p:nvSpPr>
               <p:cNvPr id="3" name="Content Placeholder 2"/>
@@ -14476,7 +14751,7 @@
                   <a:buNone/>
                 </a:pPr>
                 <a:r>
-                  <a:rPr lang="en-IN" dirty="0" smtClean="0">
+                  <a:rPr lang="en-IN" sz="2000" dirty="0" smtClean="0">
                     <a:solidFill>
                       <a:schemeClr val="accent2">
                         <a:lumMod val="50000"/>
@@ -14486,7 +14761,7 @@
                   <a:t>The output of hidden layer neuron is usually generated by a </a:t>
                 </a:r>
                 <a:r>
-                  <a:rPr lang="en-IN" b="1" dirty="0" smtClean="0">
+                  <a:rPr lang="en-IN" sz="2000" b="1" dirty="0" smtClean="0">
                     <a:solidFill>
                       <a:schemeClr val="accent2">
                         <a:lumMod val="50000"/>
@@ -14496,7 +14771,7 @@
                   <a:t>Gaussian function </a:t>
                 </a:r>
                 <a:r>
-                  <a:rPr lang="en-IN" dirty="0" smtClean="0">
+                  <a:rPr lang="en-IN" sz="2000" dirty="0" smtClean="0">
                     <a:solidFill>
                       <a:schemeClr val="accent2">
                         <a:lumMod val="50000"/>
@@ -15097,7 +15372,7 @@
             </p:txBody>
           </p:sp>
         </mc:Choice>
-        <mc:Fallback xmlns="">
+        <mc:Fallback>
           <p:sp>
             <p:nvSpPr>
               <p:cNvPr id="3" name="Content Placeholder 2"/>
@@ -15112,7 +15387,7 @@
               <a:blipFill rotWithShape="1">
                 <a:blip r:embed="rId2"/>
                 <a:stretch>
-                  <a:fillRect l="-1111" t="-1078"/>
+                  <a:fillRect l="-1111" t="-674"/>
                 </a:stretch>
               </a:blipFill>
             </p:spPr>

--- a/Project_presentation.pptx
+++ b/Project_presentation.pptx
@@ -328,7 +328,7 @@
           <a:p>
             <a:fld id="{2B02613D-DE6C-4DB8-B7EF-959E62CC6C15}" type="datetimeFigureOut">
               <a:rPr lang="en-IN" smtClean="0"/>
-              <a:t>31-05-2024</a:t>
+              <a:t>02-06-2024</a:t>
             </a:fld>
             <a:endParaRPr lang="en-IN"/>
           </a:p>
@@ -500,7 +500,7 @@
           <a:p>
             <a:fld id="{2B02613D-DE6C-4DB8-B7EF-959E62CC6C15}" type="datetimeFigureOut">
               <a:rPr lang="en-IN" smtClean="0"/>
-              <a:t>31-05-2024</a:t>
+              <a:t>02-06-2024</a:t>
             </a:fld>
             <a:endParaRPr lang="en-IN"/>
           </a:p>
@@ -675,7 +675,7 @@
           <a:p>
             <a:fld id="{2B02613D-DE6C-4DB8-B7EF-959E62CC6C15}" type="datetimeFigureOut">
               <a:rPr lang="en-IN" smtClean="0"/>
-              <a:t>31-05-2024</a:t>
+              <a:t>02-06-2024</a:t>
             </a:fld>
             <a:endParaRPr lang="en-IN"/>
           </a:p>
@@ -867,7 +867,7 @@
           <a:p>
             <a:fld id="{2B02613D-DE6C-4DB8-B7EF-959E62CC6C15}" type="datetimeFigureOut">
               <a:rPr lang="en-IN" smtClean="0"/>
-              <a:t>31-05-2024</a:t>
+              <a:t>02-06-2024</a:t>
             </a:fld>
             <a:endParaRPr lang="en-IN"/>
           </a:p>
@@ -1136,7 +1136,7 @@
           <a:p>
             <a:fld id="{2B02613D-DE6C-4DB8-B7EF-959E62CC6C15}" type="datetimeFigureOut">
               <a:rPr lang="en-IN" smtClean="0"/>
-              <a:t>31-05-2024</a:t>
+              <a:t>02-06-2024</a:t>
             </a:fld>
             <a:endParaRPr lang="en-IN"/>
           </a:p>
@@ -1491,7 +1491,7 @@
           <a:p>
             <a:fld id="{2B02613D-DE6C-4DB8-B7EF-959E62CC6C15}" type="datetimeFigureOut">
               <a:rPr lang="en-IN" smtClean="0"/>
-              <a:t>31-05-2024</a:t>
+              <a:t>02-06-2024</a:t>
             </a:fld>
             <a:endParaRPr lang="en-IN"/>
           </a:p>
@@ -1799,7 +1799,7 @@
           <a:p>
             <a:fld id="{2B02613D-DE6C-4DB8-B7EF-959E62CC6C15}" type="datetimeFigureOut">
               <a:rPr lang="en-IN" smtClean="0"/>
-              <a:t>31-05-2024</a:t>
+              <a:t>02-06-2024</a:t>
             </a:fld>
             <a:endParaRPr lang="en-IN"/>
           </a:p>
@@ -2026,7 +2026,7 @@
           <a:p>
             <a:fld id="{2B02613D-DE6C-4DB8-B7EF-959E62CC6C15}" type="datetimeFigureOut">
               <a:rPr lang="en-IN" smtClean="0"/>
-              <a:t>31-05-2024</a:t>
+              <a:t>02-06-2024</a:t>
             </a:fld>
             <a:endParaRPr lang="en-IN"/>
           </a:p>
@@ -2116,7 +2116,7 @@
           <a:p>
             <a:fld id="{2B02613D-DE6C-4DB8-B7EF-959E62CC6C15}" type="datetimeFigureOut">
               <a:rPr lang="en-IN" smtClean="0"/>
-              <a:t>31-05-2024</a:t>
+              <a:t>02-06-2024</a:t>
             </a:fld>
             <a:endParaRPr lang="en-IN"/>
           </a:p>
@@ -2404,7 +2404,7 @@
           <a:p>
             <a:fld id="{2B02613D-DE6C-4DB8-B7EF-959E62CC6C15}" type="datetimeFigureOut">
               <a:rPr lang="en-IN" smtClean="0"/>
-              <a:t>31-05-2024</a:t>
+              <a:t>02-06-2024</a:t>
             </a:fld>
             <a:endParaRPr lang="en-IN"/>
           </a:p>
@@ -2673,7 +2673,7 @@
           <a:p>
             <a:fld id="{2B02613D-DE6C-4DB8-B7EF-959E62CC6C15}" type="datetimeFigureOut">
               <a:rPr lang="en-IN" smtClean="0"/>
-              <a:t>31-05-2024</a:t>
+              <a:t>02-06-2024</a:t>
             </a:fld>
             <a:endParaRPr lang="en-IN"/>
           </a:p>
@@ -2883,7 +2883,7 @@
           <a:p>
             <a:fld id="{2B02613D-DE6C-4DB8-B7EF-959E62CC6C15}" type="datetimeFigureOut">
               <a:rPr lang="en-IN" smtClean="0"/>
-              <a:t>31-05-2024</a:t>
+              <a:t>02-06-2024</a:t>
             </a:fld>
             <a:endParaRPr lang="en-IN"/>
           </a:p>
@@ -4155,37 +4155,7 @@
                   </a:schemeClr>
                 </a:solidFill>
               </a:rPr>
-              <a:t>Matter etc</a:t>
-            </a:r>
-            <a:r>
-              <a:rPr lang="en-IN" sz="2000" dirty="0" smtClean="0">
-                <a:solidFill>
-                  <a:schemeClr val="accent2">
-                    <a:lumMod val="50000"/>
-                  </a:schemeClr>
-                </a:solidFill>
-              </a:rPr>
-              <a:t>..</a:t>
-            </a:r>
-            <a:r>
-              <a:rPr lang="en-IN" sz="2000" dirty="0" smtClean="0">
-                <a:solidFill>
-                  <a:schemeClr val="accent2">
-                    <a:lumMod val="50000"/>
-                  </a:schemeClr>
-                </a:solidFill>
-              </a:rPr>
-              <a:t>) </a:t>
-            </a:r>
-            <a:r>
-              <a:rPr lang="en-IN" sz="2000" dirty="0" smtClean="0">
-                <a:solidFill>
-                  <a:schemeClr val="accent2">
-                    <a:lumMod val="50000"/>
-                  </a:schemeClr>
-                </a:solidFill>
-              </a:rPr>
-              <a:t>to </a:t>
+              <a:t>Matter etc..) to </a:t>
             </a:r>
             <a:r>
               <a:rPr lang="en-IN" sz="2000" dirty="0">
@@ -4816,10 +4786,360 @@
                         </a:spcAft>
                       </a:pPr>
                       <a:r>
+                        <a:rPr lang="en-IN" sz="1200" dirty="0" smtClean="0">
+                          <a:effectLst/>
+                        </a:rPr>
+                        <a:t>Noise</a:t>
+                      </a:r>
+                      <a:endParaRPr lang="en-IN" sz="1100" dirty="0">
+                        <a:effectLst/>
+                        <a:latin typeface="Calibri"/>
+                        <a:ea typeface="Calibri"/>
+                        <a:cs typeface="Mangal"/>
+                      </a:endParaRPr>
+                    </a:p>
+                  </a:txBody>
+                  <a:tcPr marL="68580" marR="68580" marT="0" marB="0"/>
+                </a:tc>
+                <a:tc>
+                  <a:txBody>
+                    <a:bodyPr/>
+                    <a:lstStyle/>
+                    <a:p>
+                      <a:pPr algn="ctr">
+                        <a:lnSpc>
+                          <a:spcPct val="115000"/>
+                        </a:lnSpc>
+                        <a:spcAft>
+                          <a:spcPts val="0"/>
+                        </a:spcAft>
+                      </a:pPr>
+                      <a:r>
+                        <a:rPr lang="en-IN" sz="1200" dirty="0" smtClean="0">
+                          <a:effectLst/>
+                        </a:rPr>
+                        <a:t>0</a:t>
+                      </a:r>
+                      <a:endParaRPr lang="en-IN" sz="1100" dirty="0">
+                        <a:effectLst/>
+                        <a:latin typeface="Calibri"/>
+                        <a:ea typeface="Calibri"/>
+                        <a:cs typeface="Mangal"/>
+                      </a:endParaRPr>
+                    </a:p>
+                  </a:txBody>
+                  <a:tcPr marL="68580" marR="68580" marT="0" marB="0"/>
+                </a:tc>
+                <a:tc>
+                  <a:txBody>
+                    <a:bodyPr/>
+                    <a:lstStyle/>
+                    <a:p>
+                      <a:pPr algn="ctr">
+                        <a:lnSpc>
+                          <a:spcPct val="115000"/>
+                        </a:lnSpc>
+                        <a:spcAft>
+                          <a:spcPts val="0"/>
+                        </a:spcAft>
+                      </a:pPr>
+                      <a:r>
+                        <a:rPr lang="en-IN" sz="1200" dirty="0" smtClean="0">
+                          <a:effectLst/>
+                        </a:rPr>
+                        <a:t>1</a:t>
+                      </a:r>
+                      <a:endParaRPr lang="en-IN" sz="1100" dirty="0">
+                        <a:effectLst/>
+                        <a:latin typeface="Calibri"/>
+                        <a:ea typeface="Calibri"/>
+                        <a:cs typeface="Mangal"/>
+                      </a:endParaRPr>
+                    </a:p>
+                  </a:txBody>
+                  <a:tcPr marL="68580" marR="68580" marT="0" marB="0"/>
+                </a:tc>
+                <a:tc>
+                  <a:txBody>
+                    <a:bodyPr/>
+                    <a:lstStyle/>
+                    <a:p>
+                      <a:pPr algn="ctr">
+                        <a:lnSpc>
+                          <a:spcPct val="115000"/>
+                        </a:lnSpc>
+                        <a:spcAft>
+                          <a:spcPts val="0"/>
+                        </a:spcAft>
+                      </a:pPr>
+                      <a:r>
+                        <a:rPr lang="en-IN" sz="1200" dirty="0" smtClean="0">
+                          <a:effectLst/>
+                        </a:rPr>
+                        <a:t>1</a:t>
+                      </a:r>
+                      <a:endParaRPr lang="en-IN" sz="1100" dirty="0">
+                        <a:effectLst/>
+                        <a:latin typeface="Calibri"/>
+                        <a:ea typeface="Calibri"/>
+                        <a:cs typeface="Mangal"/>
+                      </a:endParaRPr>
+                    </a:p>
+                  </a:txBody>
+                  <a:tcPr marL="68580" marR="68580" marT="0" marB="0"/>
+                </a:tc>
+                <a:tc>
+                  <a:txBody>
+                    <a:bodyPr/>
+                    <a:lstStyle/>
+                    <a:p>
+                      <a:pPr algn="ctr">
+                        <a:lnSpc>
+                          <a:spcPct val="115000"/>
+                        </a:lnSpc>
+                        <a:spcAft>
+                          <a:spcPts val="0"/>
+                        </a:spcAft>
+                      </a:pPr>
+                      <a:r>
+                        <a:rPr lang="en-IN" sz="1200" dirty="0" smtClean="0">
+                          <a:effectLst/>
+                        </a:rPr>
+                        <a:t>3</a:t>
+                      </a:r>
+                      <a:endParaRPr lang="en-IN" sz="1100" dirty="0">
+                        <a:effectLst/>
+                        <a:latin typeface="Calibri"/>
+                        <a:ea typeface="Calibri"/>
+                        <a:cs typeface="Mangal"/>
+                      </a:endParaRPr>
+                    </a:p>
+                  </a:txBody>
+                  <a:tcPr marL="68580" marR="68580" marT="0" marB="0"/>
+                </a:tc>
+                <a:tc>
+                  <a:txBody>
+                    <a:bodyPr/>
+                    <a:lstStyle/>
+                    <a:p>
+                      <a:pPr algn="ctr">
+                        <a:lnSpc>
+                          <a:spcPct val="115000"/>
+                        </a:lnSpc>
+                        <a:spcAft>
+                          <a:spcPts val="0"/>
+                        </a:spcAft>
+                      </a:pPr>
+                      <a:r>
+                        <a:rPr lang="en-IN" sz="1200" dirty="0" smtClean="0">
+                          <a:effectLst/>
+                        </a:rPr>
+                        <a:t>3</a:t>
+                      </a:r>
+                      <a:endParaRPr lang="en-IN" sz="1100" dirty="0">
+                        <a:effectLst/>
+                        <a:latin typeface="Calibri"/>
+                        <a:ea typeface="Calibri"/>
+                        <a:cs typeface="Mangal"/>
+                      </a:endParaRPr>
+                    </a:p>
+                  </a:txBody>
+                  <a:tcPr marL="68580" marR="68580" marT="0" marB="0"/>
+                </a:tc>
+                <a:tc>
+                  <a:txBody>
+                    <a:bodyPr/>
+                    <a:lstStyle/>
+                    <a:p>
+                      <a:pPr algn="ctr">
+                        <a:lnSpc>
+                          <a:spcPct val="115000"/>
+                        </a:lnSpc>
+                        <a:spcAft>
+                          <a:spcPts val="0"/>
+                        </a:spcAft>
+                      </a:pPr>
+                      <a:r>
                         <a:rPr lang="en-IN" sz="1200" dirty="0">
                           <a:effectLst/>
                         </a:rPr>
-                        <a:t>Noise</a:t>
+                        <a:t>5</a:t>
+                      </a:r>
+                      <a:endParaRPr lang="en-IN" sz="1100" dirty="0">
+                        <a:effectLst/>
+                        <a:latin typeface="Calibri"/>
+                        <a:ea typeface="Calibri"/>
+                        <a:cs typeface="Mangal"/>
+                      </a:endParaRPr>
+                    </a:p>
+                  </a:txBody>
+                  <a:tcPr marL="68580" marR="68580" marT="0" marB="0"/>
+                </a:tc>
+                <a:tc>
+                  <a:txBody>
+                    <a:bodyPr/>
+                    <a:lstStyle/>
+                    <a:p>
+                      <a:pPr algn="ctr">
+                        <a:lnSpc>
+                          <a:spcPct val="115000"/>
+                        </a:lnSpc>
+                        <a:spcAft>
+                          <a:spcPts val="0"/>
+                        </a:spcAft>
+                      </a:pPr>
+                      <a:r>
+                        <a:rPr lang="en-IN" sz="1200" dirty="0">
+                          <a:effectLst/>
+                        </a:rPr>
+                        <a:t>5</a:t>
+                      </a:r>
+                      <a:endParaRPr lang="en-IN" sz="1100" dirty="0">
+                        <a:effectLst/>
+                        <a:latin typeface="Calibri"/>
+                        <a:ea typeface="Calibri"/>
+                        <a:cs typeface="Mangal"/>
+                      </a:endParaRPr>
+                    </a:p>
+                  </a:txBody>
+                  <a:tcPr marL="68580" marR="68580" marT="0" marB="0"/>
+                </a:tc>
+                <a:tc>
+                  <a:txBody>
+                    <a:bodyPr/>
+                    <a:lstStyle/>
+                    <a:p>
+                      <a:pPr algn="ctr">
+                        <a:lnSpc>
+                          <a:spcPct val="115000"/>
+                        </a:lnSpc>
+                        <a:spcAft>
+                          <a:spcPts val="0"/>
+                        </a:spcAft>
+                      </a:pPr>
+                      <a:r>
+                        <a:rPr lang="en-IN" sz="1200" dirty="0">
+                          <a:effectLst/>
+                        </a:rPr>
+                        <a:t>7</a:t>
+                      </a:r>
+                      <a:endParaRPr lang="en-IN" sz="1100" dirty="0">
+                        <a:effectLst/>
+                        <a:latin typeface="Calibri"/>
+                        <a:ea typeface="Calibri"/>
+                        <a:cs typeface="Mangal"/>
+                      </a:endParaRPr>
+                    </a:p>
+                  </a:txBody>
+                  <a:tcPr marL="68580" marR="68580" marT="0" marB="0"/>
+                </a:tc>
+                <a:tc>
+                  <a:txBody>
+                    <a:bodyPr/>
+                    <a:lstStyle/>
+                    <a:p>
+                      <a:pPr algn="ctr">
+                        <a:lnSpc>
+                          <a:spcPct val="115000"/>
+                        </a:lnSpc>
+                        <a:spcAft>
+                          <a:spcPts val="0"/>
+                        </a:spcAft>
+                      </a:pPr>
+                      <a:r>
+                        <a:rPr lang="en-IN" sz="1200" dirty="0">
+                          <a:effectLst/>
+                        </a:rPr>
+                        <a:t>7</a:t>
+                      </a:r>
+                      <a:endParaRPr lang="en-IN" sz="1100" dirty="0">
+                        <a:effectLst/>
+                        <a:latin typeface="Calibri"/>
+                        <a:ea typeface="Calibri"/>
+                        <a:cs typeface="Mangal"/>
+                      </a:endParaRPr>
+                    </a:p>
+                  </a:txBody>
+                  <a:tcPr marL="68580" marR="68580" marT="0" marB="0"/>
+                </a:tc>
+                <a:tc>
+                  <a:txBody>
+                    <a:bodyPr/>
+                    <a:lstStyle/>
+                    <a:p>
+                      <a:pPr algn="ctr">
+                        <a:lnSpc>
+                          <a:spcPct val="115000"/>
+                        </a:lnSpc>
+                        <a:spcAft>
+                          <a:spcPts val="0"/>
+                        </a:spcAft>
+                      </a:pPr>
+                      <a:r>
+                        <a:rPr lang="en-IN" sz="1200" dirty="0">
+                          <a:effectLst/>
+                        </a:rPr>
+                        <a:t>9</a:t>
+                      </a:r>
+                      <a:endParaRPr lang="en-IN" sz="1100" dirty="0">
+                        <a:effectLst/>
+                        <a:latin typeface="Calibri"/>
+                        <a:ea typeface="Calibri"/>
+                        <a:cs typeface="Mangal"/>
+                      </a:endParaRPr>
+                    </a:p>
+                  </a:txBody>
+                  <a:tcPr marL="68580" marR="68580" marT="0" marB="0"/>
+                </a:tc>
+                <a:tc>
+                  <a:txBody>
+                    <a:bodyPr/>
+                    <a:lstStyle/>
+                    <a:p>
+                      <a:pPr algn="ctr">
+                        <a:lnSpc>
+                          <a:spcPct val="115000"/>
+                        </a:lnSpc>
+                        <a:spcAft>
+                          <a:spcPts val="0"/>
+                        </a:spcAft>
+                      </a:pPr>
+                      <a:r>
+                        <a:rPr lang="en-IN" sz="1200" dirty="0">
+                          <a:effectLst/>
+                        </a:rPr>
+                        <a:t>9</a:t>
+                      </a:r>
+                      <a:endParaRPr lang="en-IN" sz="1100" dirty="0">
+                        <a:effectLst/>
+                        <a:latin typeface="Calibri"/>
+                        <a:ea typeface="Calibri"/>
+                        <a:cs typeface="Mangal"/>
+                      </a:endParaRPr>
+                    </a:p>
+                  </a:txBody>
+                  <a:tcPr marL="68580" marR="68580" marT="0" marB="0"/>
+                </a:tc>
+              </a:tr>
+              <a:tr h="586611">
+                <a:tc>
+                  <a:txBody>
+                    <a:bodyPr/>
+                    <a:lstStyle/>
+                    <a:p>
+                      <a:pPr algn="ctr">
+                        <a:lnSpc>
+                          <a:spcPct val="115000"/>
+                        </a:lnSpc>
+                        <a:spcAft>
+                          <a:spcPts val="0"/>
+                        </a:spcAft>
+                      </a:pPr>
+                      <a:r>
+                        <a:rPr lang="en-IN" sz="1200" dirty="0" smtClean="0">
+                          <a:effectLst/>
+                        </a:rPr>
+                        <a:t>INU</a:t>
                       </a:r>
                       <a:endParaRPr lang="en-IN" sz="1100" dirty="0">
                         <a:effectLst/>
@@ -4877,96 +5197,9 @@
                         <a:rPr lang="en-IN" sz="1200" dirty="0">
                           <a:effectLst/>
                         </a:rPr>
-                        <a:t>1</a:t>
+                        <a:t>20</a:t>
                       </a:r>
                       <a:endParaRPr lang="en-IN" sz="1100" dirty="0">
-                        <a:effectLst/>
-                        <a:latin typeface="Calibri"/>
-                        <a:ea typeface="Calibri"/>
-                        <a:cs typeface="Mangal"/>
-                      </a:endParaRPr>
-                    </a:p>
-                  </a:txBody>
-                  <a:tcPr marL="68580" marR="68580" marT="0" marB="0"/>
-                </a:tc>
-                <a:tc>
-                  <a:txBody>
-                    <a:bodyPr/>
-                    <a:lstStyle/>
-                    <a:p>
-                      <a:pPr algn="ctr">
-                        <a:lnSpc>
-                          <a:spcPct val="115000"/>
-                        </a:lnSpc>
-                        <a:spcAft>
-                          <a:spcPts val="0"/>
-                        </a:spcAft>
-                      </a:pPr>
-                      <a:r>
-                        <a:rPr lang="en-IN" sz="1200">
-                          <a:effectLst/>
-                        </a:rPr>
-                        <a:t>1</a:t>
-                      </a:r>
-                      <a:endParaRPr lang="en-IN" sz="1100">
-                        <a:effectLst/>
-                        <a:latin typeface="Calibri"/>
-                        <a:ea typeface="Calibri"/>
-                        <a:cs typeface="Mangal"/>
-                      </a:endParaRPr>
-                    </a:p>
-                  </a:txBody>
-                  <a:tcPr marL="68580" marR="68580" marT="0" marB="0"/>
-                </a:tc>
-                <a:tc>
-                  <a:txBody>
-                    <a:bodyPr/>
-                    <a:lstStyle/>
-                    <a:p>
-                      <a:pPr algn="ctr">
-                        <a:lnSpc>
-                          <a:spcPct val="115000"/>
-                        </a:lnSpc>
-                        <a:spcAft>
-                          <a:spcPts val="0"/>
-                        </a:spcAft>
-                      </a:pPr>
-                      <a:r>
-                        <a:rPr lang="en-IN" sz="1200">
-                          <a:effectLst/>
-                        </a:rPr>
-                        <a:t>3</a:t>
-                      </a:r>
-                      <a:endParaRPr lang="en-IN" sz="1100">
-                        <a:effectLst/>
-                        <a:latin typeface="Calibri"/>
-                        <a:ea typeface="Calibri"/>
-                        <a:cs typeface="Mangal"/>
-                      </a:endParaRPr>
-                    </a:p>
-                  </a:txBody>
-                  <a:tcPr marL="68580" marR="68580" marT="0" marB="0"/>
-                </a:tc>
-                <a:tc>
-                  <a:txBody>
-                    <a:bodyPr/>
-                    <a:lstStyle/>
-                    <a:p>
-                      <a:pPr algn="ctr">
-                        <a:lnSpc>
-                          <a:spcPct val="115000"/>
-                        </a:lnSpc>
-                        <a:spcAft>
-                          <a:spcPts val="0"/>
-                        </a:spcAft>
-                      </a:pPr>
-                      <a:r>
-                        <a:rPr lang="en-IN" sz="1200">
-                          <a:effectLst/>
-                        </a:rPr>
-                        <a:t>3</a:t>
-                      </a:r>
-                      <a:endParaRPr lang="en-IN" sz="1100">
                         <a:effectLst/>
                         <a:latin typeface="Calibri"/>
                         <a:ea typeface="Calibri"/>
@@ -4993,7 +5226,7 @@
                         <a:rPr lang="en-IN" sz="1200" dirty="0">
                           <a:effectLst/>
                         </a:rPr>
-                        <a:t>5</a:t>
+                        <a:t>40</a:t>
                       </a:r>
                       <a:endParaRPr lang="en-IN" sz="1100" dirty="0">
                         <a:effectLst/>
@@ -5019,12 +5252,12 @@
                         </a:spcAft>
                       </a:pPr>
                       <a:r>
-                        <a:rPr lang="en-IN" sz="1200">
+                        <a:rPr lang="en-IN" sz="1200" dirty="0">
                           <a:effectLst/>
                         </a:rPr>
-                        <a:t>5</a:t>
+                        <a:t>20</a:t>
                       </a:r>
-                      <a:endParaRPr lang="en-IN" sz="1100">
+                      <a:endParaRPr lang="en-IN" sz="1100" dirty="0">
                         <a:effectLst/>
                         <a:latin typeface="Calibri"/>
                         <a:ea typeface="Calibri"/>
@@ -5048,12 +5281,12 @@
                         </a:spcAft>
                       </a:pPr>
                       <a:r>
-                        <a:rPr lang="en-IN" sz="1200">
+                        <a:rPr lang="en-IN" sz="1200" dirty="0">
                           <a:effectLst/>
                         </a:rPr>
-                        <a:t>7</a:t>
+                        <a:t>40</a:t>
                       </a:r>
-                      <a:endParaRPr lang="en-IN" sz="1100">
+                      <a:endParaRPr lang="en-IN" sz="1100" dirty="0">
                         <a:effectLst/>
                         <a:latin typeface="Calibri"/>
                         <a:ea typeface="Calibri"/>
@@ -5077,159 +5310,12 @@
                         </a:spcAft>
                       </a:pPr>
                       <a:r>
-                        <a:rPr lang="en-IN" sz="1200">
-                          <a:effectLst/>
-                        </a:rPr>
-                        <a:t>7</a:t>
-                      </a:r>
-                      <a:endParaRPr lang="en-IN" sz="1100">
-                        <a:effectLst/>
-                        <a:latin typeface="Calibri"/>
-                        <a:ea typeface="Calibri"/>
-                        <a:cs typeface="Mangal"/>
-                      </a:endParaRPr>
-                    </a:p>
-                  </a:txBody>
-                  <a:tcPr marL="68580" marR="68580" marT="0" marB="0"/>
-                </a:tc>
-                <a:tc>
-                  <a:txBody>
-                    <a:bodyPr/>
-                    <a:lstStyle/>
-                    <a:p>
-                      <a:pPr algn="ctr">
-                        <a:lnSpc>
-                          <a:spcPct val="115000"/>
-                        </a:lnSpc>
-                        <a:spcAft>
-                          <a:spcPts val="0"/>
-                        </a:spcAft>
-                      </a:pPr>
-                      <a:r>
-                        <a:rPr lang="en-IN" sz="1200">
-                          <a:effectLst/>
-                        </a:rPr>
-                        <a:t>9</a:t>
-                      </a:r>
-                      <a:endParaRPr lang="en-IN" sz="1100">
-                        <a:effectLst/>
-                        <a:latin typeface="Calibri"/>
-                        <a:ea typeface="Calibri"/>
-                        <a:cs typeface="Mangal"/>
-                      </a:endParaRPr>
-                    </a:p>
-                  </a:txBody>
-                  <a:tcPr marL="68580" marR="68580" marT="0" marB="0"/>
-                </a:tc>
-                <a:tc>
-                  <a:txBody>
-                    <a:bodyPr/>
-                    <a:lstStyle/>
-                    <a:p>
-                      <a:pPr algn="ctr">
-                        <a:lnSpc>
-                          <a:spcPct val="115000"/>
-                        </a:lnSpc>
-                        <a:spcAft>
-                          <a:spcPts val="0"/>
-                        </a:spcAft>
-                      </a:pPr>
-                      <a:r>
-                        <a:rPr lang="en-IN" sz="1200">
-                          <a:effectLst/>
-                        </a:rPr>
-                        <a:t>9</a:t>
-                      </a:r>
-                      <a:endParaRPr lang="en-IN" sz="1100">
-                        <a:effectLst/>
-                        <a:latin typeface="Calibri"/>
-                        <a:ea typeface="Calibri"/>
-                        <a:cs typeface="Mangal"/>
-                      </a:endParaRPr>
-                    </a:p>
-                  </a:txBody>
-                  <a:tcPr marL="68580" marR="68580" marT="0" marB="0"/>
-                </a:tc>
-              </a:tr>
-              <a:tr h="586611">
-                <a:tc>
-                  <a:txBody>
-                    <a:bodyPr/>
-                    <a:lstStyle/>
-                    <a:p>
-                      <a:pPr algn="ctr">
-                        <a:lnSpc>
-                          <a:spcPct val="115000"/>
-                        </a:lnSpc>
-                        <a:spcAft>
-                          <a:spcPts val="0"/>
-                        </a:spcAft>
-                      </a:pPr>
-                      <a:r>
-                        <a:rPr lang="en-IN" sz="1200">
-                          <a:effectLst/>
-                        </a:rPr>
-                        <a:t>INU</a:t>
-                      </a:r>
-                      <a:endParaRPr lang="en-IN" sz="1100">
-                        <a:effectLst/>
-                        <a:latin typeface="Calibri"/>
-                        <a:ea typeface="Calibri"/>
-                        <a:cs typeface="Mangal"/>
-                      </a:endParaRPr>
-                    </a:p>
-                  </a:txBody>
-                  <a:tcPr marL="68580" marR="68580" marT="0" marB="0"/>
-                </a:tc>
-                <a:tc>
-                  <a:txBody>
-                    <a:bodyPr/>
-                    <a:lstStyle/>
-                    <a:p>
-                      <a:pPr algn="ctr">
-                        <a:lnSpc>
-                          <a:spcPct val="115000"/>
-                        </a:lnSpc>
-                        <a:spcAft>
-                          <a:spcPts val="0"/>
-                        </a:spcAft>
-                      </a:pPr>
-                      <a:r>
-                        <a:rPr lang="en-IN" sz="1200">
-                          <a:effectLst/>
-                        </a:rPr>
-                        <a:t>0</a:t>
-                      </a:r>
-                      <a:endParaRPr lang="en-IN" sz="1100">
-                        <a:effectLst/>
-                        <a:latin typeface="Calibri"/>
-                        <a:ea typeface="Calibri"/>
-                        <a:cs typeface="Mangal"/>
-                      </a:endParaRPr>
-                    </a:p>
-                  </a:txBody>
-                  <a:tcPr marL="68580" marR="68580" marT="0" marB="0"/>
-                </a:tc>
-                <a:tc>
-                  <a:txBody>
-                    <a:bodyPr/>
-                    <a:lstStyle/>
-                    <a:p>
-                      <a:pPr algn="ctr">
-                        <a:lnSpc>
-                          <a:spcPct val="115000"/>
-                        </a:lnSpc>
-                        <a:spcAft>
-                          <a:spcPts val="0"/>
-                        </a:spcAft>
-                      </a:pPr>
-                      <a:r>
-                        <a:rPr lang="en-IN" sz="1200">
+                        <a:rPr lang="en-IN" sz="1200" dirty="0">
                           <a:effectLst/>
                         </a:rPr>
                         <a:t>20</a:t>
                       </a:r>
-                      <a:endParaRPr lang="en-IN" sz="1100">
+                      <a:endParaRPr lang="en-IN" sz="1100" dirty="0">
                         <a:effectLst/>
                         <a:latin typeface="Calibri"/>
                         <a:ea typeface="Calibri"/>
@@ -5340,128 +5426,12 @@
                         </a:spcAft>
                       </a:pPr>
                       <a:r>
-                        <a:rPr lang="en-IN" sz="1200">
+                        <a:rPr lang="en-IN" sz="1200" dirty="0">
                           <a:effectLst/>
                         </a:rPr>
                         <a:t>20</a:t>
                       </a:r>
-                      <a:endParaRPr lang="en-IN" sz="1100">
-                        <a:effectLst/>
-                        <a:latin typeface="Calibri"/>
-                        <a:ea typeface="Calibri"/>
-                        <a:cs typeface="Mangal"/>
-                      </a:endParaRPr>
-                    </a:p>
-                  </a:txBody>
-                  <a:tcPr marL="68580" marR="68580" marT="0" marB="0"/>
-                </a:tc>
-                <a:tc>
-                  <a:txBody>
-                    <a:bodyPr/>
-                    <a:lstStyle/>
-                    <a:p>
-                      <a:pPr algn="ctr">
-                        <a:lnSpc>
-                          <a:spcPct val="115000"/>
-                        </a:lnSpc>
-                        <a:spcAft>
-                          <a:spcPts val="0"/>
-                        </a:spcAft>
-                      </a:pPr>
-                      <a:r>
-                        <a:rPr lang="en-IN" sz="1200">
-                          <a:effectLst/>
-                        </a:rPr>
-                        <a:t>40</a:t>
-                      </a:r>
-                      <a:endParaRPr lang="en-IN" sz="1100">
-                        <a:effectLst/>
-                        <a:latin typeface="Calibri"/>
-                        <a:ea typeface="Calibri"/>
-                        <a:cs typeface="Mangal"/>
-                      </a:endParaRPr>
-                    </a:p>
-                  </a:txBody>
-                  <a:tcPr marL="68580" marR="68580" marT="0" marB="0"/>
-                </a:tc>
-                <a:tc>
-                  <a:txBody>
-                    <a:bodyPr/>
-                    <a:lstStyle/>
-                    <a:p>
-                      <a:pPr algn="ctr">
-                        <a:lnSpc>
-                          <a:spcPct val="115000"/>
-                        </a:lnSpc>
-                        <a:spcAft>
-                          <a:spcPts val="0"/>
-                        </a:spcAft>
-                      </a:pPr>
-                      <a:r>
-                        <a:rPr lang="en-IN" sz="1200">
-                          <a:effectLst/>
-                        </a:rPr>
-                        <a:t>20</a:t>
-                      </a:r>
-                      <a:endParaRPr lang="en-IN" sz="1100">
-                        <a:effectLst/>
-                        <a:latin typeface="Calibri"/>
-                        <a:ea typeface="Calibri"/>
-                        <a:cs typeface="Mangal"/>
-                      </a:endParaRPr>
-                    </a:p>
-                  </a:txBody>
-                  <a:tcPr marL="68580" marR="68580" marT="0" marB="0"/>
-                </a:tc>
-                <a:tc>
-                  <a:txBody>
-                    <a:bodyPr/>
-                    <a:lstStyle/>
-                    <a:p>
-                      <a:pPr algn="ctr">
-                        <a:lnSpc>
-                          <a:spcPct val="115000"/>
-                        </a:lnSpc>
-                        <a:spcAft>
-                          <a:spcPts val="0"/>
-                        </a:spcAft>
-                      </a:pPr>
-                      <a:r>
-                        <a:rPr lang="en-IN" sz="1200">
-                          <a:effectLst/>
-                        </a:rPr>
-                        <a:t>40</a:t>
-                      </a:r>
-                      <a:endParaRPr lang="en-IN" sz="1100">
-                        <a:effectLst/>
-                        <a:latin typeface="Calibri"/>
-                        <a:ea typeface="Calibri"/>
-                        <a:cs typeface="Mangal"/>
-                      </a:endParaRPr>
-                    </a:p>
-                  </a:txBody>
-                  <a:tcPr marL="68580" marR="68580" marT="0" marB="0"/>
-                </a:tc>
-                <a:tc>
-                  <a:txBody>
-                    <a:bodyPr/>
-                    <a:lstStyle/>
-                    <a:p>
-                      <a:pPr algn="ctr">
-                        <a:lnSpc>
-                          <a:spcPct val="115000"/>
-                        </a:lnSpc>
-                        <a:spcAft>
-                          <a:spcPts val="0"/>
-                        </a:spcAft>
-                      </a:pPr>
-                      <a:r>
-                        <a:rPr lang="en-IN" sz="1200">
-                          <a:effectLst/>
-                        </a:rPr>
-                        <a:t>20</a:t>
-                      </a:r>
-                      <a:endParaRPr lang="en-IN" sz="1100">
+                      <a:endParaRPr lang="en-IN" sz="1100" dirty="0">
                         <a:effectLst/>
                         <a:latin typeface="Calibri"/>
                         <a:ea typeface="Calibri"/>
@@ -6193,8 +6163,8 @@
           </a:p>
         </p:txBody>
       </p:sp>
-      <mc:AlternateContent xmlns:mc="http://schemas.openxmlformats.org/markup-compatibility/2006">
-        <mc:Choice xmlns:a14="http://schemas.microsoft.com/office/drawing/2010/main" Requires="a14">
+      <mc:AlternateContent xmlns:mc="http://schemas.openxmlformats.org/markup-compatibility/2006" xmlns:a14="http://schemas.microsoft.com/office/drawing/2010/main">
+        <mc:Choice Requires="a14">
           <p:sp>
             <p:nvSpPr>
               <p:cNvPr id="3" name="Content Placeholder 2"/>
@@ -6906,7 +6876,7 @@
             </p:txBody>
           </p:sp>
         </mc:Choice>
-        <mc:Fallback>
+        <mc:Fallback xmlns="">
           <p:sp>
             <p:nvSpPr>
               <p:cNvPr id="3" name="Content Placeholder 2"/>
@@ -7008,8 +6978,8 @@
           </a:p>
         </p:txBody>
       </p:sp>
-      <mc:AlternateContent xmlns:mc="http://schemas.openxmlformats.org/markup-compatibility/2006">
-        <mc:Choice xmlns:a14="http://schemas.microsoft.com/office/drawing/2010/main" Requires="a14">
+      <mc:AlternateContent xmlns:mc="http://schemas.openxmlformats.org/markup-compatibility/2006" xmlns:a14="http://schemas.microsoft.com/office/drawing/2010/main">
+        <mc:Choice Requires="a14">
           <p:sp>
             <p:nvSpPr>
               <p:cNvPr id="3" name="Content Placeholder 2"/>
@@ -7048,17 +7018,7 @@
                       </a:schemeClr>
                     </a:solidFill>
                   </a:rPr>
-                  <a:t>Accuracy </a:t>
-                </a:r>
-                <a:r>
-                  <a:rPr lang="en-IN" sz="2200" dirty="0" smtClean="0">
-                    <a:solidFill>
-                      <a:schemeClr val="accent2">
-                        <a:lumMod val="50000"/>
-                      </a:schemeClr>
-                    </a:solidFill>
-                  </a:rPr>
-                  <a:t>and F</a:t>
+                  <a:t>Accuracy and F</a:t>
                 </a:r>
                 <a:r>
                   <a:rPr lang="en-IN" sz="2200" baseline="-25000" dirty="0" smtClean="0">
@@ -7078,17 +7038,7 @@
                       </a:schemeClr>
                     </a:solidFill>
                   </a:rPr>
-                  <a:t> </a:t>
-                </a:r>
-                <a:r>
-                  <a:rPr lang="en-IN" sz="2200" dirty="0" smtClean="0">
-                    <a:solidFill>
-                      <a:schemeClr val="accent2">
-                        <a:lumMod val="50000"/>
-                      </a:schemeClr>
-                    </a:solidFill>
-                  </a:rPr>
-                  <a:t>Score can be computed using the equation mentioned below –</a:t>
+                  <a:t> Score can be computed using the equation mentioned below –</a:t>
                 </a:r>
               </a:p>
               <a:p>
@@ -7575,7 +7525,7 @@
             </p:txBody>
           </p:sp>
         </mc:Choice>
-        <mc:Fallback>
+        <mc:Fallback xmlns="">
           <p:sp>
             <p:nvSpPr>
               <p:cNvPr id="3" name="Content Placeholder 2"/>
@@ -7677,8 +7627,8 @@
           </a:p>
         </p:txBody>
       </p:sp>
-      <mc:AlternateContent xmlns:mc="http://schemas.openxmlformats.org/markup-compatibility/2006">
-        <mc:Choice xmlns:a14="http://schemas.microsoft.com/office/drawing/2010/main" Requires="a14">
+      <mc:AlternateContent xmlns:mc="http://schemas.openxmlformats.org/markup-compatibility/2006" xmlns:a14="http://schemas.microsoft.com/office/drawing/2010/main">
+        <mc:Choice Requires="a14">
           <p:sp>
             <p:nvSpPr>
               <p:cNvPr id="3" name="Content Placeholder 2"/>
@@ -8520,7 +8470,7 @@
             </p:txBody>
           </p:sp>
         </mc:Choice>
-        <mc:Fallback>
+        <mc:Fallback xmlns="">
           <p:sp>
             <p:nvSpPr>
               <p:cNvPr id="3" name="Content Placeholder 2"/>
@@ -11754,7 +11704,7 @@
         </p:spPr>
         <p:txBody>
           <a:bodyPr>
-            <a:normAutofit fontScale="85000" lnSpcReduction="20000"/>
+            <a:normAutofit fontScale="92500" lnSpcReduction="20000"/>
           </a:bodyPr>
           <a:lstStyle/>
           <a:p>
@@ -11847,142 +11797,6 @@
                   </a:schemeClr>
                 </a:solidFill>
                 <a:hlinkClick r:id="rId2"/>
-              </a:rPr>
-              <a:t>.</a:t>
-            </a:r>
-            <a:endParaRPr lang="en-IN" sz="1800" dirty="0" smtClean="0">
-              <a:solidFill>
-                <a:schemeClr val="accent2">
-                  <a:lumMod val="50000"/>
-                </a:schemeClr>
-              </a:solidFill>
-            </a:endParaRPr>
-          </a:p>
-          <a:p>
-            <a:pPr lvl="0">
-              <a:buFont typeface="Wingdings" panose="05000000000000000000" pitchFamily="2" charset="2"/>
-              <a:buChar char="Ø"/>
-            </a:pPr>
-            <a:endParaRPr lang="en-IN" sz="1800" dirty="0" smtClean="0">
-              <a:solidFill>
-                <a:schemeClr val="accent2">
-                  <a:lumMod val="50000"/>
-                </a:schemeClr>
-              </a:solidFill>
-            </a:endParaRPr>
-          </a:p>
-          <a:p>
-            <a:pPr lvl="0">
-              <a:buFont typeface="Wingdings" panose="05000000000000000000" pitchFamily="2" charset="2"/>
-              <a:buChar char="Ø"/>
-            </a:pPr>
-            <a:r>
-              <a:rPr lang="en-IN" sz="1800" dirty="0">
-                <a:solidFill>
-                  <a:schemeClr val="accent2">
-                    <a:lumMod val="50000"/>
-                  </a:schemeClr>
-                </a:solidFill>
-                <a:hlinkClick r:id="rId3"/>
-              </a:rPr>
-              <a:t>Sing, J. K., </a:t>
-            </a:r>
-            <a:r>
-              <a:rPr lang="en-IN" sz="1800" dirty="0" err="1">
-                <a:solidFill>
-                  <a:schemeClr val="accent2">
-                    <a:lumMod val="50000"/>
-                  </a:schemeClr>
-                </a:solidFill>
-                <a:hlinkClick r:id="rId3"/>
-              </a:rPr>
-              <a:t>Basu</a:t>
-            </a:r>
-            <a:r>
-              <a:rPr lang="en-IN" sz="1800" dirty="0">
-                <a:solidFill>
-                  <a:schemeClr val="accent2">
-                    <a:lumMod val="50000"/>
-                  </a:schemeClr>
-                </a:solidFill>
-                <a:hlinkClick r:id="rId3"/>
-              </a:rPr>
-              <a:t>, D. K., </a:t>
-            </a:r>
-            <a:r>
-              <a:rPr lang="en-IN" sz="1800" dirty="0" err="1">
-                <a:solidFill>
-                  <a:schemeClr val="accent2">
-                    <a:lumMod val="50000"/>
-                  </a:schemeClr>
-                </a:solidFill>
-                <a:hlinkClick r:id="rId3"/>
-              </a:rPr>
-              <a:t>Nasipuri</a:t>
-            </a:r>
-            <a:r>
-              <a:rPr lang="en-IN" sz="1800" dirty="0">
-                <a:solidFill>
-                  <a:schemeClr val="accent2">
-                    <a:lumMod val="50000"/>
-                  </a:schemeClr>
-                </a:solidFill>
-                <a:hlinkClick r:id="rId3"/>
-              </a:rPr>
-              <a:t>, M., &amp; </a:t>
-            </a:r>
-            <a:r>
-              <a:rPr lang="en-IN" sz="1800" dirty="0" err="1">
-                <a:solidFill>
-                  <a:schemeClr val="accent2">
-                    <a:lumMod val="50000"/>
-                  </a:schemeClr>
-                </a:solidFill>
-                <a:hlinkClick r:id="rId3"/>
-              </a:rPr>
-              <a:t>Kundu</a:t>
-            </a:r>
-            <a:r>
-              <a:rPr lang="en-IN" sz="1800" dirty="0">
-                <a:solidFill>
-                  <a:schemeClr val="accent2">
-                    <a:lumMod val="50000"/>
-                  </a:schemeClr>
-                </a:solidFill>
-                <a:hlinkClick r:id="rId3"/>
-              </a:rPr>
-              <a:t>, M. (2005). Segmentation of MR images of the human brain using fuzzy adaptive radial basis function neural network. In Pattern Recognition and Machine Intelligence: First International Conference, </a:t>
-            </a:r>
-            <a:r>
-              <a:rPr lang="en-IN" sz="1800" dirty="0" err="1">
-                <a:solidFill>
-                  <a:schemeClr val="accent2">
-                    <a:lumMod val="50000"/>
-                  </a:schemeClr>
-                </a:solidFill>
-                <a:hlinkClick r:id="rId3"/>
-              </a:rPr>
-              <a:t>PReMI</a:t>
-            </a:r>
-            <a:r>
-              <a:rPr lang="en-IN" sz="1800" dirty="0">
-                <a:solidFill>
-                  <a:schemeClr val="accent2">
-                    <a:lumMod val="50000"/>
-                  </a:schemeClr>
-                </a:solidFill>
-                <a:hlinkClick r:id="rId3"/>
-              </a:rPr>
-              <a:t> 2005, Kolkata, India, December 20-22, 2005. Proceedings 1 (pp. 364-368). Springer Berlin Heidelberg</a:t>
-            </a:r>
-            <a:r>
-              <a:rPr lang="en-IN" sz="1800" dirty="0" smtClean="0">
-                <a:solidFill>
-                  <a:schemeClr val="accent2">
-                    <a:lumMod val="50000"/>
-                  </a:schemeClr>
-                </a:solidFill>
-                <a:hlinkClick r:id="rId3"/>
               </a:rPr>
               <a:t>.</a:t>
             </a:r>
@@ -12019,7 +11833,7 @@
                     <a:lumMod val="50000"/>
                   </a:schemeClr>
                 </a:solidFill>
-                <a:hlinkClick r:id="rId4"/>
+                <a:hlinkClick r:id="rId3"/>
               </a:rPr>
               <a:t>Hyunseok</a:t>
             </a:r>
@@ -12030,7 +11844,7 @@
                     <a:lumMod val="50000"/>
                   </a:schemeClr>
                 </a:solidFill>
-                <a:hlinkClick r:id="rId4"/>
+                <a:hlinkClick r:id="rId3"/>
               </a:rPr>
               <a:t> </a:t>
             </a:r>
@@ -12041,7 +11855,7 @@
                     <a:lumMod val="50000"/>
                   </a:schemeClr>
                 </a:solidFill>
-                <a:hlinkClick r:id="rId4"/>
+                <a:hlinkClick r:id="rId3"/>
               </a:rPr>
               <a:t>Seo</a:t>
             </a:r>
@@ -12052,7 +11866,7 @@
                     <a:lumMod val="50000"/>
                   </a:schemeClr>
                 </a:solidFill>
-                <a:hlinkClick r:id="rId4"/>
+                <a:hlinkClick r:id="rId3"/>
               </a:rPr>
               <a:t>, </a:t>
             </a:r>
@@ -12063,7 +11877,7 @@
                     <a:lumMod val="50000"/>
                   </a:schemeClr>
                 </a:solidFill>
-                <a:hlinkClick r:id="rId4"/>
+                <a:hlinkClick r:id="rId3"/>
               </a:rPr>
               <a:t>Masoud</a:t>
             </a:r>
@@ -12074,7 +11888,7 @@
                     <a:lumMod val="50000"/>
                   </a:schemeClr>
                 </a:solidFill>
-                <a:hlinkClick r:id="rId4"/>
+                <a:hlinkClick r:id="rId3"/>
               </a:rPr>
               <a:t> </a:t>
             </a:r>
@@ -12085,7 +11899,7 @@
                     <a:lumMod val="50000"/>
                   </a:schemeClr>
                 </a:solidFill>
-                <a:hlinkClick r:id="rId4"/>
+                <a:hlinkClick r:id="rId3"/>
               </a:rPr>
               <a:t>Badiei</a:t>
             </a:r>
@@ -12096,7 +11910,7 @@
                     <a:lumMod val="50000"/>
                   </a:schemeClr>
                 </a:solidFill>
-                <a:hlinkClick r:id="rId4"/>
+                <a:hlinkClick r:id="rId3"/>
               </a:rPr>
               <a:t> </a:t>
             </a:r>
@@ -12107,7 +11921,7 @@
                     <a:lumMod val="50000"/>
                   </a:schemeClr>
                 </a:solidFill>
-                <a:hlinkClick r:id="rId4"/>
+                <a:hlinkClick r:id="rId3"/>
               </a:rPr>
               <a:t>Khuzani</a:t>
             </a:r>
@@ -12118,7 +11932,7 @@
                     <a:lumMod val="50000"/>
                   </a:schemeClr>
                 </a:solidFill>
-                <a:hlinkClick r:id="rId4"/>
+                <a:hlinkClick r:id="rId3"/>
               </a:rPr>
               <a:t>, Varun </a:t>
             </a:r>
@@ -12129,7 +11943,7 @@
                     <a:lumMod val="50000"/>
                   </a:schemeClr>
                 </a:solidFill>
-                <a:hlinkClick r:id="rId4"/>
+                <a:hlinkClick r:id="rId3"/>
               </a:rPr>
               <a:t>Vasudevan</a:t>
             </a:r>
@@ -12140,7 +11954,7 @@
                     <a:lumMod val="50000"/>
                   </a:schemeClr>
                 </a:solidFill>
-                <a:hlinkClick r:id="rId4"/>
+                <a:hlinkClick r:id="rId3"/>
               </a:rPr>
               <a:t>, Charles Huang, </a:t>
             </a:r>
@@ -12151,7 +11965,7 @@
                     <a:lumMod val="50000"/>
                   </a:schemeClr>
                 </a:solidFill>
-                <a:hlinkClick r:id="rId4"/>
+                <a:hlinkClick r:id="rId3"/>
               </a:rPr>
               <a:t>Hongyi</a:t>
             </a:r>
@@ -12162,7 +11976,7 @@
                     <a:lumMod val="50000"/>
                   </a:schemeClr>
                 </a:solidFill>
-                <a:hlinkClick r:id="rId4"/>
+                <a:hlinkClick r:id="rId3"/>
               </a:rPr>
               <a:t> Ren, </a:t>
             </a:r>
@@ -12173,7 +11987,7 @@
                     <a:lumMod val="50000"/>
                   </a:schemeClr>
                 </a:solidFill>
-                <a:hlinkClick r:id="rId4"/>
+                <a:hlinkClick r:id="rId3"/>
               </a:rPr>
               <a:t>Ruoxiu</a:t>
             </a:r>
@@ -12184,7 +11998,7 @@
                     <a:lumMod val="50000"/>
                   </a:schemeClr>
                 </a:solidFill>
-                <a:hlinkClick r:id="rId4"/>
+                <a:hlinkClick r:id="rId3"/>
               </a:rPr>
               <a:t> Xiao, Xiao </a:t>
             </a:r>
@@ -12195,7 +12009,7 @@
                     <a:lumMod val="50000"/>
                   </a:schemeClr>
                 </a:solidFill>
-                <a:hlinkClick r:id="rId4"/>
+                <a:hlinkClick r:id="rId3"/>
               </a:rPr>
               <a:t>Jia</a:t>
             </a:r>
@@ -12206,7 +12020,7 @@
                     <a:lumMod val="50000"/>
                   </a:schemeClr>
                 </a:solidFill>
-                <a:hlinkClick r:id="rId4"/>
+                <a:hlinkClick r:id="rId3"/>
               </a:rPr>
               <a:t>, Lei Xing1, “Machine Learning Techniques for Biomedical Image Segmentation: An Overview of Technical Aspects and Introduction to State-of-Art Applications”, Med Phys. 2020 Jun; 47(5): e148–e167</a:t>
             </a:r>
@@ -12217,7 +12031,7 @@
                     <a:lumMod val="50000"/>
                   </a:schemeClr>
                 </a:solidFill>
-                <a:hlinkClick r:id="rId4"/>
+                <a:hlinkClick r:id="rId3"/>
               </a:rPr>
               <a:t>.</a:t>
             </a:r>
@@ -12254,7 +12068,7 @@
                     <a:lumMod val="50000"/>
                   </a:schemeClr>
                 </a:solidFill>
-                <a:hlinkClick r:id="rId5"/>
+                <a:hlinkClick r:id="rId4"/>
               </a:rPr>
               <a:t>Slabaugh</a:t>
             </a:r>
@@ -12265,7 +12079,7 @@
                     <a:lumMod val="50000"/>
                   </a:schemeClr>
                 </a:solidFill>
-                <a:hlinkClick r:id="rId5"/>
+                <a:hlinkClick r:id="rId4"/>
               </a:rPr>
               <a:t>, Greg, </a:t>
             </a:r>
@@ -12276,7 +12090,7 @@
                     <a:lumMod val="50000"/>
                   </a:schemeClr>
                 </a:solidFill>
-                <a:hlinkClick r:id="rId5"/>
+                <a:hlinkClick r:id="rId4"/>
               </a:rPr>
               <a:t>Quynh</a:t>
             </a:r>
@@ -12287,7 +12101,7 @@
                     <a:lumMod val="50000"/>
                   </a:schemeClr>
                 </a:solidFill>
-                <a:hlinkClick r:id="rId5"/>
+                <a:hlinkClick r:id="rId4"/>
               </a:rPr>
               <a:t> </a:t>
             </a:r>
@@ -12298,7 +12112,7 @@
                     <a:lumMod val="50000"/>
                   </a:schemeClr>
                 </a:solidFill>
-                <a:hlinkClick r:id="rId5"/>
+                <a:hlinkClick r:id="rId4"/>
               </a:rPr>
               <a:t>Dinh</a:t>
             </a:r>
@@ -12309,7 +12123,7 @@
                     <a:lumMod val="50000"/>
                   </a:schemeClr>
                 </a:solidFill>
-                <a:hlinkClick r:id="rId5"/>
+                <a:hlinkClick r:id="rId4"/>
               </a:rPr>
               <a:t>, and </a:t>
             </a:r>
@@ -12320,7 +12134,7 @@
                     <a:lumMod val="50000"/>
                   </a:schemeClr>
                 </a:solidFill>
-                <a:hlinkClick r:id="rId5"/>
+                <a:hlinkClick r:id="rId4"/>
               </a:rPr>
               <a:t>Gozde</a:t>
             </a:r>
@@ -12331,7 +12145,7 @@
                     <a:lumMod val="50000"/>
                   </a:schemeClr>
                 </a:solidFill>
-                <a:hlinkClick r:id="rId5"/>
+                <a:hlinkClick r:id="rId4"/>
               </a:rPr>
               <a:t> </a:t>
             </a:r>
@@ -12342,7 +12156,7 @@
                     <a:lumMod val="50000"/>
                   </a:schemeClr>
                 </a:solidFill>
-                <a:hlinkClick r:id="rId5"/>
+                <a:hlinkClick r:id="rId4"/>
               </a:rPr>
               <a:t>Unal</a:t>
             </a:r>
@@ -12353,7 +12167,7 @@
                     <a:lumMod val="50000"/>
                   </a:schemeClr>
                 </a:solidFill>
-                <a:hlinkClick r:id="rId5"/>
+                <a:hlinkClick r:id="rId4"/>
               </a:rPr>
               <a:t>. "A </a:t>
             </a:r>
@@ -12364,7 +12178,7 @@
                     <a:lumMod val="50000"/>
                   </a:schemeClr>
                 </a:solidFill>
-                <a:hlinkClick r:id="rId5"/>
+                <a:hlinkClick r:id="rId4"/>
               </a:rPr>
               <a:t>variational</a:t>
             </a:r>
@@ -12375,7 +12189,7 @@
                     <a:lumMod val="50000"/>
                   </a:schemeClr>
                 </a:solidFill>
-                <a:hlinkClick r:id="rId5"/>
+                <a:hlinkClick r:id="rId4"/>
               </a:rPr>
               <a:t> approach to the evolution of radial basis functions for image segmentation." In 2007 IEEE Conference on Computer Vision and Pattern Recognition, pp. 1-8. IEEE, 2007</a:t>
             </a:r>
@@ -12386,7 +12200,7 @@
                     <a:lumMod val="50000"/>
                   </a:schemeClr>
                 </a:solidFill>
-                <a:hlinkClick r:id="rId5"/>
+                <a:hlinkClick r:id="rId4"/>
               </a:rPr>
               <a:t>.</a:t>
             </a:r>
@@ -12423,7 +12237,7 @@
                     <a:lumMod val="50000"/>
                   </a:schemeClr>
                 </a:solidFill>
-                <a:hlinkClick r:id="rId6"/>
+                <a:hlinkClick r:id="rId5"/>
               </a:rPr>
               <a:t>https://en.wikipedia.org/wiki/Radial_basis_function_network</a:t>
             </a:r>
@@ -12460,7 +12274,7 @@
                     <a:lumMod val="50000"/>
                   </a:schemeClr>
                 </a:solidFill>
-                <a:hlinkClick r:id="rId7"/>
+                <a:hlinkClick r:id="rId6"/>
               </a:rPr>
               <a:t>https://</a:t>
             </a:r>
@@ -12471,7 +12285,7 @@
                     <a:lumMod val="50000"/>
                   </a:schemeClr>
                 </a:solidFill>
-                <a:hlinkClick r:id="rId7"/>
+                <a:hlinkClick r:id="rId6"/>
               </a:rPr>
               <a:t>www.educative.io/answers/what-are-radial-basis-function-neural-networks</a:t>
             </a:r>
@@ -13463,7 +13277,17 @@
                   </a:schemeClr>
                 </a:solidFill>
               </a:rPr>
-              <a:t>white matter,</a:t>
+              <a:t>WM</a:t>
+            </a:r>
+            <a:r>
+              <a:rPr lang="en-IN" sz="1800" dirty="0" smtClean="0">
+                <a:solidFill>
+                  <a:schemeClr val="accent2">
+                    <a:lumMod val="50000"/>
+                  </a:schemeClr>
+                </a:solidFill>
+              </a:rPr>
+              <a:t>, GM, </a:t>
             </a:r>
             <a:r>
               <a:rPr lang="en-IN" sz="1800" dirty="0">
@@ -13473,6 +13297,16 @@
                   </a:schemeClr>
                 </a:solidFill>
               </a:rPr>
+              <a:t>and</a:t>
+            </a:r>
+            <a:r>
+              <a:rPr lang="en-IN" sz="1800" dirty="0" smtClean="0">
+                <a:solidFill>
+                  <a:schemeClr val="accent2">
+                    <a:lumMod val="50000"/>
+                  </a:schemeClr>
+                </a:solidFill>
+              </a:rPr>
               <a:t> </a:t>
             </a:r>
             <a:r>
@@ -13483,17 +13317,7 @@
                   </a:schemeClr>
                 </a:solidFill>
               </a:rPr>
-              <a:t>grey </a:t>
-            </a:r>
-            <a:r>
-              <a:rPr lang="en-IN" sz="1800" dirty="0">
-                <a:solidFill>
-                  <a:schemeClr val="accent2">
-                    <a:lumMod val="50000"/>
-                  </a:schemeClr>
-                </a:solidFill>
-              </a:rPr>
-              <a:t>matter, and</a:t>
+              <a:t>CSF </a:t>
             </a:r>
             <a:r>
               <a:rPr lang="en-IN" sz="1800" dirty="0" smtClean="0">
@@ -13503,27 +13327,7 @@
                   </a:schemeClr>
                 </a:solidFill>
               </a:rPr>
-              <a:t> </a:t>
-            </a:r>
-            <a:r>
-              <a:rPr lang="en-IN" sz="1800" dirty="0">
-                <a:solidFill>
-                  <a:schemeClr val="accent2">
-                    <a:lumMod val="50000"/>
-                  </a:schemeClr>
-                </a:solidFill>
-              </a:rPr>
-              <a:t>cerebrospinal fluid (</a:t>
-            </a:r>
-            <a:r>
-              <a:rPr lang="en-IN" sz="1800" dirty="0" smtClean="0">
-                <a:solidFill>
-                  <a:schemeClr val="accent2">
-                    <a:lumMod val="50000"/>
-                  </a:schemeClr>
-                </a:solidFill>
-              </a:rPr>
-              <a:t>CSF) regions</a:t>
+              <a:t>regions</a:t>
             </a:r>
             <a:r>
               <a:rPr lang="en-IN" sz="1800" dirty="0">
@@ -13808,8 +13612,8 @@
           </a:p>
         </p:txBody>
       </p:sp>
-      <mc:AlternateContent xmlns:mc="http://schemas.openxmlformats.org/markup-compatibility/2006">
-        <mc:Choice xmlns:a14="http://schemas.microsoft.com/office/drawing/2010/main" Requires="a14">
+      <mc:AlternateContent xmlns:mc="http://schemas.openxmlformats.org/markup-compatibility/2006" xmlns:a14="http://schemas.microsoft.com/office/drawing/2010/main">
+        <mc:Choice Requires="a14">
           <p:sp>
             <p:nvSpPr>
               <p:cNvPr id="3" name="Content Placeholder 2"/>
@@ -14623,7 +14427,7 @@
             </p:txBody>
           </p:sp>
         </mc:Choice>
-        <mc:Fallback>
+        <mc:Fallback xmlns="">
           <p:sp>
             <p:nvSpPr>
               <p:cNvPr id="3" name="Content Placeholder 2"/>
@@ -15141,7 +14945,7 @@
                 <a14:m>
                   <m:oMath xmlns:m="http://schemas.openxmlformats.org/officeDocument/2006/math">
                     <m:r>
-                      <a:rPr lang="en-IN" b="1" i="1">
+                      <a:rPr lang="en-IN" sz="2200" b="1" i="1">
                         <a:solidFill>
                           <a:schemeClr val="accent2">
                             <a:lumMod val="50000"/>
@@ -15154,7 +14958,7 @@
                   </m:oMath>
                 </a14:m>
                 <a:r>
-                  <a:rPr lang="en-IN" dirty="0">
+                  <a:rPr lang="en-IN" sz="2200" dirty="0">
                     <a:solidFill>
                       <a:schemeClr val="accent2">
                         <a:lumMod val="50000"/>
@@ -15163,7 +14967,7 @@
                   </a:rPr>
                   <a:t> represents the input vector,</a:t>
                 </a:r>
-                <a:endParaRPr lang="en-IN" dirty="0" smtClean="0">
+                <a:endParaRPr lang="en-IN" sz="2200" dirty="0" smtClean="0">
                   <a:solidFill>
                     <a:schemeClr val="accent2">
                       <a:lumMod val="50000"/>
@@ -15176,7 +14980,7 @@
                   <a:buNone/>
                 </a:pPr>
                 <a:r>
-                  <a:rPr lang="en-IN" dirty="0">
+                  <a:rPr lang="en-IN" sz="2200" dirty="0">
                     <a:solidFill>
                       <a:schemeClr val="accent2">
                         <a:lumMod val="50000"/>
@@ -15188,7 +14992,7 @@
                 <a14:m>
                   <m:oMath xmlns:m="http://schemas.openxmlformats.org/officeDocument/2006/math">
                     <m:r>
-                      <a:rPr lang="en-IN" b="1" i="1">
+                      <a:rPr lang="en-IN" sz="2200" b="1" i="1">
                         <a:solidFill>
                           <a:schemeClr val="accent2">
                             <a:lumMod val="50000"/>
@@ -15201,7 +15005,7 @@
                   </m:oMath>
                 </a14:m>
                 <a:r>
-                  <a:rPr lang="en-IN" baseline="-25000" dirty="0">
+                  <a:rPr lang="en-IN" sz="2200" baseline="-25000" dirty="0">
                     <a:solidFill>
                       <a:schemeClr val="accent2">
                         <a:lumMod val="50000"/>
@@ -15211,7 +15015,7 @@
                   <a:t>  </a:t>
                 </a:r>
                 <a:r>
-                  <a:rPr lang="en-IN" dirty="0">
+                  <a:rPr lang="en-IN" sz="2200" dirty="0">
                     <a:solidFill>
                       <a:schemeClr val="accent2">
                         <a:lumMod val="50000"/>
@@ -15221,7 +15025,7 @@
                   <a:t>is the fixed </a:t>
                 </a:r>
                 <a:r>
-                  <a:rPr lang="en-IN" dirty="0" err="1">
+                  <a:rPr lang="en-IN" sz="2200" dirty="0" err="1">
                     <a:solidFill>
                       <a:schemeClr val="accent2">
                         <a:lumMod val="50000"/>
@@ -15231,7 +15035,7 @@
                   <a:t>center</a:t>
                 </a:r>
                 <a:r>
-                  <a:rPr lang="en-IN" dirty="0">
+                  <a:rPr lang="en-IN" sz="2200" dirty="0">
                     <a:solidFill>
                       <a:schemeClr val="accent2">
                         <a:lumMod val="50000"/>
@@ -15240,7 +15044,7 @@
                   </a:rPr>
                   <a:t> position and	</a:t>
                 </a:r>
-                <a:endParaRPr lang="en-IN" dirty="0" smtClean="0">
+                <a:endParaRPr lang="en-IN" sz="2200" dirty="0" smtClean="0">
                   <a:solidFill>
                     <a:schemeClr val="accent2">
                       <a:lumMod val="50000"/>
@@ -15253,7 +15057,7 @@
                   <a:buNone/>
                 </a:pPr>
                 <a:r>
-                  <a:rPr lang="en-IN" dirty="0">
+                  <a:rPr lang="en-IN" sz="2200" dirty="0">
                     <a:solidFill>
                       <a:schemeClr val="accent2">
                         <a:lumMod val="50000"/>
@@ -15267,7 +15071,7 @@
                     <m:sSub>
                       <m:sSubPr>
                         <m:ctrlPr>
-                          <a:rPr lang="en-IN" b="1" i="1">
+                          <a:rPr lang="en-IN" sz="2200" b="1" i="1">
                             <a:solidFill>
                               <a:schemeClr val="accent2">
                                 <a:lumMod val="50000"/>
@@ -15279,7 +15083,7 @@
                       </m:sSubPr>
                       <m:e>
                         <m:r>
-                          <a:rPr lang="en-IN" b="1" i="1">
+                          <a:rPr lang="en-IN" sz="2200" b="1" i="1">
                             <a:solidFill>
                               <a:schemeClr val="accent2">
                                 <a:lumMod val="50000"/>
@@ -15292,7 +15096,7 @@
                       </m:e>
                       <m:sub>
                         <m:r>
-                          <a:rPr lang="en-IN" b="1" i="1">
+                          <a:rPr lang="en-IN" sz="2200" b="1" i="1">
                             <a:solidFill>
                               <a:schemeClr val="accent2">
                                 <a:lumMod val="50000"/>
@@ -15307,7 +15111,7 @@
                   </m:oMath>
                 </a14:m>
                 <a:r>
-                  <a:rPr lang="en-IN" dirty="0">
+                  <a:rPr lang="en-IN" sz="2200" dirty="0">
                     <a:solidFill>
                       <a:schemeClr val="accent2">
                         <a:lumMod val="50000"/>
@@ -15317,7 +15121,7 @@
                   <a:t>  represents the fixed width of the m-</a:t>
                 </a:r>
                 <a:r>
-                  <a:rPr lang="en-IN" dirty="0" err="1">
+                  <a:rPr lang="en-IN" sz="2200" dirty="0" err="1">
                     <a:solidFill>
                       <a:schemeClr val="accent2">
                         <a:lumMod val="50000"/>
@@ -15327,7 +15131,7 @@
                   <a:t>th</a:t>
                 </a:r>
                 <a:r>
-                  <a:rPr lang="en-IN" dirty="0">
+                  <a:rPr lang="en-IN" sz="2200" dirty="0">
                     <a:solidFill>
                       <a:schemeClr val="accent2">
                         <a:lumMod val="50000"/>
@@ -15337,7 +15141,7 @@
                   <a:t>  </a:t>
                 </a:r>
                 <a:r>
-                  <a:rPr lang="en-IN" dirty="0" smtClean="0">
+                  <a:rPr lang="en-IN" sz="2200" dirty="0" smtClean="0">
                     <a:solidFill>
                       <a:schemeClr val="accent2">
                         <a:lumMod val="50000"/>
@@ -15347,7 +15151,7 @@
                   <a:t>hidden </a:t>
                 </a:r>
                 <a:r>
-                  <a:rPr lang="en-IN" dirty="0">
+                  <a:rPr lang="en-IN" sz="2200" dirty="0">
                     <a:solidFill>
                       <a:schemeClr val="accent2">
                         <a:lumMod val="50000"/>

--- a/Project_presentation.pptx
+++ b/Project_presentation.pptx
@@ -10,7 +10,7 @@
     <p:sldId id="258" r:id="rId4"/>
     <p:sldId id="259" r:id="rId5"/>
     <p:sldId id="260" r:id="rId6"/>
-    <p:sldId id="263" r:id="rId7"/>
+    <p:sldId id="288" r:id="rId7"/>
     <p:sldId id="261" r:id="rId8"/>
     <p:sldId id="262" r:id="rId9"/>
     <p:sldId id="264" r:id="rId10"/>
@@ -328,7 +328,7 @@
           <a:p>
             <a:fld id="{2B02613D-DE6C-4DB8-B7EF-959E62CC6C15}" type="datetimeFigureOut">
               <a:rPr lang="en-IN" smtClean="0"/>
-              <a:t>02-06-2024</a:t>
+              <a:t>06-06-2024</a:t>
             </a:fld>
             <a:endParaRPr lang="en-IN"/>
           </a:p>
@@ -500,7 +500,7 @@
           <a:p>
             <a:fld id="{2B02613D-DE6C-4DB8-B7EF-959E62CC6C15}" type="datetimeFigureOut">
               <a:rPr lang="en-IN" smtClean="0"/>
-              <a:t>02-06-2024</a:t>
+              <a:t>06-06-2024</a:t>
             </a:fld>
             <a:endParaRPr lang="en-IN"/>
           </a:p>
@@ -675,7 +675,7 @@
           <a:p>
             <a:fld id="{2B02613D-DE6C-4DB8-B7EF-959E62CC6C15}" type="datetimeFigureOut">
               <a:rPr lang="en-IN" smtClean="0"/>
-              <a:t>02-06-2024</a:t>
+              <a:t>06-06-2024</a:t>
             </a:fld>
             <a:endParaRPr lang="en-IN"/>
           </a:p>
@@ -867,7 +867,7 @@
           <a:p>
             <a:fld id="{2B02613D-DE6C-4DB8-B7EF-959E62CC6C15}" type="datetimeFigureOut">
               <a:rPr lang="en-IN" smtClean="0"/>
-              <a:t>02-06-2024</a:t>
+              <a:t>06-06-2024</a:t>
             </a:fld>
             <a:endParaRPr lang="en-IN"/>
           </a:p>
@@ -1136,7 +1136,7 @@
           <a:p>
             <a:fld id="{2B02613D-DE6C-4DB8-B7EF-959E62CC6C15}" type="datetimeFigureOut">
               <a:rPr lang="en-IN" smtClean="0"/>
-              <a:t>02-06-2024</a:t>
+              <a:t>06-06-2024</a:t>
             </a:fld>
             <a:endParaRPr lang="en-IN"/>
           </a:p>
@@ -1491,7 +1491,7 @@
           <a:p>
             <a:fld id="{2B02613D-DE6C-4DB8-B7EF-959E62CC6C15}" type="datetimeFigureOut">
               <a:rPr lang="en-IN" smtClean="0"/>
-              <a:t>02-06-2024</a:t>
+              <a:t>06-06-2024</a:t>
             </a:fld>
             <a:endParaRPr lang="en-IN"/>
           </a:p>
@@ -1799,7 +1799,7 @@
           <a:p>
             <a:fld id="{2B02613D-DE6C-4DB8-B7EF-959E62CC6C15}" type="datetimeFigureOut">
               <a:rPr lang="en-IN" smtClean="0"/>
-              <a:t>02-06-2024</a:t>
+              <a:t>06-06-2024</a:t>
             </a:fld>
             <a:endParaRPr lang="en-IN"/>
           </a:p>
@@ -2026,7 +2026,7 @@
           <a:p>
             <a:fld id="{2B02613D-DE6C-4DB8-B7EF-959E62CC6C15}" type="datetimeFigureOut">
               <a:rPr lang="en-IN" smtClean="0"/>
-              <a:t>02-06-2024</a:t>
+              <a:t>06-06-2024</a:t>
             </a:fld>
             <a:endParaRPr lang="en-IN"/>
           </a:p>
@@ -2116,7 +2116,7 @@
           <a:p>
             <a:fld id="{2B02613D-DE6C-4DB8-B7EF-959E62CC6C15}" type="datetimeFigureOut">
               <a:rPr lang="en-IN" smtClean="0"/>
-              <a:t>02-06-2024</a:t>
+              <a:t>06-06-2024</a:t>
             </a:fld>
             <a:endParaRPr lang="en-IN"/>
           </a:p>
@@ -2404,7 +2404,7 @@
           <a:p>
             <a:fld id="{2B02613D-DE6C-4DB8-B7EF-959E62CC6C15}" type="datetimeFigureOut">
               <a:rPr lang="en-IN" smtClean="0"/>
-              <a:t>02-06-2024</a:t>
+              <a:t>06-06-2024</a:t>
             </a:fld>
             <a:endParaRPr lang="en-IN"/>
           </a:p>
@@ -2673,7 +2673,7 @@
           <a:p>
             <a:fld id="{2B02613D-DE6C-4DB8-B7EF-959E62CC6C15}" type="datetimeFigureOut">
               <a:rPr lang="en-IN" smtClean="0"/>
-              <a:t>02-06-2024</a:t>
+              <a:t>06-06-2024</a:t>
             </a:fld>
             <a:endParaRPr lang="en-IN"/>
           </a:p>
@@ -2883,7 +2883,7 @@
           <a:p>
             <a:fld id="{2B02613D-DE6C-4DB8-B7EF-959E62CC6C15}" type="datetimeFigureOut">
               <a:rPr lang="en-IN" smtClean="0"/>
-              <a:t>02-06-2024</a:t>
+              <a:t>06-06-2024</a:t>
             </a:fld>
             <a:endParaRPr lang="en-IN"/>
           </a:p>
@@ -4145,7 +4145,7 @@
                   </a:schemeClr>
                 </a:solidFill>
               </a:rPr>
-              <a:t>utilize the discrete anatomical model, which assigns class labels (0=Background, 1=CSF, 2=Grey Matter, 3=White </a:t>
+              <a:t>utilize the discrete anatomical model, which assigns class labels (0=Background, 1=CSF, </a:t>
             </a:r>
             <a:r>
               <a:rPr lang="en-IN" sz="2000" dirty="0" smtClean="0">
@@ -4155,7 +4155,17 @@
                   </a:schemeClr>
                 </a:solidFill>
               </a:rPr>
-              <a:t>Matter etc..) to </a:t>
+              <a:t>2=GM, 3=WM </a:t>
+            </a:r>
+            <a:r>
+              <a:rPr lang="en-IN" sz="2000" dirty="0" smtClean="0">
+                <a:solidFill>
+                  <a:schemeClr val="accent2">
+                    <a:lumMod val="50000"/>
+                  </a:schemeClr>
+                </a:solidFill>
+              </a:rPr>
+              <a:t>etc..) to </a:t>
             </a:r>
             <a:r>
               <a:rPr lang="en-IN" sz="2000" dirty="0">
@@ -4175,7 +4185,17 @@
                   </a:schemeClr>
                 </a:solidFill>
               </a:rPr>
-              <a:t>voxel</a:t>
+              <a:t>pi</a:t>
+            </a:r>
+            <a:r>
+              <a:rPr lang="en-IN" sz="2000" dirty="0" smtClean="0">
+                <a:solidFill>
+                  <a:schemeClr val="accent2">
+                    <a:lumMod val="50000"/>
+                  </a:schemeClr>
+                </a:solidFill>
+              </a:rPr>
+              <a:t>xel</a:t>
             </a:r>
             <a:r>
               <a:rPr lang="en-IN" sz="2000" dirty="0">
@@ -4336,7 +4356,17 @@
                   </a:schemeClr>
                 </a:solidFill>
               </a:rPr>
-              <a:t>consists of 11 T1-weighted MRI volumes on normal brain, each yielding  51 images of dimensions 181 pixels by 217 pixels, intentionally manipulated with varying noise and intensity non-uniformity (INU) levels , as meticulously delineated in </a:t>
+              <a:t>consists of 11 T1-weighted MRI volumes on normal brain, each yielding  51 images of dimensions 181 pixels by 217 pixels, intentionally manipulated with varying noise and intensity non-uniformity (INU) levels , </a:t>
+            </a:r>
+            <a:r>
+              <a:rPr lang="en-IN" sz="2000" dirty="0" smtClean="0">
+                <a:solidFill>
+                  <a:schemeClr val="accent2">
+                    <a:lumMod val="50000"/>
+                  </a:schemeClr>
+                </a:solidFill>
+              </a:rPr>
+              <a:t>as shown in </a:t>
             </a:r>
             <a:r>
               <a:rPr lang="en-IN" sz="2000" dirty="0" smtClean="0">
@@ -5680,7 +5710,17 @@
                   </a:schemeClr>
                 </a:solidFill>
               </a:rPr>
-              <a:t>	Pre-processing brain MR images is fundamental for quality assurance in quantitative analysis, involving operations to enhance quality and remove non-brain tissues, laying the foundation for accurate segmentation</a:t>
+              <a:t>	</a:t>
+            </a:r>
+            <a:r>
+              <a:rPr lang="en-IN" dirty="0">
+                <a:solidFill>
+                  <a:schemeClr val="accent2">
+                    <a:lumMod val="50000"/>
+                  </a:schemeClr>
+                </a:solidFill>
+              </a:rPr>
+              <a:t>Pre-processing brain MR images is important to ensure high quality for analysis. This involves improving image quality and removing non-brain tissues, which is essential for accurate segmentation</a:t>
             </a:r>
             <a:r>
               <a:rPr lang="en-IN" dirty="0" smtClean="0">
@@ -5926,7 +5966,7 @@
         </p:spPr>
         <p:txBody>
           <a:bodyPr>
-            <a:normAutofit lnSpcReduction="10000"/>
+            <a:normAutofit/>
           </a:bodyPr>
           <a:lstStyle/>
           <a:p>
@@ -5953,7 +5993,97 @@
                   </a:schemeClr>
                 </a:solidFill>
               </a:rPr>
-              <a:t>	Then I use RBFNN for segmenting brain MRI volumes into white matter, grey matter, and cerebrospinal fluid (CSF), accommodating variations in noise and intensity non-uniformity (INU) percentages across multiple volumes, ensuring comprehensive analysis and reliable segmentation results across diverse imaging conditions.</a:t>
+              <a:t>	Then I use RBFNN for segmenting brain MRI volumes into </a:t>
+            </a:r>
+            <a:r>
+              <a:rPr lang="en-US" dirty="0" err="1" smtClean="0">
+                <a:solidFill>
+                  <a:schemeClr val="accent2">
+                    <a:lumMod val="50000"/>
+                  </a:schemeClr>
+                </a:solidFill>
+              </a:rPr>
+              <a:t>wm</a:t>
+            </a:r>
+            <a:r>
+              <a:rPr lang="en-US" dirty="0" smtClean="0">
+                <a:solidFill>
+                  <a:schemeClr val="accent2">
+                    <a:lumMod val="50000"/>
+                  </a:schemeClr>
+                </a:solidFill>
+              </a:rPr>
+              <a:t>, gm, and CSF. </a:t>
+            </a:r>
+            <a:r>
+              <a:rPr lang="en-IN" dirty="0">
+                <a:solidFill>
+                  <a:schemeClr val="accent2">
+                    <a:lumMod val="50000"/>
+                  </a:schemeClr>
+                </a:solidFill>
+              </a:rPr>
+              <a:t>This method handles differences in noise </a:t>
+            </a:r>
+            <a:r>
+              <a:rPr lang="en-US" dirty="0" smtClean="0">
+                <a:solidFill>
+                  <a:schemeClr val="accent2">
+                    <a:lumMod val="50000"/>
+                  </a:schemeClr>
+                </a:solidFill>
+              </a:rPr>
+              <a:t>and INU </a:t>
+            </a:r>
+            <a:r>
+              <a:rPr lang="en-US" dirty="0" smtClean="0">
+                <a:solidFill>
+                  <a:schemeClr val="accent2">
+                    <a:lumMod val="50000"/>
+                  </a:schemeClr>
+                </a:solidFill>
+              </a:rPr>
+              <a:t>percentages across multiple volumes, </a:t>
+            </a:r>
+            <a:r>
+              <a:rPr lang="en-US" dirty="0" smtClean="0">
+                <a:solidFill>
+                  <a:schemeClr val="accent2">
+                    <a:lumMod val="50000"/>
+                  </a:schemeClr>
+                </a:solidFill>
+              </a:rPr>
+              <a:t>ensuring</a:t>
+            </a:r>
+            <a:r>
+              <a:rPr lang="en-IN" dirty="0" smtClean="0">
+                <a:solidFill>
+                  <a:schemeClr val="accent2">
+                    <a:lumMod val="50000"/>
+                  </a:schemeClr>
+                </a:solidFill>
+              </a:rPr>
+              <a:t> </a:t>
+            </a:r>
+            <a:r>
+              <a:rPr lang="en-IN" dirty="0">
+                <a:solidFill>
+                  <a:schemeClr val="accent2">
+                    <a:lumMod val="50000"/>
+                  </a:schemeClr>
+                </a:solidFill>
+              </a:rPr>
+              <a:t>thorough analysis and reliable results in various imaging conditions</a:t>
+            </a:r>
+            <a:r>
+              <a:rPr lang="en-IN" dirty="0" smtClean="0">
+                <a:solidFill>
+                  <a:schemeClr val="accent2">
+                    <a:lumMod val="50000"/>
+                  </a:schemeClr>
+                </a:solidFill>
+              </a:rPr>
+              <a:t>.</a:t>
             </a:r>
           </a:p>
           <a:p>
@@ -6010,22 +6140,6 @@
               <a:buChar char="q"/>
             </a:pPr>
             <a:r>
-              <a:rPr lang="en-IN" b="1" dirty="0" smtClean="0">
-                <a:solidFill>
-                  <a:schemeClr val="accent2">
-                    <a:lumMod val="50000"/>
-                  </a:schemeClr>
-                </a:solidFill>
-              </a:rPr>
-              <a:t>Standardization</a:t>
-            </a:r>
-          </a:p>
-          <a:p>
-            <a:pPr lvl="1">
-              <a:buFont typeface="Wingdings" panose="05000000000000000000" pitchFamily="2" charset="2"/>
-              <a:buChar char="q"/>
-            </a:pPr>
-            <a:r>
               <a:rPr lang="en-US" b="1" dirty="0" smtClean="0">
                 <a:solidFill>
                   <a:schemeClr val="accent2">
@@ -6035,6 +6149,13 @@
               </a:rPr>
               <a:t>Training</a:t>
             </a:r>
+            <a:endParaRPr lang="en-US" b="1" dirty="0" smtClean="0">
+              <a:solidFill>
+                <a:schemeClr val="accent2">
+                  <a:lumMod val="50000"/>
+                </a:schemeClr>
+              </a:solidFill>
+            </a:endParaRPr>
           </a:p>
           <a:p>
             <a:pPr lvl="1">
@@ -7627,8 +7748,8 @@
           </a:p>
         </p:txBody>
       </p:sp>
-      <mc:AlternateContent xmlns:mc="http://schemas.openxmlformats.org/markup-compatibility/2006" xmlns:a14="http://schemas.microsoft.com/office/drawing/2010/main">
-        <mc:Choice Requires="a14">
+      <mc:AlternateContent xmlns:mc="http://schemas.openxmlformats.org/markup-compatibility/2006">
+        <mc:Choice xmlns:a14="http://schemas.microsoft.com/office/drawing/2010/main" Requires="a14">
           <p:sp>
             <p:nvSpPr>
               <p:cNvPr id="3" name="Content Placeholder 2"/>
@@ -7735,7 +7856,27 @@
                       </a:schemeClr>
                     </a:solidFill>
                   </a:rPr>
-                  <a:t>MSE calculates the average squared difference between predicted and actual values. Its range is [0.0, 1.0], with values </a:t>
+                  <a:t>MSE calculates the average squared difference between predicted and actual values. Its range is [</a:t>
+                </a:r>
+                <a:r>
+                  <a:rPr lang="en-IN" sz="2100" dirty="0" smtClean="0">
+                    <a:solidFill>
+                      <a:schemeClr val="accent2">
+                        <a:lumMod val="50000"/>
+                      </a:schemeClr>
+                    </a:solidFill>
+                  </a:rPr>
+                  <a:t>0, 1], </a:t>
+                </a:r>
+                <a:r>
+                  <a:rPr lang="en-IN" sz="2100" dirty="0">
+                    <a:solidFill>
+                      <a:schemeClr val="accent2">
+                        <a:lumMod val="50000"/>
+                      </a:schemeClr>
+                    </a:solidFill>
+                  </a:rPr>
+                  <a:t>with values </a:t>
                 </a:r>
                 <a:r>
                   <a:rPr lang="en-IN" sz="2100" b="1" dirty="0">
@@ -8470,7 +8611,7 @@
             </p:txBody>
           </p:sp>
         </mc:Choice>
-        <mc:Fallback xmlns="">
+        <mc:Fallback>
           <p:sp>
             <p:nvSpPr>
               <p:cNvPr id="3" name="Content Placeholder 2"/>
@@ -8489,7 +8630,7 @@
               <a:blipFill rotWithShape="1">
                 <a:blip r:embed="rId2"/>
                 <a:stretch>
-                  <a:fillRect l="-741" t="-700" r="-741" b="-1120"/>
+                  <a:fillRect l="-741" t="-700" b="-1120"/>
                 </a:stretch>
               </a:blipFill>
             </p:spPr>
@@ -11364,12 +11505,12 @@
         <p:spPr>
           <a:xfrm>
             <a:off x="457200" y="1600200"/>
-            <a:ext cx="8229600" cy="4709120"/>
+            <a:ext cx="8229600" cy="4565104"/>
           </a:xfrm>
         </p:spPr>
         <p:txBody>
           <a:bodyPr>
-            <a:normAutofit fontScale="70000" lnSpcReduction="20000"/>
+            <a:normAutofit fontScale="77500" lnSpcReduction="20000"/>
           </a:bodyPr>
           <a:lstStyle/>
           <a:p>
@@ -11386,7 +11527,7 @@
                   </a:schemeClr>
                 </a:solidFill>
               </a:rPr>
-              <a:t>Medical image segmentation is vital for visualization, diagnosis, and treatment planning in clinical settings</a:t>
+              <a:t>Medical image segmentation is important for understanding, diagnosing, and planning treatments in healthcare</a:t>
             </a:r>
             <a:r>
               <a:rPr lang="en-IN" dirty="0" smtClean="0">
@@ -11397,6 +11538,204 @@
                 </a:solidFill>
               </a:rPr>
               <a:t>.</a:t>
+            </a:r>
+          </a:p>
+          <a:p>
+            <a:pPr>
+              <a:spcAft>
+                <a:spcPts val="600"/>
+              </a:spcAft>
+            </a:pPr>
+            <a:r>
+              <a:rPr lang="en-IN" dirty="0" smtClean="0">
+                <a:solidFill>
+                  <a:schemeClr val="accent2">
+                    <a:lumMod val="50000"/>
+                  </a:schemeClr>
+                </a:solidFill>
+              </a:rPr>
+              <a:t>This  </a:t>
+            </a:r>
+            <a:r>
+              <a:rPr lang="en-IN" dirty="0" smtClean="0">
+                <a:solidFill>
+                  <a:schemeClr val="accent2">
+                    <a:lumMod val="50000"/>
+                  </a:schemeClr>
+                </a:solidFill>
+              </a:rPr>
+              <a:t>project highlights </a:t>
+            </a:r>
+            <a:r>
+              <a:rPr lang="en-IN" dirty="0">
+                <a:solidFill>
+                  <a:schemeClr val="accent2">
+                    <a:lumMod val="50000"/>
+                  </a:schemeClr>
+                </a:solidFill>
+              </a:rPr>
+              <a:t>the effectiveness of Radial Basis Function Neural Network (RBFNN) for accurate brain MRI segmentation, delineating structures like </a:t>
+            </a:r>
+            <a:r>
+              <a:rPr lang="en-IN" dirty="0" smtClean="0">
+                <a:solidFill>
+                  <a:schemeClr val="accent2">
+                    <a:lumMod val="50000"/>
+                  </a:schemeClr>
+                </a:solidFill>
+              </a:rPr>
+              <a:t>CSF, </a:t>
+            </a:r>
+            <a:r>
+              <a:rPr lang="en-IN" dirty="0">
+                <a:solidFill>
+                  <a:schemeClr val="accent2">
+                    <a:lumMod val="50000"/>
+                  </a:schemeClr>
+                </a:solidFill>
+              </a:rPr>
+              <a:t>grey matter, and white matter with promising outcomes</a:t>
+            </a:r>
+            <a:r>
+              <a:rPr lang="en-IN" dirty="0" smtClean="0">
+                <a:solidFill>
+                  <a:schemeClr val="accent2">
+                    <a:lumMod val="50000"/>
+                  </a:schemeClr>
+                </a:solidFill>
+              </a:rPr>
+              <a:t>.</a:t>
+            </a:r>
+          </a:p>
+          <a:p>
+            <a:pPr>
+              <a:spcAft>
+                <a:spcPts val="600"/>
+              </a:spcAft>
+            </a:pPr>
+            <a:r>
+              <a:rPr lang="en-IN" dirty="0" smtClean="0">
+                <a:solidFill>
+                  <a:schemeClr val="accent2">
+                    <a:lumMod val="50000"/>
+                  </a:schemeClr>
+                </a:solidFill>
+              </a:rPr>
+              <a:t>RBFNN's </a:t>
+            </a:r>
+            <a:r>
+              <a:rPr lang="en-IN" dirty="0">
+                <a:solidFill>
+                  <a:schemeClr val="accent2">
+                    <a:lumMod val="50000"/>
+                  </a:schemeClr>
+                </a:solidFill>
+              </a:rPr>
+              <a:t>ability to identify patterns enables precise segmentation, while future research may explore </a:t>
+            </a:r>
+            <a:r>
+              <a:rPr lang="en-IN" dirty="0" smtClean="0">
+                <a:solidFill>
+                  <a:schemeClr val="accent2">
+                    <a:lumMod val="50000"/>
+                  </a:schemeClr>
+                </a:solidFill>
+              </a:rPr>
+              <a:t>other ML and Deep Learning methods </a:t>
+            </a:r>
+            <a:r>
+              <a:rPr lang="en-IN" dirty="0">
+                <a:solidFill>
+                  <a:schemeClr val="accent2">
+                    <a:lumMod val="50000"/>
+                  </a:schemeClr>
+                </a:solidFill>
+              </a:rPr>
+              <a:t>like CNNs.</a:t>
+            </a:r>
+          </a:p>
+          <a:p>
+            <a:pPr>
+              <a:spcAft>
+                <a:spcPts val="600"/>
+              </a:spcAft>
+            </a:pPr>
+            <a:r>
+              <a:rPr lang="en-IN" dirty="0">
+                <a:solidFill>
+                  <a:schemeClr val="accent2">
+                    <a:lumMod val="50000"/>
+                  </a:schemeClr>
+                </a:solidFill>
+              </a:rPr>
+              <a:t>It is important to acknowledge that the proposed algorithm is not without challenges. </a:t>
+            </a:r>
+            <a:r>
+              <a:rPr lang="en-IN" dirty="0">
+                <a:solidFill>
+                  <a:schemeClr val="accent2">
+                    <a:lumMod val="50000"/>
+                  </a:schemeClr>
+                </a:solidFill>
+              </a:rPr>
+              <a:t>It can be complex and require a lot of computing power, leading to longer processing times. However, improvements in RBFNNs offer hope for better efficiency</a:t>
+            </a:r>
+            <a:r>
+              <a:rPr lang="en-IN" dirty="0" smtClean="0">
+                <a:solidFill>
+                  <a:schemeClr val="accent2">
+                    <a:lumMod val="50000"/>
+                  </a:schemeClr>
+                </a:solidFill>
+              </a:rPr>
+              <a:t>.</a:t>
+            </a:r>
+          </a:p>
+          <a:p>
+            <a:pPr>
+              <a:spcAft>
+                <a:spcPts val="600"/>
+              </a:spcAft>
+            </a:pPr>
+            <a:r>
+              <a:rPr lang="en-IN" dirty="0" smtClean="0">
+                <a:solidFill>
+                  <a:schemeClr val="accent2">
+                    <a:lumMod val="50000"/>
+                  </a:schemeClr>
+                </a:solidFill>
+              </a:rPr>
+              <a:t>Ultimately</a:t>
+            </a:r>
+            <a:r>
+              <a:rPr lang="en-IN" dirty="0">
+                <a:solidFill>
+                  <a:schemeClr val="accent2">
+                    <a:lumMod val="50000"/>
+                  </a:schemeClr>
+                </a:solidFill>
+              </a:rPr>
+              <a:t>, this </a:t>
+            </a:r>
+            <a:r>
+              <a:rPr lang="en-IN" dirty="0" smtClean="0">
+                <a:solidFill>
+                  <a:schemeClr val="accent2">
+                    <a:lumMod val="50000"/>
+                  </a:schemeClr>
+                </a:solidFill>
+              </a:rPr>
+              <a:t>study </a:t>
+            </a:r>
+            <a:r>
+              <a:rPr lang="en-IN" dirty="0">
+                <a:solidFill>
+                  <a:schemeClr val="accent2">
+                    <a:lumMod val="50000"/>
+                  </a:schemeClr>
+                </a:solidFill>
+              </a:rPr>
+              <a:t>shows that RBFNNs are effective for brain MRI segmentation, helping to understand brain anatomy and support diagnosis and treatment planning for neurological diseases.</a:t>
             </a:r>
             <a:endParaRPr lang="en-IN" dirty="0">
               <a:solidFill>
@@ -11405,216 +11744,6 @@
                 </a:schemeClr>
               </a:solidFill>
             </a:endParaRPr>
-          </a:p>
-          <a:p>
-            <a:pPr>
-              <a:spcAft>
-                <a:spcPts val="600"/>
-              </a:spcAft>
-            </a:pPr>
-            <a:r>
-              <a:rPr lang="en-IN" dirty="0">
-                <a:solidFill>
-                  <a:schemeClr val="accent2">
-                    <a:lumMod val="50000"/>
-                  </a:schemeClr>
-                </a:solidFill>
-              </a:rPr>
-              <a:t>Ongoing advancements in medical models lead to new segmentation challenges and the need for </a:t>
-            </a:r>
-            <a:r>
-              <a:rPr lang="en-IN" dirty="0" smtClean="0">
-                <a:solidFill>
-                  <a:schemeClr val="accent2">
-                    <a:lumMod val="50000"/>
-                  </a:schemeClr>
-                </a:solidFill>
-              </a:rPr>
-              <a:t>new </a:t>
-            </a:r>
-            <a:r>
-              <a:rPr lang="en-IN" dirty="0">
-                <a:solidFill>
-                  <a:schemeClr val="accent2">
-                    <a:lumMod val="50000"/>
-                  </a:schemeClr>
-                </a:solidFill>
-              </a:rPr>
-              <a:t>techniques.</a:t>
-            </a:r>
-          </a:p>
-          <a:p>
-            <a:pPr>
-              <a:spcAft>
-                <a:spcPts val="600"/>
-              </a:spcAft>
-            </a:pPr>
-            <a:r>
-              <a:rPr lang="en-IN" dirty="0" smtClean="0">
-                <a:solidFill>
-                  <a:schemeClr val="accent2">
-                    <a:lumMod val="50000"/>
-                  </a:schemeClr>
-                </a:solidFill>
-              </a:rPr>
-              <a:t>This  project highlights </a:t>
-            </a:r>
-            <a:r>
-              <a:rPr lang="en-IN" dirty="0">
-                <a:solidFill>
-                  <a:schemeClr val="accent2">
-                    <a:lumMod val="50000"/>
-                  </a:schemeClr>
-                </a:solidFill>
-              </a:rPr>
-              <a:t>the effectiveness of Radial Basis Function Neural Network (RBFNN) for accurate brain MRI segmentation, delineating structures like </a:t>
-            </a:r>
-            <a:r>
-              <a:rPr lang="en-IN" dirty="0" smtClean="0">
-                <a:solidFill>
-                  <a:schemeClr val="accent2">
-                    <a:lumMod val="50000"/>
-                  </a:schemeClr>
-                </a:solidFill>
-              </a:rPr>
-              <a:t>CSF, </a:t>
-            </a:r>
-            <a:r>
-              <a:rPr lang="en-IN" dirty="0">
-                <a:solidFill>
-                  <a:schemeClr val="accent2">
-                    <a:lumMod val="50000"/>
-                  </a:schemeClr>
-                </a:solidFill>
-              </a:rPr>
-              <a:t>grey matter, and white matter with promising outcomes</a:t>
-            </a:r>
-            <a:r>
-              <a:rPr lang="en-IN" dirty="0" smtClean="0">
-                <a:solidFill>
-                  <a:schemeClr val="accent2">
-                    <a:lumMod val="50000"/>
-                  </a:schemeClr>
-                </a:solidFill>
-              </a:rPr>
-              <a:t>.</a:t>
-            </a:r>
-          </a:p>
-          <a:p>
-            <a:pPr>
-              <a:spcAft>
-                <a:spcPts val="600"/>
-              </a:spcAft>
-            </a:pPr>
-            <a:r>
-              <a:rPr lang="en-IN" dirty="0" smtClean="0">
-                <a:solidFill>
-                  <a:schemeClr val="accent2">
-                    <a:lumMod val="50000"/>
-                  </a:schemeClr>
-                </a:solidFill>
-              </a:rPr>
-              <a:t>RBFNN's </a:t>
-            </a:r>
-            <a:r>
-              <a:rPr lang="en-IN" dirty="0">
-                <a:solidFill>
-                  <a:schemeClr val="accent2">
-                    <a:lumMod val="50000"/>
-                  </a:schemeClr>
-                </a:solidFill>
-              </a:rPr>
-              <a:t>ability to identify patterns enables precise segmentation, while future research may explore </a:t>
-            </a:r>
-            <a:r>
-              <a:rPr lang="en-IN" dirty="0" smtClean="0">
-                <a:solidFill>
-                  <a:schemeClr val="accent2">
-                    <a:lumMod val="50000"/>
-                  </a:schemeClr>
-                </a:solidFill>
-              </a:rPr>
-              <a:t>other ML and Deep Learning methods </a:t>
-            </a:r>
-            <a:r>
-              <a:rPr lang="en-IN" dirty="0">
-                <a:solidFill>
-                  <a:schemeClr val="accent2">
-                    <a:lumMod val="50000"/>
-                  </a:schemeClr>
-                </a:solidFill>
-              </a:rPr>
-              <a:t>like CNNs.</a:t>
-            </a:r>
-          </a:p>
-          <a:p>
-            <a:pPr>
-              <a:spcAft>
-                <a:spcPts val="600"/>
-              </a:spcAft>
-            </a:pPr>
-            <a:r>
-              <a:rPr lang="en-IN" dirty="0">
-                <a:solidFill>
-                  <a:schemeClr val="accent2">
-                    <a:lumMod val="50000"/>
-                  </a:schemeClr>
-                </a:solidFill>
-              </a:rPr>
-              <a:t>It is important to acknowledge that the proposed algorithm is not without challenges. The increased complexity and computational requirements may lead to longer processing times. </a:t>
-            </a:r>
-            <a:r>
-              <a:rPr lang="en-IN" dirty="0" smtClean="0">
-                <a:solidFill>
-                  <a:schemeClr val="accent2">
-                    <a:lumMod val="50000"/>
-                  </a:schemeClr>
-                </a:solidFill>
-              </a:rPr>
-              <a:t> Despite </a:t>
-            </a:r>
-            <a:r>
-              <a:rPr lang="en-IN" dirty="0">
-                <a:solidFill>
-                  <a:schemeClr val="accent2">
-                    <a:lumMod val="50000"/>
-                  </a:schemeClr>
-                </a:solidFill>
-              </a:rPr>
-              <a:t>computational challenges, RBFNN advancements offer hope for improved efficiency.</a:t>
-            </a:r>
-          </a:p>
-          <a:p>
-            <a:r>
-              <a:rPr lang="en-IN" dirty="0">
-                <a:solidFill>
-                  <a:schemeClr val="accent2">
-                    <a:lumMod val="50000"/>
-                  </a:schemeClr>
-                </a:solidFill>
-              </a:rPr>
-              <a:t>Ultimately, </a:t>
-            </a:r>
-            <a:r>
-              <a:rPr lang="en-IN" dirty="0" smtClean="0">
-                <a:solidFill>
-                  <a:schemeClr val="accent2">
-                    <a:lumMod val="50000"/>
-                  </a:schemeClr>
-                </a:solidFill>
-              </a:rPr>
-              <a:t>this study </a:t>
-            </a:r>
-            <a:r>
-              <a:rPr lang="en-IN" dirty="0">
-                <a:solidFill>
-                  <a:schemeClr val="accent2">
-                    <a:lumMod val="50000"/>
-                  </a:schemeClr>
-                </a:solidFill>
-              </a:rPr>
-              <a:t>demonstrates the effectiveness of RBFNN in brain MRI segmentation, contributing to the understanding of neuroanatomy and supporting clinical diagnosis and therapy planning for neurological illnesses. </a:t>
-            </a:r>
           </a:p>
         </p:txBody>
       </p:sp>
@@ -11713,6 +11842,17 @@
               <a:buChar char="Ø"/>
             </a:pPr>
             <a:r>
+              <a:rPr lang="en-IN" sz="1800" dirty="0" smtClean="0">
+                <a:solidFill>
+                  <a:schemeClr val="accent2">
+                    <a:lumMod val="50000"/>
+                  </a:schemeClr>
+                </a:solidFill>
+                <a:hlinkClick r:id="rId2"/>
+              </a:rPr>
+              <a:t>J</a:t>
+            </a:r>
+            <a:r>
               <a:rPr lang="en-IN" sz="1800" dirty="0">
                 <a:solidFill>
                   <a:schemeClr val="accent2">
@@ -11721,7 +11861,51 @@
                 </a:solidFill>
                 <a:hlinkClick r:id="rId2"/>
               </a:rPr>
-              <a:t>Sing, J. K., D. K. </a:t>
+              <a:t>. K</a:t>
+            </a:r>
+            <a:r>
+              <a:rPr lang="en-IN" sz="1800" dirty="0" smtClean="0">
+                <a:solidFill>
+                  <a:schemeClr val="accent2">
+                    <a:lumMod val="50000"/>
+                  </a:schemeClr>
+                </a:solidFill>
+                <a:hlinkClick r:id="rId2"/>
+              </a:rPr>
+              <a:t>.</a:t>
+            </a:r>
+            <a:r>
+              <a:rPr lang="en-IN" sz="1800" dirty="0">
+                <a:solidFill>
+                  <a:schemeClr val="accent2">
+                    <a:lumMod val="50000"/>
+                  </a:schemeClr>
+                </a:solidFill>
+                <a:hlinkClick r:id="rId2"/>
+              </a:rPr>
+              <a:t> Sing, </a:t>
+            </a:r>
+            <a:r>
+              <a:rPr lang="en-IN" sz="1800" dirty="0" smtClean="0">
+                <a:solidFill>
+                  <a:schemeClr val="accent2">
+                    <a:lumMod val="50000"/>
+                  </a:schemeClr>
+                </a:solidFill>
+                <a:hlinkClick r:id="rId2"/>
+              </a:rPr>
+              <a:t> </a:t>
+            </a:r>
+            <a:r>
+              <a:rPr lang="en-IN" sz="1800" dirty="0">
+                <a:solidFill>
+                  <a:schemeClr val="accent2">
+                    <a:lumMod val="50000"/>
+                  </a:schemeClr>
+                </a:solidFill>
+                <a:hlinkClick r:id="rId2"/>
+              </a:rPr>
+              <a:t>D. K. </a:t>
             </a:r>
             <a:r>
               <a:rPr lang="en-IN" sz="1800" dirty="0" err="1">
@@ -11827,7 +12011,7 @@
               <a:buChar char="Ø"/>
             </a:pPr>
             <a:r>
-              <a:rPr lang="en-IN" sz="1800" dirty="0" err="1" smtClean="0">
+              <a:rPr lang="en-IN" sz="1800" dirty="0" smtClean="0">
                 <a:solidFill>
                   <a:schemeClr val="accent2">
                     <a:lumMod val="50000"/>
@@ -11835,7 +12019,29 @@
                 </a:solidFill>
                 <a:hlinkClick r:id="rId3"/>
               </a:rPr>
-              <a:t>Hyunseok</a:t>
+              <a:t>H. </a:t>
+            </a:r>
+            <a:r>
+              <a:rPr lang="en-IN" sz="1800" dirty="0" err="1">
+                <a:solidFill>
+                  <a:schemeClr val="accent2">
+                    <a:lumMod val="50000"/>
+                  </a:schemeClr>
+                </a:solidFill>
+                <a:hlinkClick r:id="rId3"/>
+              </a:rPr>
+              <a:t>Seo</a:t>
+            </a:r>
+            <a:r>
+              <a:rPr lang="en-IN" sz="1800" dirty="0">
+                <a:solidFill>
+                  <a:schemeClr val="accent2">
+                    <a:lumMod val="50000"/>
+                  </a:schemeClr>
+                </a:solidFill>
+                <a:hlinkClick r:id="rId3"/>
+              </a:rPr>
+              <a:t>, </a:t>
             </a:r>
             <a:r>
               <a:rPr lang="en-IN" sz="1800" dirty="0" smtClean="0">
@@ -11846,7 +12052,7 @@
                 </a:solidFill>
                 <a:hlinkClick r:id="rId3"/>
               </a:rPr>
-              <a:t> </a:t>
+              <a:t>M. B. </a:t>
             </a:r>
             <a:r>
               <a:rPr lang="en-IN" sz="1800" dirty="0" err="1">
@@ -11857,7 +12063,7 @@
                 </a:solidFill>
                 <a:hlinkClick r:id="rId3"/>
               </a:rPr>
-              <a:t>Seo</a:t>
+              <a:t>Khuzani</a:t>
             </a:r>
             <a:r>
               <a:rPr lang="en-IN" sz="1800" dirty="0">
@@ -11871,6 +12077,17 @@
               <a:t>, </a:t>
             </a:r>
             <a:r>
+              <a:rPr lang="en-IN" sz="1800" dirty="0" smtClean="0">
+                <a:solidFill>
+                  <a:schemeClr val="accent2">
+                    <a:lumMod val="50000"/>
+                  </a:schemeClr>
+                </a:solidFill>
+                <a:hlinkClick r:id="rId3"/>
+              </a:rPr>
+              <a:t>V. </a:t>
+            </a:r>
+            <a:r>
               <a:rPr lang="en-IN" sz="1800" dirty="0" err="1">
                 <a:solidFill>
                   <a:schemeClr val="accent2">
@@ -11879,7 +12096,7 @@
                 </a:solidFill>
                 <a:hlinkClick r:id="rId3"/>
               </a:rPr>
-              <a:t>Masoud</a:t>
+              <a:t>Vasudevan</a:t>
             </a:r>
             <a:r>
               <a:rPr lang="en-IN" sz="1800" dirty="0">
@@ -11890,7 +12107,84 @@
                 </a:solidFill>
                 <a:hlinkClick r:id="rId3"/>
               </a:rPr>
-              <a:t> </a:t>
+              <a:t>, </a:t>
+            </a:r>
+            <a:r>
+              <a:rPr lang="en-IN" sz="1800" dirty="0" smtClean="0">
+                <a:solidFill>
+                  <a:schemeClr val="accent2">
+                    <a:lumMod val="50000"/>
+                  </a:schemeClr>
+                </a:solidFill>
+                <a:hlinkClick r:id="rId3"/>
+              </a:rPr>
+              <a:t>C. </a:t>
+            </a:r>
+            <a:r>
+              <a:rPr lang="en-IN" sz="1800" dirty="0">
+                <a:solidFill>
+                  <a:schemeClr val="accent2">
+                    <a:lumMod val="50000"/>
+                  </a:schemeClr>
+                </a:solidFill>
+                <a:hlinkClick r:id="rId3"/>
+              </a:rPr>
+              <a:t>Huang, </a:t>
+            </a:r>
+            <a:r>
+              <a:rPr lang="en-IN" sz="1800" dirty="0" smtClean="0">
+                <a:solidFill>
+                  <a:schemeClr val="accent2">
+                    <a:lumMod val="50000"/>
+                  </a:schemeClr>
+                </a:solidFill>
+                <a:hlinkClick r:id="rId3"/>
+              </a:rPr>
+              <a:t>H. </a:t>
+            </a:r>
+            <a:r>
+              <a:rPr lang="en-IN" sz="1800" dirty="0">
+                <a:solidFill>
+                  <a:schemeClr val="accent2">
+                    <a:lumMod val="50000"/>
+                  </a:schemeClr>
+                </a:solidFill>
+                <a:hlinkClick r:id="rId3"/>
+              </a:rPr>
+              <a:t>Ren, </a:t>
+            </a:r>
+            <a:r>
+              <a:rPr lang="en-IN" sz="1800" dirty="0" smtClean="0">
+                <a:solidFill>
+                  <a:schemeClr val="accent2">
+                    <a:lumMod val="50000"/>
+                  </a:schemeClr>
+                </a:solidFill>
+                <a:hlinkClick r:id="rId3"/>
+              </a:rPr>
+              <a:t>R. </a:t>
+            </a:r>
+            <a:r>
+              <a:rPr lang="en-IN" sz="1800" dirty="0">
+                <a:solidFill>
+                  <a:schemeClr val="accent2">
+                    <a:lumMod val="50000"/>
+                  </a:schemeClr>
+                </a:solidFill>
+                <a:hlinkClick r:id="rId3"/>
+              </a:rPr>
+              <a:t>Xiao, </a:t>
+            </a:r>
+            <a:r>
+              <a:rPr lang="en-IN" sz="1800" dirty="0" smtClean="0">
+                <a:solidFill>
+                  <a:schemeClr val="accent2">
+                    <a:lumMod val="50000"/>
+                  </a:schemeClr>
+                </a:solidFill>
+                <a:hlinkClick r:id="rId3"/>
+              </a:rPr>
+              <a:t>X. </a:t>
             </a:r>
             <a:r>
               <a:rPr lang="en-IN" sz="1800" dirty="0" err="1">
@@ -11901,7 +12195,7 @@
                 </a:solidFill>
                 <a:hlinkClick r:id="rId3"/>
               </a:rPr>
-              <a:t>Badiei</a:t>
+              <a:t>Jia</a:t>
             </a:r>
             <a:r>
               <a:rPr lang="en-IN" sz="1800" dirty="0">
@@ -11912,10 +12206,10 @@
                 </a:solidFill>
                 <a:hlinkClick r:id="rId3"/>
               </a:rPr>
-              <a:t> </a:t>
-            </a:r>
-            <a:r>
-              <a:rPr lang="en-IN" sz="1800" dirty="0" err="1">
+              <a:t>, </a:t>
+            </a:r>
+            <a:r>
+              <a:rPr lang="en-IN" sz="1800" dirty="0" smtClean="0">
                 <a:solidFill>
                   <a:schemeClr val="accent2">
                     <a:lumMod val="50000"/>
@@ -11923,7 +12217,7 @@
                 </a:solidFill>
                 <a:hlinkClick r:id="rId3"/>
               </a:rPr>
-              <a:t>Khuzani</a:t>
+              <a:t>L.  Xing, </a:t>
             </a:r>
             <a:r>
               <a:rPr lang="en-IN" sz="1800" dirty="0">
@@ -11934,95 +12228,7 @@
                 </a:solidFill>
                 <a:hlinkClick r:id="rId3"/>
               </a:rPr>
-              <a:t>, Varun </a:t>
-            </a:r>
-            <a:r>
-              <a:rPr lang="en-IN" sz="1800" dirty="0" err="1">
-                <a:solidFill>
-                  <a:schemeClr val="accent2">
-                    <a:lumMod val="50000"/>
-                  </a:schemeClr>
-                </a:solidFill>
-                <a:hlinkClick r:id="rId3"/>
-              </a:rPr>
-              <a:t>Vasudevan</a:t>
-            </a:r>
-            <a:r>
-              <a:rPr lang="en-IN" sz="1800" dirty="0">
-                <a:solidFill>
-                  <a:schemeClr val="accent2">
-                    <a:lumMod val="50000"/>
-                  </a:schemeClr>
-                </a:solidFill>
-                <a:hlinkClick r:id="rId3"/>
-              </a:rPr>
-              <a:t>, Charles Huang, </a:t>
-            </a:r>
-            <a:r>
-              <a:rPr lang="en-IN" sz="1800" dirty="0" err="1">
-                <a:solidFill>
-                  <a:schemeClr val="accent2">
-                    <a:lumMod val="50000"/>
-                  </a:schemeClr>
-                </a:solidFill>
-                <a:hlinkClick r:id="rId3"/>
-              </a:rPr>
-              <a:t>Hongyi</a:t>
-            </a:r>
-            <a:r>
-              <a:rPr lang="en-IN" sz="1800" dirty="0">
-                <a:solidFill>
-                  <a:schemeClr val="accent2">
-                    <a:lumMod val="50000"/>
-                  </a:schemeClr>
-                </a:solidFill>
-                <a:hlinkClick r:id="rId3"/>
-              </a:rPr>
-              <a:t> Ren, </a:t>
-            </a:r>
-            <a:r>
-              <a:rPr lang="en-IN" sz="1800" dirty="0" err="1">
-                <a:solidFill>
-                  <a:schemeClr val="accent2">
-                    <a:lumMod val="50000"/>
-                  </a:schemeClr>
-                </a:solidFill>
-                <a:hlinkClick r:id="rId3"/>
-              </a:rPr>
-              <a:t>Ruoxiu</a:t>
-            </a:r>
-            <a:r>
-              <a:rPr lang="en-IN" sz="1800" dirty="0">
-                <a:solidFill>
-                  <a:schemeClr val="accent2">
-                    <a:lumMod val="50000"/>
-                  </a:schemeClr>
-                </a:solidFill>
-                <a:hlinkClick r:id="rId3"/>
-              </a:rPr>
-              <a:t> Xiao, Xiao </a:t>
-            </a:r>
-            <a:r>
-              <a:rPr lang="en-IN" sz="1800" dirty="0" err="1">
-                <a:solidFill>
-                  <a:schemeClr val="accent2">
-                    <a:lumMod val="50000"/>
-                  </a:schemeClr>
-                </a:solidFill>
-                <a:hlinkClick r:id="rId3"/>
-              </a:rPr>
-              <a:t>Jia</a:t>
-            </a:r>
-            <a:r>
-              <a:rPr lang="en-IN" sz="1800" dirty="0">
-                <a:solidFill>
-                  <a:schemeClr val="accent2">
-                    <a:lumMod val="50000"/>
-                  </a:schemeClr>
-                </a:solidFill>
-                <a:hlinkClick r:id="rId3"/>
-              </a:rPr>
-              <a:t>, Lei Xing1, “Machine Learning Techniques for Biomedical Image Segmentation: An Overview of Technical Aspects and Introduction to State-of-Art Applications”, Med Phys. 2020 Jun; 47(5): e148–e167</a:t>
+              <a:t>“Machine Learning Techniques for Biomedical Image Segmentation: An Overview of Technical Aspects and Introduction to State-of-Art Applications”, Med Phys. 2020 Jun; 47(5): e148–e167</a:t>
             </a:r>
             <a:r>
               <a:rPr lang="en-IN" sz="1800" dirty="0" smtClean="0">
@@ -12062,6 +12268,28 @@
               <a:buChar char="Ø"/>
             </a:pPr>
             <a:r>
+              <a:rPr lang="en-IN" sz="1800" dirty="0" smtClean="0">
+                <a:solidFill>
+                  <a:schemeClr val="accent2">
+                    <a:lumMod val="50000"/>
+                  </a:schemeClr>
+                </a:solidFill>
+                <a:hlinkClick r:id="rId4"/>
+              </a:rPr>
+              <a:t>G.</a:t>
+            </a:r>
+            <a:r>
+              <a:rPr lang="en-IN" sz="1800" dirty="0" smtClean="0">
+                <a:solidFill>
+                  <a:schemeClr val="accent2">
+                    <a:lumMod val="50000"/>
+                  </a:schemeClr>
+                </a:solidFill>
+                <a:hlinkClick r:id="rId4"/>
+              </a:rPr>
+              <a:t> </a:t>
+            </a:r>
+            <a:r>
               <a:rPr lang="en-IN" sz="1800" dirty="0" err="1">
                 <a:solidFill>
                   <a:schemeClr val="accent2">
@@ -12081,10 +12309,10 @@
                 </a:solidFill>
                 <a:hlinkClick r:id="rId4"/>
               </a:rPr>
-              <a:t>, Greg, </a:t>
-            </a:r>
-            <a:r>
-              <a:rPr lang="en-IN" sz="1800" dirty="0" err="1">
+              <a:t> </a:t>
+            </a:r>
+            <a:r>
+              <a:rPr lang="en-IN" sz="1800" dirty="0" smtClean="0">
                 <a:solidFill>
                   <a:schemeClr val="accent2">
                     <a:lumMod val="50000"/>
@@ -12092,10 +12320,10 @@
                 </a:solidFill>
                 <a:hlinkClick r:id="rId4"/>
               </a:rPr>
-              <a:t>Quynh</a:t>
-            </a:r>
-            <a:r>
-              <a:rPr lang="en-IN" sz="1800" dirty="0">
+              <a:t>,Q. </a:t>
+            </a:r>
+            <a:r>
+              <a:rPr lang="en-IN" sz="1800" dirty="0" err="1" smtClean="0">
                 <a:solidFill>
                   <a:schemeClr val="accent2">
                     <a:lumMod val="50000"/>
@@ -12103,10 +12331,10 @@
                 </a:solidFill>
                 <a:hlinkClick r:id="rId4"/>
               </a:rPr>
-              <a:t> </a:t>
-            </a:r>
-            <a:r>
-              <a:rPr lang="en-IN" sz="1800" dirty="0" err="1">
+              <a:t>Dinh</a:t>
+            </a:r>
+            <a:r>
+              <a:rPr lang="en-IN" sz="1800" dirty="0" smtClean="0">
                 <a:solidFill>
                   <a:schemeClr val="accent2">
                     <a:lumMod val="50000"/>
@@ -12114,10 +12342,10 @@
                 </a:solidFill>
                 <a:hlinkClick r:id="rId4"/>
               </a:rPr>
-              <a:t>Dinh</a:t>
-            </a:r>
-            <a:r>
-              <a:rPr lang="en-IN" sz="1800" dirty="0">
+              <a:t>, and G. </a:t>
+            </a:r>
+            <a:r>
+              <a:rPr lang="en-IN" sz="1800" dirty="0" err="1" smtClean="0">
                 <a:solidFill>
                   <a:schemeClr val="accent2">
                     <a:lumMod val="50000"/>
@@ -12125,10 +12353,10 @@
                 </a:solidFill>
                 <a:hlinkClick r:id="rId4"/>
               </a:rPr>
-              <a:t>, and </a:t>
-            </a:r>
-            <a:r>
-              <a:rPr lang="en-IN" sz="1800" dirty="0" err="1">
+              <a:t>Unal</a:t>
+            </a:r>
+            <a:r>
+              <a:rPr lang="en-IN" sz="1800" dirty="0" smtClean="0">
                 <a:solidFill>
                   <a:schemeClr val="accent2">
                     <a:lumMod val="50000"/>
@@ -12136,10 +12364,10 @@
                 </a:solidFill>
                 <a:hlinkClick r:id="rId4"/>
               </a:rPr>
-              <a:t>Gozde</a:t>
-            </a:r>
-            <a:r>
-              <a:rPr lang="en-IN" sz="1800" dirty="0">
+              <a:t>. "A </a:t>
+            </a:r>
+            <a:r>
+              <a:rPr lang="en-IN" sz="1800" dirty="0" err="1" smtClean="0">
                 <a:solidFill>
                   <a:schemeClr val="accent2">
                     <a:lumMod val="50000"/>
@@ -12147,10 +12375,10 @@
                 </a:solidFill>
                 <a:hlinkClick r:id="rId4"/>
               </a:rPr>
-              <a:t> </a:t>
-            </a:r>
-            <a:r>
-              <a:rPr lang="en-IN" sz="1800" dirty="0" err="1">
+              <a:t>variational</a:t>
+            </a:r>
+            <a:r>
+              <a:rPr lang="en-IN" sz="1800" dirty="0" smtClean="0">
                 <a:solidFill>
                   <a:schemeClr val="accent2">
                     <a:lumMod val="50000"/>
@@ -12158,51 +12386,7 @@
                 </a:solidFill>
                 <a:hlinkClick r:id="rId4"/>
               </a:rPr>
-              <a:t>Unal</a:t>
-            </a:r>
-            <a:r>
-              <a:rPr lang="en-IN" sz="1800" dirty="0">
-                <a:solidFill>
-                  <a:schemeClr val="accent2">
-                    <a:lumMod val="50000"/>
-                  </a:schemeClr>
-                </a:solidFill>
-                <a:hlinkClick r:id="rId4"/>
-              </a:rPr>
-              <a:t>. "A </a:t>
-            </a:r>
-            <a:r>
-              <a:rPr lang="en-IN" sz="1800" dirty="0" err="1">
-                <a:solidFill>
-                  <a:schemeClr val="accent2">
-                    <a:lumMod val="50000"/>
-                  </a:schemeClr>
-                </a:solidFill>
-                <a:hlinkClick r:id="rId4"/>
-              </a:rPr>
-              <a:t>variational</a:t>
-            </a:r>
-            <a:r>
-              <a:rPr lang="en-IN" sz="1800" dirty="0">
-                <a:solidFill>
-                  <a:schemeClr val="accent2">
-                    <a:lumMod val="50000"/>
-                  </a:schemeClr>
-                </a:solidFill>
-                <a:hlinkClick r:id="rId4"/>
-              </a:rPr>
-              <a:t> approach to the evolution of radial basis functions for image segmentation." In 2007 IEEE Conference on Computer Vision and Pattern Recognition, pp. 1-8. IEEE, 2007</a:t>
-            </a:r>
-            <a:r>
-              <a:rPr lang="en-IN" sz="1800" dirty="0" smtClean="0">
-                <a:solidFill>
-                  <a:schemeClr val="accent2">
-                    <a:lumMod val="50000"/>
-                  </a:schemeClr>
-                </a:solidFill>
-                <a:hlinkClick r:id="rId4"/>
-              </a:rPr>
-              <a:t>.</a:t>
+              <a:t> approach to the evolution of radial basis functions for image segmentation." In 2007 IEEE Conference on Computer Vision and Pattern Recognition, pp. 1-8. IEEE, 2007.</a:t>
             </a:r>
             <a:endParaRPr lang="en-IN" sz="1800" dirty="0" smtClean="0">
               <a:solidFill>
@@ -12217,7 +12401,7 @@
               <a:buFont typeface="Wingdings" panose="05000000000000000000" pitchFamily="2" charset="2"/>
               <a:buChar char="Ø"/>
             </a:pPr>
-            <a:endParaRPr lang="en-US" sz="1800" dirty="0">
+            <a:endParaRPr lang="en-US" sz="1800" dirty="0" smtClean="0">
               <a:solidFill>
                 <a:schemeClr val="accent2">
                   <a:lumMod val="50000"/>
@@ -12239,7 +12423,18 @@
                 </a:solidFill>
                 <a:hlinkClick r:id="rId5"/>
               </a:rPr>
-              <a:t>https://en.wikipedia.org/wiki/Radial_basis_function_network</a:t>
+              <a:t>https</a:t>
+            </a:r>
+            <a:r>
+              <a:rPr lang="en-IN" sz="1800" dirty="0" smtClean="0">
+                <a:solidFill>
+                  <a:schemeClr val="accent2">
+                    <a:lumMod val="50000"/>
+                  </a:schemeClr>
+                </a:solidFill>
+                <a:hlinkClick r:id="rId5"/>
+              </a:rPr>
+              <a:t>://en.wikipedia.org/wiki/Radial_basis_function_network</a:t>
             </a:r>
             <a:endParaRPr lang="en-IN" sz="1800" dirty="0" smtClean="0">
               <a:solidFill>
@@ -12421,10 +12616,15 @@
             <p:ph idx="1"/>
           </p:nvPr>
         </p:nvSpPr>
-        <p:spPr/>
+        <p:spPr>
+          <a:xfrm>
+            <a:off x="457200" y="1600201"/>
+            <a:ext cx="8229600" cy="4133056"/>
+          </a:xfrm>
+        </p:spPr>
         <p:txBody>
           <a:bodyPr>
-            <a:normAutofit/>
+            <a:normAutofit fontScale="92500" lnSpcReduction="10000"/>
           </a:bodyPr>
           <a:lstStyle/>
           <a:p>
@@ -12456,7 +12656,7 @@
                   </a:schemeClr>
                 </a:solidFill>
               </a:rPr>
-              <a:t>, as the central nervous system controlling speech, memory, cognition, and movement, faces increasing threats from diseases due to stress, lifestyle, injuries, and aging</a:t>
+              <a:t>, as the central nervous system controlling speech, </a:t>
             </a:r>
             <a:r>
               <a:rPr lang="en-IN" sz="1800" dirty="0" smtClean="0">
@@ -12466,6 +12666,26 @@
                   </a:schemeClr>
                 </a:solidFill>
               </a:rPr>
+              <a:t>memory, </a:t>
+            </a:r>
+            <a:r>
+              <a:rPr lang="en-IN" sz="1800" dirty="0">
+                <a:solidFill>
+                  <a:schemeClr val="accent2">
+                    <a:lumMod val="50000"/>
+                  </a:schemeClr>
+                </a:solidFill>
+              </a:rPr>
+              <a:t>and movement, faces increasing threats from diseases due to stress, lifestyle, injuries, and aging</a:t>
+            </a:r>
+            <a:r>
+              <a:rPr lang="en-IN" sz="1800" dirty="0" smtClean="0">
+                <a:solidFill>
+                  <a:schemeClr val="accent2">
+                    <a:lumMod val="50000"/>
+                  </a:schemeClr>
+                </a:solidFill>
+              </a:rPr>
               <a:t>.</a:t>
             </a:r>
           </a:p>
@@ -12518,7 +12738,17 @@
                   </a:schemeClr>
                 </a:solidFill>
               </a:rPr>
-              <a:t>) is a cutting-edge, non-invasive technique for precisely visualizing the shape and function of brain tissues to diagnose brain illnesses</a:t>
+              <a:t>) </a:t>
+            </a:r>
+            <a:r>
+              <a:rPr lang="en-IN" sz="1800" dirty="0">
+                <a:solidFill>
+                  <a:schemeClr val="accent2">
+                    <a:lumMod val="50000"/>
+                  </a:schemeClr>
+                </a:solidFill>
+              </a:rPr>
+              <a:t>is a modern, non-invasive method to clearly see brain tissues and diagnose brain illnesses</a:t>
             </a:r>
             <a:r>
               <a:rPr lang="en-IN" sz="1800" dirty="0" smtClean="0">
@@ -12533,7 +12763,7 @@
           </a:p>
           <a:p>
             <a:r>
-              <a:rPr lang="en-IN" sz="1800" b="1" dirty="0">
+              <a:rPr lang="en-IN" sz="1800" b="1" dirty="0" smtClean="0">
                 <a:solidFill>
                   <a:schemeClr val="accent2">
                     <a:lumMod val="50000"/>
@@ -12543,6 +12773,16 @@
               <a:t>Image segmentation </a:t>
             </a:r>
             <a:r>
+              <a:rPr lang="en-IN" sz="1800" dirty="0" smtClean="0">
+                <a:solidFill>
+                  <a:schemeClr val="accent2">
+                    <a:lumMod val="50000"/>
+                  </a:schemeClr>
+                </a:solidFill>
+              </a:rPr>
+              <a:t>is </a:t>
+            </a:r>
+            <a:r>
               <a:rPr lang="en-IN" sz="1800" dirty="0">
                 <a:solidFill>
                   <a:schemeClr val="accent2">
@@ -12550,7 +12790,7 @@
                   </a:schemeClr>
                 </a:solidFill>
               </a:rPr>
-              <a:t>in brain MRIs is crucial for applications such as surgical planning, brain tissue classification, and </a:t>
+              <a:t>the process of partitioning a digital image into multiple image segments based on features like </a:t>
             </a:r>
             <a:r>
               <a:rPr lang="en-IN" sz="1800" dirty="0" err="1">
@@ -12560,7 +12800,7 @@
                   </a:schemeClr>
                 </a:solidFill>
               </a:rPr>
-              <a:t>tumor</a:t>
+              <a:t>color</a:t>
             </a:r>
             <a:r>
               <a:rPr lang="en-IN" sz="1800" dirty="0">
@@ -12570,201 +12810,7 @@
                   </a:schemeClr>
                 </a:solidFill>
               </a:rPr>
-              <a:t> </a:t>
-            </a:r>
-            <a:r>
-              <a:rPr lang="en-IN" sz="1800" dirty="0" smtClean="0">
-                <a:solidFill>
-                  <a:schemeClr val="accent2">
-                    <a:lumMod val="50000"/>
-                  </a:schemeClr>
-                </a:solidFill>
-              </a:rPr>
-              <a:t>detection.</a:t>
-            </a:r>
-          </a:p>
-          <a:p>
-            <a:r>
-              <a:rPr lang="en-IN" sz="1800" dirty="0">
-                <a:solidFill>
-                  <a:schemeClr val="accent2">
-                    <a:lumMod val="50000"/>
-                  </a:schemeClr>
-                </a:solidFill>
-              </a:rPr>
-              <a:t>Brain </a:t>
-            </a:r>
-            <a:r>
-              <a:rPr lang="en-IN" sz="1800" dirty="0" smtClean="0">
-                <a:solidFill>
-                  <a:schemeClr val="accent2">
-                    <a:lumMod val="50000"/>
-                  </a:schemeClr>
-                </a:solidFill>
-              </a:rPr>
-              <a:t>MRI segmentation </a:t>
-            </a:r>
-            <a:r>
-              <a:rPr lang="en-IN" sz="1800" dirty="0">
-                <a:solidFill>
-                  <a:schemeClr val="accent2">
-                    <a:lumMod val="50000"/>
-                  </a:schemeClr>
-                </a:solidFill>
-              </a:rPr>
-              <a:t>involves dividing an MRI scan into distinct structures like </a:t>
-            </a:r>
-            <a:r>
-              <a:rPr lang="en-IN" sz="1800" b="1" dirty="0">
-                <a:solidFill>
-                  <a:schemeClr val="accent2">
-                    <a:lumMod val="50000"/>
-                  </a:schemeClr>
-                </a:solidFill>
-              </a:rPr>
-              <a:t>white matter</a:t>
-            </a:r>
-            <a:r>
-              <a:rPr lang="en-IN" sz="1800" dirty="0">
-                <a:solidFill>
-                  <a:schemeClr val="accent2">
-                    <a:lumMod val="50000"/>
-                  </a:schemeClr>
-                </a:solidFill>
-              </a:rPr>
-              <a:t>, </a:t>
-            </a:r>
-            <a:r>
-              <a:rPr lang="en-IN" sz="1800" b="1" dirty="0" err="1">
-                <a:solidFill>
-                  <a:schemeClr val="accent2">
-                    <a:lumMod val="50000"/>
-                  </a:schemeClr>
-                </a:solidFill>
-              </a:rPr>
-              <a:t>gray</a:t>
-            </a:r>
-            <a:r>
-              <a:rPr lang="en-IN" sz="1800" b="1" dirty="0">
-                <a:solidFill>
-                  <a:schemeClr val="accent2">
-                    <a:lumMod val="50000"/>
-                  </a:schemeClr>
-                </a:solidFill>
-              </a:rPr>
-              <a:t> matter</a:t>
-            </a:r>
-            <a:r>
-              <a:rPr lang="en-IN" sz="1800" dirty="0">
-                <a:solidFill>
-                  <a:schemeClr val="accent2">
-                    <a:lumMod val="50000"/>
-                  </a:schemeClr>
-                </a:solidFill>
-              </a:rPr>
-              <a:t>, </a:t>
-            </a:r>
-            <a:r>
-              <a:rPr lang="en-IN" sz="1800" b="1" dirty="0" smtClean="0">
-                <a:solidFill>
-                  <a:schemeClr val="accent2">
-                    <a:lumMod val="50000"/>
-                  </a:schemeClr>
-                </a:solidFill>
-              </a:rPr>
-              <a:t>CSF</a:t>
-            </a:r>
-            <a:r>
-              <a:rPr lang="en-IN" sz="1800" dirty="0" smtClean="0">
-                <a:solidFill>
-                  <a:schemeClr val="accent2">
-                    <a:lumMod val="50000"/>
-                  </a:schemeClr>
-                </a:solidFill>
-              </a:rPr>
-              <a:t> (cerebrospinal </a:t>
-            </a:r>
-            <a:r>
-              <a:rPr lang="en-IN" sz="1800" dirty="0">
-                <a:solidFill>
-                  <a:schemeClr val="accent2">
-                    <a:lumMod val="50000"/>
-                  </a:schemeClr>
-                </a:solidFill>
-              </a:rPr>
-              <a:t>fluid </a:t>
-            </a:r>
-            <a:r>
-              <a:rPr lang="en-IN" sz="1800" dirty="0" smtClean="0">
-                <a:solidFill>
-                  <a:schemeClr val="accent2">
-                    <a:lumMod val="50000"/>
-                  </a:schemeClr>
-                </a:solidFill>
-              </a:rPr>
-              <a:t>), </a:t>
-            </a:r>
-            <a:r>
-              <a:rPr lang="en-IN" sz="1800" dirty="0">
-                <a:solidFill>
-                  <a:schemeClr val="accent2">
-                    <a:lumMod val="50000"/>
-                  </a:schemeClr>
-                </a:solidFill>
-              </a:rPr>
-              <a:t>and regions such as the cortex, ventricles, or </a:t>
-            </a:r>
-            <a:r>
-              <a:rPr lang="en-IN" sz="1800" dirty="0" err="1">
-                <a:solidFill>
-                  <a:schemeClr val="accent2">
-                    <a:lumMod val="50000"/>
-                  </a:schemeClr>
-                </a:solidFill>
-              </a:rPr>
-              <a:t>tumors</a:t>
-            </a:r>
-            <a:r>
-              <a:rPr lang="en-IN" sz="1800" dirty="0" smtClean="0">
-                <a:solidFill>
-                  <a:schemeClr val="accent2">
-                    <a:lumMod val="50000"/>
-                  </a:schemeClr>
-                </a:solidFill>
-              </a:rPr>
-              <a:t>.</a:t>
-            </a:r>
-          </a:p>
-          <a:p>
-            <a:r>
-              <a:rPr lang="en-IN" sz="1800" dirty="0">
-                <a:solidFill>
-                  <a:schemeClr val="accent2">
-                    <a:lumMod val="50000"/>
-                  </a:schemeClr>
-                </a:solidFill>
-              </a:rPr>
-              <a:t>To make brain MRI segmentation more accurate when the structure varies, researchers use different </a:t>
-            </a:r>
-            <a:r>
-              <a:rPr lang="en-IN" sz="1800" dirty="0" smtClean="0">
-                <a:solidFill>
-                  <a:schemeClr val="accent2">
-                    <a:lumMod val="50000"/>
-                  </a:schemeClr>
-                </a:solidFill>
-              </a:rPr>
-              <a:t>methods</a:t>
-            </a:r>
-            <a:r>
-              <a:rPr lang="en-IN" sz="1800" dirty="0">
-                <a:solidFill>
-                  <a:schemeClr val="accent2">
-                    <a:lumMod val="50000"/>
-                  </a:schemeClr>
-                </a:solidFill>
-              </a:rPr>
-              <a:t>. These range from basic image processing to more advanced machine learning and deep learning techniques.</a:t>
+              <a:t>, texture, shape, or brightness.</a:t>
             </a:r>
             <a:endParaRPr lang="en-IN" sz="1800" dirty="0" smtClean="0">
               <a:solidFill>
@@ -12775,7 +12821,258 @@
             </a:endParaRPr>
           </a:p>
           <a:p>
-            <a:endParaRPr lang="en-IN" sz="1800" dirty="0">
+            <a:pPr>
+              <a:lnSpc>
+                <a:spcPct val="110000"/>
+              </a:lnSpc>
+            </a:pPr>
+            <a:r>
+              <a:rPr lang="en-IN" sz="1800" b="1" dirty="0" smtClean="0">
+                <a:solidFill>
+                  <a:schemeClr val="accent2">
+                    <a:lumMod val="50000"/>
+                  </a:schemeClr>
+                </a:solidFill>
+              </a:rPr>
+              <a:t>Brain MRI segmentation </a:t>
+            </a:r>
+            <a:r>
+              <a:rPr lang="en-IN" sz="1800" dirty="0" smtClean="0">
+                <a:solidFill>
+                  <a:schemeClr val="accent2">
+                    <a:lumMod val="50000"/>
+                  </a:schemeClr>
+                </a:solidFill>
+              </a:rPr>
+              <a:t>involves dividing an MRI scan into distinct structures like </a:t>
+            </a:r>
+            <a:r>
+              <a:rPr lang="en-IN" sz="1800" b="1" dirty="0" smtClean="0">
+                <a:solidFill>
+                  <a:schemeClr val="accent2">
+                    <a:lumMod val="50000"/>
+                  </a:schemeClr>
+                </a:solidFill>
+              </a:rPr>
+              <a:t>W</a:t>
+            </a:r>
+            <a:r>
+              <a:rPr lang="en-IN" sz="1800" b="1" dirty="0" smtClean="0">
+                <a:solidFill>
+                  <a:schemeClr val="accent2">
+                    <a:lumMod val="50000"/>
+                  </a:schemeClr>
+                </a:solidFill>
+              </a:rPr>
+              <a:t>hite </a:t>
+            </a:r>
+            <a:r>
+              <a:rPr lang="en-IN" sz="1800" b="1" dirty="0" smtClean="0">
+                <a:solidFill>
+                  <a:schemeClr val="accent2">
+                    <a:lumMod val="50000"/>
+                  </a:schemeClr>
+                </a:solidFill>
+              </a:rPr>
+              <a:t>M</a:t>
+            </a:r>
+            <a:r>
+              <a:rPr lang="en-IN" sz="1800" b="1" dirty="0" smtClean="0">
+                <a:solidFill>
+                  <a:schemeClr val="accent2">
+                    <a:lumMod val="50000"/>
+                  </a:schemeClr>
+                </a:solidFill>
+              </a:rPr>
+              <a:t>atter (WM)</a:t>
+            </a:r>
+            <a:r>
+              <a:rPr lang="en-IN" sz="1800" dirty="0" smtClean="0">
+                <a:solidFill>
+                  <a:schemeClr val="accent2">
+                    <a:lumMod val="50000"/>
+                  </a:schemeClr>
+                </a:solidFill>
+              </a:rPr>
+              <a:t>, </a:t>
+            </a:r>
+            <a:r>
+              <a:rPr lang="en-IN" sz="1800" b="1" dirty="0" err="1" smtClean="0">
+                <a:solidFill>
+                  <a:schemeClr val="accent2">
+                    <a:lumMod val="50000"/>
+                  </a:schemeClr>
+                </a:solidFill>
+              </a:rPr>
+              <a:t>G</a:t>
+            </a:r>
+            <a:r>
+              <a:rPr lang="en-IN" sz="1800" b="1" dirty="0" err="1" smtClean="0">
+                <a:solidFill>
+                  <a:schemeClr val="accent2">
+                    <a:lumMod val="50000"/>
+                  </a:schemeClr>
+                </a:solidFill>
+              </a:rPr>
+              <a:t>ray</a:t>
+            </a:r>
+            <a:r>
+              <a:rPr lang="en-IN" sz="1800" b="1" dirty="0" smtClean="0">
+                <a:solidFill>
+                  <a:schemeClr val="accent2">
+                    <a:lumMod val="50000"/>
+                  </a:schemeClr>
+                </a:solidFill>
+              </a:rPr>
+              <a:t> Matter (GM), </a:t>
+            </a:r>
+            <a:r>
+              <a:rPr lang="en-IN" sz="1800" b="1" dirty="0" err="1" smtClean="0">
+                <a:solidFill>
+                  <a:schemeClr val="accent2">
+                    <a:lumMod val="50000"/>
+                  </a:schemeClr>
+                </a:solidFill>
+              </a:rPr>
+              <a:t>CerebroSpinal</a:t>
+            </a:r>
+            <a:r>
+              <a:rPr lang="en-IN" sz="1800" b="1" dirty="0" smtClean="0">
+                <a:solidFill>
+                  <a:schemeClr val="accent2">
+                    <a:lumMod val="50000"/>
+                  </a:schemeClr>
+                </a:solidFill>
+              </a:rPr>
+              <a:t> </a:t>
+            </a:r>
+            <a:r>
+              <a:rPr lang="en-IN" sz="1800" b="1" dirty="0" smtClean="0">
+                <a:solidFill>
+                  <a:schemeClr val="accent2">
+                    <a:lumMod val="50000"/>
+                  </a:schemeClr>
+                </a:solidFill>
+              </a:rPr>
+              <a:t>F</a:t>
+            </a:r>
+            <a:r>
+              <a:rPr lang="en-IN" sz="1800" b="1" dirty="0" smtClean="0">
+                <a:solidFill>
+                  <a:schemeClr val="accent2">
+                    <a:lumMod val="50000"/>
+                  </a:schemeClr>
+                </a:solidFill>
+              </a:rPr>
+              <a:t>luid </a:t>
+            </a:r>
+            <a:r>
+              <a:rPr lang="en-IN" sz="1800" b="1" dirty="0" smtClean="0">
+                <a:solidFill>
+                  <a:schemeClr val="accent2">
+                    <a:lumMod val="50000"/>
+                  </a:schemeClr>
+                </a:solidFill>
+              </a:rPr>
+              <a:t>(CSF), </a:t>
+            </a:r>
+            <a:r>
+              <a:rPr lang="en-IN" sz="1800" dirty="0" smtClean="0">
+                <a:solidFill>
+                  <a:schemeClr val="accent2">
+                    <a:lumMod val="50000"/>
+                  </a:schemeClr>
+                </a:solidFill>
+              </a:rPr>
+              <a:t>and regions such as the cortex, ventricles, or </a:t>
+            </a:r>
+            <a:r>
+              <a:rPr lang="en-IN" sz="1800" dirty="0" err="1" smtClean="0">
+                <a:solidFill>
+                  <a:schemeClr val="accent2">
+                    <a:lumMod val="50000"/>
+                  </a:schemeClr>
+                </a:solidFill>
+              </a:rPr>
+              <a:t>tumors</a:t>
+            </a:r>
+            <a:r>
+              <a:rPr lang="en-IN" sz="1800" dirty="0" smtClean="0">
+                <a:solidFill>
+                  <a:schemeClr val="accent2">
+                    <a:lumMod val="50000"/>
+                  </a:schemeClr>
+                </a:solidFill>
+              </a:rPr>
+              <a:t>.</a:t>
+            </a:r>
+          </a:p>
+          <a:p>
+            <a:pPr>
+              <a:lnSpc>
+                <a:spcPct val="110000"/>
+              </a:lnSpc>
+            </a:pPr>
+            <a:endParaRPr lang="en-IN" sz="1800" dirty="0" smtClean="0">
+              <a:solidFill>
+                <a:schemeClr val="accent2">
+                  <a:lumMod val="50000"/>
+                </a:schemeClr>
+              </a:solidFill>
+            </a:endParaRPr>
+          </a:p>
+          <a:p>
+            <a:r>
+              <a:rPr lang="en-IN" sz="1800" dirty="0" smtClean="0">
+                <a:solidFill>
+                  <a:schemeClr val="accent2">
+                    <a:lumMod val="50000"/>
+                  </a:schemeClr>
+                </a:solidFill>
+              </a:rPr>
+              <a:t>To </a:t>
+            </a:r>
+            <a:r>
+              <a:rPr lang="en-IN" sz="1800" dirty="0">
+                <a:solidFill>
+                  <a:schemeClr val="accent2">
+                    <a:lumMod val="50000"/>
+                  </a:schemeClr>
+                </a:solidFill>
+              </a:rPr>
+              <a:t>make brain MRI segmentation more accurate, researchers use various methods</a:t>
+            </a:r>
+            <a:r>
+              <a:rPr lang="en-IN" sz="1800" dirty="0" smtClean="0">
+                <a:solidFill>
+                  <a:schemeClr val="accent2">
+                    <a:lumMod val="50000"/>
+                  </a:schemeClr>
+                </a:solidFill>
+              </a:rPr>
+              <a:t>, range </a:t>
+            </a:r>
+            <a:r>
+              <a:rPr lang="en-IN" sz="1800" dirty="0">
+                <a:solidFill>
+                  <a:schemeClr val="accent2">
+                    <a:lumMod val="50000"/>
+                  </a:schemeClr>
+                </a:solidFill>
+              </a:rPr>
+              <a:t>from simple image processing to advanced machine learning and deep learning techniques</a:t>
+            </a:r>
+            <a:r>
+              <a:rPr lang="en-IN" sz="1800" dirty="0" smtClean="0">
+                <a:solidFill>
+                  <a:schemeClr val="accent2">
+                    <a:lumMod val="50000"/>
+                  </a:schemeClr>
+                </a:solidFill>
+              </a:rPr>
+              <a:t>.</a:t>
+            </a:r>
+            <a:endParaRPr lang="en-IN" sz="1800" dirty="0" smtClean="0">
               <a:solidFill>
                 <a:schemeClr val="accent2">
                   <a:lumMod val="50000"/>
@@ -13230,17 +13527,17 @@
         <p:spPr>
           <a:xfrm>
             <a:off x="457200" y="1484785"/>
-            <a:ext cx="8229600" cy="1728192"/>
+            <a:ext cx="8229600" cy="1872207"/>
           </a:xfrm>
         </p:spPr>
         <p:txBody>
           <a:bodyPr>
-            <a:normAutofit/>
+            <a:noAutofit/>
           </a:bodyPr>
           <a:lstStyle/>
           <a:p>
             <a:r>
-              <a:rPr lang="en-IN" sz="1800" dirty="0">
+              <a:rPr lang="en-IN" sz="1600" dirty="0">
                 <a:solidFill>
                   <a:schemeClr val="accent2">
                     <a:lumMod val="50000"/>
@@ -13250,7 +13547,7 @@
               <a:t>In this project, a </a:t>
             </a:r>
             <a:r>
-              <a:rPr lang="en-IN" sz="1800" b="1" dirty="0">
+              <a:rPr lang="en-IN" sz="1600" b="1" dirty="0">
                 <a:solidFill>
                   <a:schemeClr val="accent2">
                     <a:lumMod val="50000"/>
@@ -13260,7 +13557,7 @@
               <a:t>Radial Basis Function Neural Network (RBFNN) </a:t>
             </a:r>
             <a:r>
-              <a:rPr lang="en-IN" sz="1800" dirty="0">
+              <a:rPr lang="en-IN" sz="1600" dirty="0">
                 <a:solidFill>
                   <a:schemeClr val="accent2">
                     <a:lumMod val="50000"/>
@@ -13270,27 +13567,17 @@
               <a:t>is employed specifically for the segmentation of brain MR images into </a:t>
             </a:r>
             <a:r>
-              <a:rPr lang="en-IN" sz="1800" dirty="0" smtClean="0">
-                <a:solidFill>
-                  <a:schemeClr val="accent2">
-                    <a:lumMod val="50000"/>
-                  </a:schemeClr>
-                </a:solidFill>
-              </a:rPr>
-              <a:t>WM</a:t>
-            </a:r>
-            <a:r>
-              <a:rPr lang="en-IN" sz="1800" dirty="0" smtClean="0">
-                <a:solidFill>
-                  <a:schemeClr val="accent2">
-                    <a:lumMod val="50000"/>
-                  </a:schemeClr>
-                </a:solidFill>
-              </a:rPr>
-              <a:t>, GM, </a:t>
-            </a:r>
-            <a:r>
-              <a:rPr lang="en-IN" sz="1800" dirty="0">
+              <a:rPr lang="en-IN" sz="1600" dirty="0" smtClean="0">
+                <a:solidFill>
+                  <a:schemeClr val="accent2">
+                    <a:lumMod val="50000"/>
+                  </a:schemeClr>
+                </a:solidFill>
+              </a:rPr>
+              <a:t>WM, GM, </a:t>
+            </a:r>
+            <a:r>
+              <a:rPr lang="en-IN" sz="1600" dirty="0">
                 <a:solidFill>
                   <a:schemeClr val="accent2">
                     <a:lumMod val="50000"/>
@@ -13300,37 +13587,17 @@
               <a:t>and</a:t>
             </a:r>
             <a:r>
-              <a:rPr lang="en-IN" sz="1800" dirty="0" smtClean="0">
-                <a:solidFill>
-                  <a:schemeClr val="accent2">
-                    <a:lumMod val="50000"/>
-                  </a:schemeClr>
-                </a:solidFill>
-              </a:rPr>
-              <a:t> </a:t>
-            </a:r>
-            <a:r>
-              <a:rPr lang="en-IN" sz="1800" dirty="0" smtClean="0">
-                <a:solidFill>
-                  <a:schemeClr val="accent2">
-                    <a:lumMod val="50000"/>
-                  </a:schemeClr>
-                </a:solidFill>
-              </a:rPr>
-              <a:t>CSF </a:t>
-            </a:r>
-            <a:r>
-              <a:rPr lang="en-IN" sz="1800" dirty="0" smtClean="0">
-                <a:solidFill>
-                  <a:schemeClr val="accent2">
-                    <a:lumMod val="50000"/>
-                  </a:schemeClr>
-                </a:solidFill>
-              </a:rPr>
-              <a:t>regions</a:t>
-            </a:r>
-            <a:r>
-              <a:rPr lang="en-IN" sz="1800" dirty="0">
+              <a:rPr lang="en-IN" sz="1600" dirty="0" smtClean="0">
+                <a:solidFill>
+                  <a:schemeClr val="accent2">
+                    <a:lumMod val="50000"/>
+                  </a:schemeClr>
+                </a:solidFill>
+              </a:rPr>
+              <a:t> CSF regions</a:t>
+            </a:r>
+            <a:r>
+              <a:rPr lang="en-IN" sz="1600" dirty="0">
                 <a:solidFill>
                   <a:schemeClr val="accent2">
                     <a:lumMod val="50000"/>
@@ -13339,7 +13606,7 @@
               </a:rPr>
               <a:t>. </a:t>
             </a:r>
-            <a:endParaRPr lang="en-IN" sz="1800" dirty="0" smtClean="0">
+            <a:endParaRPr lang="en-IN" sz="1600" dirty="0" smtClean="0">
               <a:solidFill>
                 <a:schemeClr val="accent2">
                   <a:lumMod val="50000"/>
@@ -13349,16 +13616,208 @@
           </a:p>
           <a:p>
             <a:r>
-              <a:rPr lang="en-IN" sz="1800" dirty="0">
-                <a:solidFill>
-                  <a:schemeClr val="accent2">
-                    <a:lumMod val="50000"/>
-                  </a:schemeClr>
-                </a:solidFill>
-              </a:rPr>
-              <a:t>A radial basis function (RBF) neural network is a type of artificial neural network that uses radial basis functions as activation functions. </a:t>
-            </a:r>
-            <a:endParaRPr lang="en-IN" sz="1800" dirty="0" smtClean="0">
+              <a:rPr lang="en-IN" sz="1600" dirty="0">
+                <a:solidFill>
+                  <a:schemeClr val="accent2">
+                    <a:lumMod val="50000"/>
+                  </a:schemeClr>
+                </a:solidFill>
+              </a:rPr>
+              <a:t>A </a:t>
+            </a:r>
+            <a:r>
+              <a:rPr lang="en-IN" sz="1600" dirty="0" smtClean="0">
+                <a:solidFill>
+                  <a:schemeClr val="accent2">
+                    <a:lumMod val="50000"/>
+                  </a:schemeClr>
+                </a:solidFill>
+              </a:rPr>
+              <a:t> </a:t>
+            </a:r>
+            <a:r>
+              <a:rPr lang="en-IN" sz="1600" dirty="0" smtClean="0">
+                <a:solidFill>
+                  <a:schemeClr val="accent2">
+                    <a:lumMod val="50000"/>
+                  </a:schemeClr>
+                </a:solidFill>
+              </a:rPr>
+              <a:t>RBFNN </a:t>
+            </a:r>
+            <a:r>
+              <a:rPr lang="en-IN" sz="1600" dirty="0" smtClean="0">
+                <a:solidFill>
+                  <a:schemeClr val="accent2">
+                    <a:lumMod val="50000"/>
+                  </a:schemeClr>
+                </a:solidFill>
+              </a:rPr>
+              <a:t>is </a:t>
+            </a:r>
+            <a:r>
+              <a:rPr lang="en-IN" sz="1600" dirty="0">
+                <a:solidFill>
+                  <a:schemeClr val="accent2">
+                    <a:lumMod val="50000"/>
+                  </a:schemeClr>
+                </a:solidFill>
+              </a:rPr>
+              <a:t>a type of </a:t>
+            </a:r>
+            <a:r>
+              <a:rPr lang="en-IN" sz="1600" dirty="0">
+                <a:solidFill>
+                  <a:schemeClr val="accent2">
+                    <a:lumMod val="50000"/>
+                  </a:schemeClr>
+                </a:solidFill>
+              </a:rPr>
+              <a:t>A</a:t>
+            </a:r>
+            <a:r>
+              <a:rPr lang="en-IN" sz="1600" dirty="0" smtClean="0">
+                <a:solidFill>
+                  <a:schemeClr val="accent2">
+                    <a:lumMod val="50000"/>
+                  </a:schemeClr>
+                </a:solidFill>
+              </a:rPr>
+              <a:t>rtificial </a:t>
+            </a:r>
+            <a:r>
+              <a:rPr lang="en-IN" sz="1600" dirty="0">
+                <a:solidFill>
+                  <a:schemeClr val="accent2">
+                    <a:lumMod val="50000"/>
+                  </a:schemeClr>
+                </a:solidFill>
+              </a:rPr>
+              <a:t>N</a:t>
+            </a:r>
+            <a:r>
+              <a:rPr lang="en-IN" sz="1600" dirty="0" smtClean="0">
+                <a:solidFill>
+                  <a:schemeClr val="accent2">
+                    <a:lumMod val="50000"/>
+                  </a:schemeClr>
+                </a:solidFill>
+              </a:rPr>
+              <a:t>eural </a:t>
+            </a:r>
+            <a:r>
+              <a:rPr lang="en-IN" sz="1600" dirty="0">
+                <a:solidFill>
+                  <a:schemeClr val="accent2">
+                    <a:lumMod val="50000"/>
+                  </a:schemeClr>
+                </a:solidFill>
+              </a:rPr>
+              <a:t>N</a:t>
+            </a:r>
+            <a:r>
+              <a:rPr lang="en-IN" sz="1600" dirty="0" smtClean="0">
+                <a:solidFill>
+                  <a:schemeClr val="accent2">
+                    <a:lumMod val="50000"/>
+                  </a:schemeClr>
+                </a:solidFill>
+              </a:rPr>
+              <a:t>etwork </a:t>
+            </a:r>
+            <a:r>
+              <a:rPr lang="en-IN" sz="1600" dirty="0">
+                <a:solidFill>
+                  <a:schemeClr val="accent2">
+                    <a:lumMod val="50000"/>
+                  </a:schemeClr>
+                </a:solidFill>
+              </a:rPr>
+              <a:t>that uses radial basis functions as </a:t>
+            </a:r>
+            <a:r>
+              <a:rPr lang="en-IN" sz="1600" b="1" dirty="0">
+                <a:solidFill>
+                  <a:schemeClr val="accent2">
+                    <a:lumMod val="50000"/>
+                  </a:schemeClr>
+                </a:solidFill>
+              </a:rPr>
+              <a:t>activation functions</a:t>
+            </a:r>
+            <a:r>
+              <a:rPr lang="en-IN" sz="1600" dirty="0" smtClean="0">
+                <a:solidFill>
+                  <a:schemeClr val="accent2">
+                    <a:lumMod val="50000"/>
+                  </a:schemeClr>
+                </a:solidFill>
+              </a:rPr>
+              <a:t>.</a:t>
+            </a:r>
+          </a:p>
+          <a:p>
+            <a:r>
+              <a:rPr lang="en-IN" sz="1600" dirty="0">
+                <a:solidFill>
+                  <a:schemeClr val="accent2">
+                    <a:lumMod val="50000"/>
+                  </a:schemeClr>
+                </a:solidFill>
+              </a:rPr>
+              <a:t>The network consists of </a:t>
+            </a:r>
+            <a:r>
+              <a:rPr lang="en-IN" sz="1600" b="1" dirty="0">
+                <a:solidFill>
+                  <a:schemeClr val="accent2">
+                    <a:lumMod val="50000"/>
+                  </a:schemeClr>
+                </a:solidFill>
+              </a:rPr>
+              <a:t>three layers</a:t>
+            </a:r>
+            <a:r>
+              <a:rPr lang="en-IN" sz="1600" dirty="0">
+                <a:solidFill>
+                  <a:schemeClr val="accent2">
+                    <a:lumMod val="50000"/>
+                  </a:schemeClr>
+                </a:solidFill>
+              </a:rPr>
+              <a:t>: an input layer, a hidden </a:t>
+            </a:r>
+            <a:r>
+              <a:rPr lang="en-IN" sz="1600" dirty="0" smtClean="0">
+                <a:solidFill>
+                  <a:schemeClr val="accent2">
+                    <a:lumMod val="50000"/>
+                  </a:schemeClr>
+                </a:solidFill>
+              </a:rPr>
+              <a:t>layer, </a:t>
+            </a:r>
+            <a:r>
+              <a:rPr lang="en-IN" sz="1600" dirty="0">
+                <a:solidFill>
+                  <a:schemeClr val="accent2">
+                    <a:lumMod val="50000"/>
+                  </a:schemeClr>
+                </a:solidFill>
+              </a:rPr>
+              <a:t>and an output layer. </a:t>
+            </a:r>
+            <a:r>
+              <a:rPr lang="en-IN" sz="1600" dirty="0" smtClean="0">
+                <a:solidFill>
+                  <a:schemeClr val="accent2">
+                    <a:lumMod val="50000"/>
+                  </a:schemeClr>
+                </a:solidFill>
+              </a:rPr>
+              <a:t> </a:t>
+            </a:r>
+            <a:endParaRPr lang="en-IN" sz="1600" dirty="0" smtClean="0">
               <a:solidFill>
                 <a:schemeClr val="accent2">
                   <a:lumMod val="50000"/>
@@ -13370,24 +13829,32 @@
       </p:sp>
       <p:pic>
         <p:nvPicPr>
-          <p:cNvPr id="6" name="Picture 5"/>
+          <p:cNvPr id="7" name="Picture 6"/>
           <p:cNvPicPr/>
           <p:nvPr/>
         </p:nvPicPr>
         <p:blipFill>
-          <a:blip r:embed="rId2"/>
+          <a:blip r:embed="rId2">
+            <a:extLst>
+              <a:ext uri="{28A0092B-C50C-407E-A947-70E740481C1C}">
+                <a14:useLocalDpi xmlns:a14="http://schemas.microsoft.com/office/drawing/2010/main" val="0"/>
+              </a:ext>
+            </a:extLst>
+          </a:blip>
+          <a:srcRect/>
           <a:stretch>
             <a:fillRect/>
           </a:stretch>
         </p:blipFill>
-        <p:spPr>
+        <p:spPr bwMode="auto">
           <a:xfrm>
-            <a:off x="1835696" y="3284984"/>
-            <a:ext cx="5544616" cy="3096345"/>
+            <a:off x="2987824" y="3356992"/>
+            <a:ext cx="2808312" cy="3396944"/>
           </a:xfrm>
           <a:prstGeom prst="rect">
             <a:avLst/>
           </a:prstGeom>
+          <a:noFill/>
         </p:spPr>
       </p:pic>
     </p:spTree>
@@ -13458,67 +13925,15 @@
           </a:p>
         </p:txBody>
       </p:sp>
-      <p:sp>
-        <p:nvSpPr>
-          <p:cNvPr id="3" name="Content Placeholder 2"/>
-          <p:cNvSpPr>
-            <a:spLocks noGrp="1"/>
-          </p:cNvSpPr>
+      <p:pic>
+        <p:nvPicPr>
+          <p:cNvPr id="4" name="Picture 4" descr="Radial Basis Function Network - HackerEarth Blog"/>
+          <p:cNvPicPr>
+            <a:picLocks noGrp="1" noChangeAspect="1" noChangeArrowheads="1"/>
+          </p:cNvPicPr>
           <p:nvPr>
             <p:ph idx="1"/>
           </p:nvPr>
-        </p:nvSpPr>
-        <p:spPr>
-          <a:xfrm>
-            <a:off x="457200" y="1600201"/>
-            <a:ext cx="8229600" cy="748680"/>
-          </a:xfrm>
-        </p:spPr>
-        <p:txBody>
-          <a:bodyPr>
-            <a:normAutofit fontScale="85000" lnSpcReduction="10000"/>
-          </a:bodyPr>
-          <a:lstStyle/>
-          <a:p>
-            <a:r>
-              <a:rPr lang="en-IN" dirty="0">
-                <a:solidFill>
-                  <a:schemeClr val="accent2">
-                    <a:lumMod val="50000"/>
-                  </a:schemeClr>
-                </a:solidFill>
-              </a:rPr>
-              <a:t>The network consists of </a:t>
-            </a:r>
-            <a:r>
-              <a:rPr lang="en-IN" b="1" dirty="0">
-                <a:solidFill>
-                  <a:schemeClr val="accent2">
-                    <a:lumMod val="50000"/>
-                  </a:schemeClr>
-                </a:solidFill>
-              </a:rPr>
-              <a:t>three layers</a:t>
-            </a:r>
-            <a:r>
-              <a:rPr lang="en-IN" dirty="0">
-                <a:solidFill>
-                  <a:schemeClr val="accent2">
-                    <a:lumMod val="50000"/>
-                  </a:schemeClr>
-                </a:solidFill>
-              </a:rPr>
-              <a:t>: an input layer, a hidden layer with radial basis functions, and an output layer. </a:t>
-            </a:r>
-            <a:endParaRPr lang="en-IN" dirty="0"/>
-          </a:p>
-        </p:txBody>
-      </p:sp>
-      <p:pic>
-        <p:nvPicPr>
-          <p:cNvPr id="4" name="Picture 3"/>
-          <p:cNvPicPr/>
-          <p:nvPr/>
         </p:nvPicPr>
         <p:blipFill>
           <a:blip r:embed="rId2">
@@ -13535,19 +13950,242 @@
         </p:blipFill>
         <p:spPr bwMode="auto">
           <a:xfrm>
-            <a:off x="3059832" y="2636912"/>
-            <a:ext cx="2808312" cy="3960440"/>
+            <a:off x="1456890" y="1719757"/>
+            <a:ext cx="6230219" cy="4085507"/>
+          </a:xfrm>
+          <a:prstGeom prst="rect">
+            <a:avLst/>
+          </a:prstGeom>
+          <a:noFill/>
+          <a:extLst>
+            <a:ext uri="{909E8E84-426E-40DD-AFC4-6F175D3DCCD1}">
+              <a14:hiddenFill xmlns:a14="http://schemas.microsoft.com/office/drawing/2010/main">
+                <a:solidFill>
+                  <a:srgbClr val="FFFFFF"/>
+                </a:solidFill>
+              </a14:hiddenFill>
+            </a:ext>
+          </a:extLst>
+        </p:spPr>
+      </p:pic>
+      <p:sp>
+        <p:nvSpPr>
+          <p:cNvPr id="7" name="TextBox 6"/>
+          <p:cNvSpPr txBox="1"/>
+          <p:nvPr/>
+        </p:nvSpPr>
+        <p:spPr>
+          <a:xfrm>
+            <a:off x="1548888" y="6137302"/>
+            <a:ext cx="6088526" cy="461665"/>
           </a:xfrm>
           <a:prstGeom prst="rect">
             <a:avLst/>
           </a:prstGeom>
           <a:noFill/>
         </p:spPr>
-      </p:pic>
+        <p:txBody>
+          <a:bodyPr wrap="none" rtlCol="0">
+            <a:spAutoFit/>
+          </a:bodyPr>
+          <a:lstStyle/>
+          <a:p>
+            <a:r>
+              <a:rPr lang="en-US" sz="2400" b="1" dirty="0" smtClean="0"/>
+              <a:t>The </a:t>
+            </a:r>
+            <a:r>
+              <a:rPr lang="en-US" sz="2400" b="1" dirty="0"/>
+              <a:t>Architecture </a:t>
+            </a:r>
+            <a:r>
+              <a:rPr lang="en-US" sz="2400" b="1" dirty="0" smtClean="0"/>
+              <a:t>of RBF Neural Network</a:t>
+            </a:r>
+            <a:endParaRPr lang="en-IN" sz="2400" b="1" dirty="0"/>
+          </a:p>
+        </p:txBody>
+      </p:sp>
+      <p:cxnSp>
+        <p:nvCxnSpPr>
+          <p:cNvPr id="9" name="Straight Arrow Connector 8"/>
+          <p:cNvCxnSpPr/>
+          <p:nvPr/>
+        </p:nvCxnSpPr>
+        <p:spPr>
+          <a:xfrm flipV="1">
+            <a:off x="6732240" y="3573016"/>
+            <a:ext cx="1224136" cy="288032"/>
+          </a:xfrm>
+          <a:prstGeom prst="straightConnector1">
+            <a:avLst/>
+          </a:prstGeom>
+          <a:ln>
+            <a:tailEnd type="arrow"/>
+          </a:ln>
+        </p:spPr>
+        <p:style>
+          <a:lnRef idx="1">
+            <a:schemeClr val="accent1"/>
+          </a:lnRef>
+          <a:fillRef idx="0">
+            <a:schemeClr val="accent1"/>
+          </a:fillRef>
+          <a:effectRef idx="0">
+            <a:schemeClr val="accent1"/>
+          </a:effectRef>
+          <a:fontRef idx="minor">
+            <a:schemeClr val="tx1"/>
+          </a:fontRef>
+        </p:style>
+      </p:cxnSp>
+      <mc:AlternateContent xmlns:mc="http://schemas.openxmlformats.org/markup-compatibility/2006">
+        <mc:Choice xmlns:a14="http://schemas.microsoft.com/office/drawing/2010/main" Requires="a14">
+          <p:sp>
+            <p:nvSpPr>
+              <p:cNvPr id="11" name="Rectangle 10"/>
+              <p:cNvSpPr/>
+              <p:nvPr/>
+            </p:nvSpPr>
+            <p:spPr>
+              <a:xfrm>
+                <a:off x="7956376" y="3377193"/>
+                <a:ext cx="786562" cy="395621"/>
+              </a:xfrm>
+              <a:prstGeom prst="rect">
+                <a:avLst/>
+              </a:prstGeom>
+            </p:spPr>
+            <p:txBody>
+              <a:bodyPr wrap="none">
+                <a:spAutoFit/>
+              </a:bodyPr>
+              <a:lstStyle/>
+              <a:p>
+                <a14:m>
+                  <m:oMathPara xmlns:m="http://schemas.openxmlformats.org/officeDocument/2006/math">
+                    <m:oMathParaPr>
+                      <m:jc m:val="centerGroup"/>
+                    </m:oMathParaPr>
+                    <m:oMath xmlns:m="http://schemas.openxmlformats.org/officeDocument/2006/math">
+                      <m:sSub>
+                        <m:sSubPr>
+                          <m:ctrlPr>
+                            <a:rPr lang="en-IN" b="1" i="1">
+                              <a:solidFill>
+                                <a:schemeClr val="accent2">
+                                  <a:lumMod val="50000"/>
+                                </a:schemeClr>
+                              </a:solidFill>
+                              <a:latin typeface="Cambria Math"/>
+                            </a:rPr>
+                          </m:ctrlPr>
+                        </m:sSubPr>
+                        <m:e>
+                          <m:r>
+                            <a:rPr lang="en-US" b="1" i="1">
+                              <a:solidFill>
+                                <a:schemeClr val="accent2">
+                                  <a:lumMod val="50000"/>
+                                </a:schemeClr>
+                              </a:solidFill>
+                              <a:latin typeface="Cambria Math"/>
+                            </a:rPr>
+                            <m:t>𝑪</m:t>
+                          </m:r>
+                        </m:e>
+                        <m:sub>
+                          <m:r>
+                            <a:rPr lang="en-US" b="1" i="1">
+                              <a:solidFill>
+                                <a:schemeClr val="accent2">
+                                  <a:lumMod val="50000"/>
+                                </a:schemeClr>
+                              </a:solidFill>
+                              <a:latin typeface="Cambria Math"/>
+                            </a:rPr>
+                            <m:t>𝒋</m:t>
+                          </m:r>
+                        </m:sub>
+                      </m:sSub>
+                      <m:d>
+                        <m:dPr>
+                          <m:ctrlPr>
+                            <a:rPr lang="en-US" b="1" i="1">
+                              <a:solidFill>
+                                <a:schemeClr val="accent2">
+                                  <a:lumMod val="50000"/>
+                                </a:schemeClr>
+                              </a:solidFill>
+                              <a:latin typeface="Cambria Math"/>
+                            </a:rPr>
+                          </m:ctrlPr>
+                        </m:dPr>
+                        <m:e>
+                          <m:r>
+                            <a:rPr lang="en-US" b="1" i="1">
+                              <a:solidFill>
+                                <a:schemeClr val="accent2">
+                                  <a:lumMod val="50000"/>
+                                </a:schemeClr>
+                              </a:solidFill>
+                              <a:latin typeface="Cambria Math"/>
+                            </a:rPr>
+                            <m:t>𝒙</m:t>
+                          </m:r>
+                        </m:e>
+                      </m:d>
+                    </m:oMath>
+                  </m:oMathPara>
+                </a14:m>
+                <a:endParaRPr lang="en-IN" b="1" dirty="0"/>
+              </a:p>
+            </p:txBody>
+          </p:sp>
+        </mc:Choice>
+        <mc:Fallback>
+          <p:sp>
+            <p:nvSpPr>
+              <p:cNvPr id="11" name="Rectangle 10"/>
+              <p:cNvSpPr>
+                <a:spLocks noRot="1" noChangeAspect="1" noMove="1" noResize="1" noEditPoints="1" noAdjustHandles="1" noChangeArrowheads="1" noChangeShapeType="1" noTextEdit="1"/>
+              </p:cNvSpPr>
+              <p:nvPr/>
+            </p:nvSpPr>
+            <p:spPr>
+              <a:xfrm>
+                <a:off x="7956376" y="3377193"/>
+                <a:ext cx="786562" cy="395621"/>
+              </a:xfrm>
+              <a:prstGeom prst="rect">
+                <a:avLst/>
+              </a:prstGeom>
+              <a:blipFill rotWithShape="1">
+                <a:blip r:embed="rId3"/>
+                <a:stretch>
+                  <a:fillRect b="-7692"/>
+                </a:stretch>
+              </a:blipFill>
+            </p:spPr>
+            <p:txBody>
+              <a:bodyPr/>
+              <a:lstStyle/>
+              <a:p>
+                <a:r>
+                  <a:rPr lang="en-IN">
+                    <a:noFill/>
+                  </a:rPr>
+                  <a:t> </a:t>
+                </a:r>
+              </a:p>
+            </p:txBody>
+          </p:sp>
+        </mc:Fallback>
+      </mc:AlternateContent>
     </p:spTree>
     <p:extLst>
       <p:ext uri="{BB962C8B-B14F-4D97-AF65-F5344CB8AC3E}">
-        <p14:creationId xmlns:p14="http://schemas.microsoft.com/office/powerpoint/2010/main" val="1525268331"/>
+        <p14:creationId xmlns:p14="http://schemas.microsoft.com/office/powerpoint/2010/main" val="3023111795"/>
       </p:ext>
     </p:extLst>
   </p:cSld>
@@ -13612,8 +14250,8 @@
           </a:p>
         </p:txBody>
       </p:sp>
-      <mc:AlternateContent xmlns:mc="http://schemas.openxmlformats.org/markup-compatibility/2006" xmlns:a14="http://schemas.microsoft.com/office/drawing/2010/main">
-        <mc:Choice Requires="a14">
+      <mc:AlternateContent xmlns:mc="http://schemas.openxmlformats.org/markup-compatibility/2006">
+        <mc:Choice xmlns:a14="http://schemas.microsoft.com/office/drawing/2010/main" Requires="a14">
           <p:sp>
             <p:nvSpPr>
               <p:cNvPr id="3" name="Content Placeholder 2"/>
@@ -13627,7 +14265,7 @@
             <p:spPr/>
             <p:txBody>
               <a:bodyPr>
-                <a:normAutofit lnSpcReduction="10000"/>
+                <a:normAutofit fontScale="92500"/>
               </a:bodyPr>
               <a:lstStyle/>
               <a:p>
@@ -13693,7 +14331,7 @@
                         </m:sSubPr>
                         <m:e>
                           <m:r>
-                            <a:rPr lang="en-IN" sz="3000" i="1">
+                            <a:rPr lang="en-US" sz="3000" b="0" i="1" smtClean="0">
                               <a:solidFill>
                                 <a:schemeClr val="accent2">
                                   <a:lumMod val="50000"/>
@@ -13701,12 +14339,12 @@
                               </a:solidFill>
                               <a:latin typeface="Cambria Math"/>
                             </a:rPr>
-                            <m:t>𝑍</m:t>
+                            <m:t>𝐶</m:t>
                           </m:r>
                         </m:e>
                         <m:sub>
                           <m:r>
-                            <a:rPr lang="en-IN" sz="3000" i="1">
+                            <a:rPr lang="en-US" sz="3000" b="0" i="1" smtClean="0">
                               <a:solidFill>
                                 <a:schemeClr val="accent2">
                                   <a:lumMod val="50000"/>
@@ -13718,6 +14356,33 @@
                           </m:r>
                         </m:sub>
                       </m:sSub>
+                      <m:d>
+                        <m:dPr>
+                          <m:ctrlPr>
+                            <a:rPr lang="en-US" sz="3000" b="0" i="1" smtClean="0">
+                              <a:solidFill>
+                                <a:schemeClr val="accent2">
+                                  <a:lumMod val="50000"/>
+                                </a:schemeClr>
+                              </a:solidFill>
+                              <a:latin typeface="Cambria Math"/>
+                            </a:rPr>
+                          </m:ctrlPr>
+                        </m:dPr>
+                        <m:e>
+                          <m:r>
+                            <a:rPr lang="en-US" sz="3000" b="0" i="1" smtClean="0">
+                              <a:solidFill>
+                                <a:schemeClr val="accent2">
+                                  <a:lumMod val="50000"/>
+                                </a:schemeClr>
+                              </a:solidFill>
+                              <a:latin typeface="Cambria Math"/>
+                            </a:rPr>
+                            <m:t>𝑥</m:t>
+                          </m:r>
+                        </m:e>
+                      </m:d>
                       <m:r>
                         <a:rPr lang="en-IN" sz="3000" i="1">
                           <a:solidFill>
@@ -13757,7 +14422,7 @@
                         </m:num>
                         <m:den>
                           <m:r>
-                            <a:rPr lang="en-IN" sz="3000" i="1">
+                            <a:rPr lang="en-US" sz="3000" b="0" i="1" smtClean="0">
                               <a:solidFill>
                                 <a:schemeClr val="accent2">
                                   <a:lumMod val="50000"/>
@@ -13765,7 +14430,7 @@
                               </a:solidFill>
                               <a:latin typeface="Cambria Math"/>
                             </a:rPr>
-                            <m:t>𝑀</m:t>
+                            <m:t>𝑘</m:t>
                           </m:r>
                         </m:den>
                       </m:f>
@@ -13797,7 +14462,10 @@
                         </m:naryPr>
                         <m:sub>
                           <m:r>
-                            <a:rPr lang="en-IN" sz="3000" i="1">
+                            <m:rPr>
+                              <m:brk/>
+                            </m:rPr>
+                            <a:rPr lang="en-US" sz="3000" b="0" i="1" smtClean="0">
                               <a:solidFill>
                                 <a:schemeClr val="accent2">
                                   <a:lumMod val="50000"/>
@@ -13805,7 +14473,7 @@
                               </a:solidFill>
                               <a:latin typeface="Cambria Math"/>
                             </a:rPr>
-                            <m:t>𝑚</m:t>
+                            <m:t>𝑖</m:t>
                           </m:r>
                           <m:r>
                             <a:rPr lang="en-IN" sz="3000" i="1">
@@ -13821,7 +14489,7 @@
                         </m:sub>
                         <m:sup>
                           <m:r>
-                            <a:rPr lang="en-IN" sz="3000" i="1">
+                            <a:rPr lang="en-US" sz="3000" b="0" i="1" smtClean="0">
                               <a:solidFill>
                                 <a:schemeClr val="accent2">
                                   <a:lumMod val="50000"/>
@@ -13829,7 +14497,7 @@
                               </a:solidFill>
                               <a:latin typeface="Cambria Math"/>
                             </a:rPr>
-                            <m:t>𝑀</m:t>
+                            <m:t>𝑘</m:t>
                           </m:r>
                         </m:sup>
                         <m:e>
@@ -13861,7 +14529,7 @@
                             </m:e>
                             <m:sub>
                               <m:r>
-                                <a:rPr lang="en-IN" sz="3000" i="1">
+                                <a:rPr lang="en-US" sz="3000" b="0" i="1" smtClean="0">
                                   <a:solidFill>
                                     <a:schemeClr val="accent2">
                                       <a:lumMod val="50000"/>
@@ -13869,7 +14537,7 @@
                                   </a:solidFill>
                                   <a:latin typeface="Cambria Math"/>
                                 </a:rPr>
-                                <m:t>𝑚𝑗</m:t>
+                                <m:t>𝑖𝑗</m:t>
                               </m:r>
                             </m:sub>
                           </m:sSub>
@@ -13903,7 +14571,7 @@
                         </m:e>
                         <m:sub>
                           <m:r>
-                            <a:rPr lang="en-IN" sz="3000" i="1">
+                            <a:rPr lang="en-US" sz="3000" b="0" i="1" smtClean="0">
                               <a:solidFill>
                                 <a:schemeClr val="accent2">
                                   <a:lumMod val="50000"/>
@@ -13911,12 +14579,12 @@
                               </a:solidFill>
                               <a:latin typeface="Cambria Math"/>
                             </a:rPr>
-                            <m:t>𝑚</m:t>
+                            <m:t>𝑖</m:t>
                           </m:r>
                         </m:sub>
                       </m:sSub>
                       <m:r>
-                        <a:rPr lang="en-IN" sz="3000" i="1">
+                        <a:rPr lang="en-US" sz="3000" b="0" i="1" smtClean="0">
                           <a:solidFill>
                             <a:schemeClr val="accent2">
                               <a:lumMod val="50000"/>
@@ -13924,7 +14592,29 @@
                           </a:solidFill>
                           <a:latin typeface="Cambria Math"/>
                         </a:rPr>
-                        <m:t>+ </m:t>
+                        <m:t>(</m:t>
+                      </m:r>
+                      <m:r>
+                        <a:rPr lang="en-US" sz="3000" b="0" i="1" smtClean="0">
+                          <a:solidFill>
+                            <a:schemeClr val="accent2">
+                              <a:lumMod val="50000"/>
+                            </a:schemeClr>
+                          </a:solidFill>
+                          <a:latin typeface="Cambria Math"/>
+                        </a:rPr>
+                        <m:t>𝑥</m:t>
+                      </m:r>
+                      <m:r>
+                        <a:rPr lang="en-US" sz="3000" b="0" i="1" smtClean="0">
+                          <a:solidFill>
+                            <a:schemeClr val="accent2">
+                              <a:lumMod val="50000"/>
+                            </a:schemeClr>
+                          </a:solidFill>
+                          <a:latin typeface="Cambria Math"/>
+                        </a:rPr>
+                        <m:t>)+ </m:t>
                       </m:r>
                       <m:sSub>
                         <m:sSubPr>
@@ -13954,7 +14644,7 @@
                         </m:e>
                         <m:sub>
                           <m:r>
-                            <a:rPr lang="en-IN" sz="3000" i="1">
+                            <a:rPr lang="en-US" sz="3000" b="0" i="1" smtClean="0">
                               <a:solidFill>
                                 <a:schemeClr val="accent2">
                                   <a:lumMod val="50000"/>
@@ -13989,7 +14679,17 @@
                       </a:schemeClr>
                     </a:solidFill>
                   </a:rPr>
-                  <a:t>Where, </a:t>
+                  <a:t>Where</a:t>
+                </a:r>
+                <a:r>
+                  <a:rPr lang="en-IN" dirty="0" smtClean="0">
+                    <a:solidFill>
+                      <a:schemeClr val="accent2">
+                        <a:lumMod val="50000"/>
+                      </a:schemeClr>
+                    </a:solidFill>
+                  </a:rPr>
+                  <a:t>, </a:t>
                 </a:r>
                 <a:endParaRPr lang="en-IN" dirty="0" smtClean="0">
                   <a:solidFill>
@@ -14031,27 +14731,27 @@
                       </m:sSubPr>
                       <m:e>
                         <m:r>
-                          <a:rPr lang="en-IN" sz="1900" b="1" i="1">
+                          <a:rPr lang="en-US" sz="1900" b="1" i="1" smtClean="0">
                             <a:solidFill>
                               <a:schemeClr val="accent2">
                                 <a:lumMod val="50000"/>
                               </a:schemeClr>
                             </a:solidFill>
-                            <a:latin typeface="Cambria Math" panose="02040503050406030204" pitchFamily="18" charset="0"/>
+                            <a:latin typeface="Cambria Math"/>
                             <a:ea typeface="Cambria Math" panose="02040503050406030204" pitchFamily="18" charset="0"/>
                           </a:rPr>
-                          <m:t>𝒁</m:t>
+                          <m:t>𝑪</m:t>
                         </m:r>
                       </m:e>
                       <m:sub>
                         <m:r>
-                          <a:rPr lang="en-IN" sz="1900" b="1" i="1">
+                          <a:rPr lang="en-US" sz="1900" b="1" i="1" smtClean="0">
                             <a:solidFill>
                               <a:schemeClr val="accent2">
                                 <a:lumMod val="50000"/>
                               </a:schemeClr>
                             </a:solidFill>
-                            <a:latin typeface="Cambria Math" panose="02040503050406030204" pitchFamily="18" charset="0"/>
+                            <a:latin typeface="Cambria Math"/>
                             <a:ea typeface="Cambria Math" panose="02040503050406030204" pitchFamily="18" charset="0"/>
                           </a:rPr>
                           <m:t>𝒋</m:t>
@@ -14090,7 +14790,17 @@
                       </a:schemeClr>
                     </a:solidFill>
                   </a:rPr>
-                  <a:t>j-</a:t>
+                  <a:t>j</a:t>
+                </a:r>
+                <a:r>
+                  <a:rPr lang="en-IN" sz="1900" dirty="0" smtClean="0">
+                    <a:solidFill>
+                      <a:schemeClr val="accent2">
+                        <a:lumMod val="50000"/>
+                      </a:schemeClr>
+                    </a:solidFill>
+                  </a:rPr>
+                  <a:t>-</a:t>
                 </a:r>
                 <a:r>
                   <a:rPr lang="en-IN" sz="1900" dirty="0" err="1" smtClean="0">
@@ -14122,6 +14832,70 @@
                   </a:rPr>
                   <a:t>output neuron, </a:t>
                 </a:r>
+                <a:endParaRPr lang="en-IN" sz="1900" dirty="0" smtClean="0">
+                  <a:solidFill>
+                    <a:schemeClr val="accent2">
+                      <a:lumMod val="50000"/>
+                    </a:schemeClr>
+                  </a:solidFill>
+                </a:endParaRPr>
+              </a:p>
+              <a:p>
+                <a:pPr marL="0" indent="0">
+                  <a:buNone/>
+                </a:pPr>
+                <a:r>
+                  <a:rPr lang="en-US" sz="1900" dirty="0">
+                    <a:solidFill>
+                      <a:schemeClr val="accent2">
+                        <a:lumMod val="50000"/>
+                      </a:schemeClr>
+                    </a:solidFill>
+                  </a:rPr>
+                  <a:t>	</a:t>
+                </a:r>
+                <a14:m>
+                  <m:oMath xmlns:m="http://schemas.openxmlformats.org/officeDocument/2006/math">
+                    <m:r>
+                      <a:rPr lang="en-IN" sz="2000" b="1" i="1">
+                        <a:solidFill>
+                          <a:schemeClr val="accent2">
+                            <a:lumMod val="50000"/>
+                          </a:schemeClr>
+                        </a:solidFill>
+                        <a:latin typeface="Cambria Math"/>
+                      </a:rPr>
+                      <m:t>𝒙</m:t>
+                    </m:r>
+                  </m:oMath>
+                </a14:m>
+                <a:r>
+                  <a:rPr lang="en-IN" sz="2000" dirty="0">
+                    <a:solidFill>
+                      <a:schemeClr val="accent2">
+                        <a:lumMod val="50000"/>
+                      </a:schemeClr>
+                    </a:solidFill>
+                  </a:rPr>
+                  <a:t> represents the input vector</a:t>
+                </a:r>
+                <a:r>
+                  <a:rPr lang="en-IN" sz="2000" dirty="0" smtClean="0">
+                    <a:solidFill>
+                      <a:schemeClr val="accent2">
+                        <a:lumMod val="50000"/>
+                      </a:schemeClr>
+                    </a:solidFill>
+                  </a:rPr>
+                  <a:t>,</a:t>
+                </a:r>
+                <a:endParaRPr lang="en-IN" sz="1900" dirty="0">
+                  <a:solidFill>
+                    <a:schemeClr val="accent2">
+                      <a:lumMod val="50000"/>
+                    </a:schemeClr>
+                  </a:solidFill>
+                </a:endParaRPr>
               </a:p>
               <a:p>
                 <a:pPr marL="400050" lvl="1" indent="0">
@@ -14140,21 +14914,20 @@
                 <a14:m>
                   <m:oMath xmlns:m="http://schemas.openxmlformats.org/officeDocument/2006/math">
                     <m:r>
-                      <a:rPr lang="en-IN" sz="1900" b="1" i="1">
+                      <a:rPr lang="en-US" sz="1900" b="1" i="1" smtClean="0">
                         <a:solidFill>
                           <a:schemeClr val="accent2">
                             <a:lumMod val="50000"/>
                           </a:schemeClr>
                         </a:solidFill>
-                        <a:latin typeface="Cambria Math" panose="02040503050406030204" pitchFamily="18" charset="0"/>
-                        <a:ea typeface="Cambria Math" panose="02040503050406030204" pitchFamily="18" charset="0"/>
+                        <a:latin typeface="Cambria Math"/>
                       </a:rPr>
-                      <m:t>𝑴</m:t>
+                      <m:t>𝒌</m:t>
                     </m:r>
                   </m:oMath>
                 </a14:m>
                 <a:r>
-                  <a:rPr lang="en-IN" sz="1900" b="1" dirty="0">
+                  <a:rPr lang="en-IN" sz="1900" b="1" dirty="0" smtClean="0">
                     <a:solidFill>
                       <a:schemeClr val="accent2">
                         <a:lumMod val="50000"/>
@@ -14220,16 +14993,16 @@
                       </m:e>
                       <m:sub>
                         <m:r>
-                          <a:rPr lang="en-IN" sz="1900" b="1" i="1">
+                          <a:rPr lang="en-US" sz="1900" b="1" i="1" smtClean="0">
                             <a:solidFill>
                               <a:schemeClr val="accent2">
                                 <a:lumMod val="50000"/>
                               </a:schemeClr>
                             </a:solidFill>
-                            <a:latin typeface="Cambria Math" panose="02040503050406030204" pitchFamily="18" charset="0"/>
+                            <a:latin typeface="Cambria Math"/>
                             <a:ea typeface="Cambria Math" panose="02040503050406030204" pitchFamily="18" charset="0"/>
                           </a:rPr>
-                          <m:t>𝒎𝒋</m:t>
+                          <m:t>𝒊𝒋</m:t>
                         </m:r>
                       </m:sub>
                     </m:sSub>
@@ -14246,6 +15019,26 @@
                   <a:t>  is the weight between </a:t>
                 </a:r>
                 <a:r>
+                  <a:rPr lang="en-IN" sz="1900" dirty="0" err="1">
+                    <a:solidFill>
+                      <a:schemeClr val="accent2">
+                        <a:lumMod val="50000"/>
+                      </a:schemeClr>
+                    </a:solidFill>
+                  </a:rPr>
+                  <a:t>i</a:t>
+                </a:r>
+                <a:r>
+                  <a:rPr lang="en-IN" sz="1900" dirty="0" err="1" smtClean="0">
+                    <a:solidFill>
+                      <a:schemeClr val="accent2">
+                        <a:lumMod val="50000"/>
+                      </a:schemeClr>
+                    </a:solidFill>
+                  </a:rPr>
+                  <a:t>-th</a:t>
+                </a:r>
+                <a:r>
                   <a:rPr lang="en-IN" sz="1900" dirty="0" smtClean="0">
                     <a:solidFill>
                       <a:schemeClr val="accent2">
@@ -14253,7 +15046,37 @@
                       </a:schemeClr>
                     </a:solidFill>
                   </a:rPr>
-                  <a:t>m-</a:t>
+                  <a:t> </a:t>
+                </a:r>
+                <a:r>
+                  <a:rPr lang="en-IN" sz="1900" dirty="0">
+                    <a:solidFill>
+                      <a:schemeClr val="accent2">
+                        <a:lumMod val="50000"/>
+                      </a:schemeClr>
+                    </a:solidFill>
+                  </a:rPr>
+                  <a:t>hidden and </a:t>
+                </a:r>
+                <a:r>
+                  <a:rPr lang="en-IN" sz="1900" dirty="0">
+                    <a:solidFill>
+                      <a:schemeClr val="accent2">
+                        <a:lumMod val="50000"/>
+                      </a:schemeClr>
+                    </a:solidFill>
+                  </a:rPr>
+                  <a:t>j</a:t>
+                </a:r>
+                <a:r>
+                  <a:rPr lang="en-IN" sz="1900" dirty="0" smtClean="0">
+                    <a:solidFill>
+                      <a:schemeClr val="accent2">
+                        <a:lumMod val="50000"/>
+                      </a:schemeClr>
+                    </a:solidFill>
+                  </a:rPr>
+                  <a:t>-</a:t>
                 </a:r>
                 <a:r>
                   <a:rPr lang="en-IN" sz="1900" dirty="0" err="1" smtClean="0">
@@ -14283,27 +15106,7 @@
                       </a:schemeClr>
                     </a:solidFill>
                   </a:rPr>
-                  <a:t>hidden and j-</a:t>
-                </a:r>
-                <a:r>
-                  <a:rPr lang="en-IN" sz="1900" dirty="0" err="1">
-                    <a:solidFill>
-                      <a:schemeClr val="accent2">
-                        <a:lumMod val="50000"/>
-                      </a:schemeClr>
-                    </a:solidFill>
-                  </a:rPr>
-                  <a:t>th</a:t>
-                </a:r>
-                <a:r>
-                  <a:rPr lang="en-IN" sz="1900" dirty="0">
-                    <a:solidFill>
-                      <a:schemeClr val="accent2">
-                        <a:lumMod val="50000"/>
-                      </a:schemeClr>
-                    </a:solidFill>
-                  </a:rPr>
-                  <a:t> output neuron and </a:t>
+                  <a:t>output neuron and </a:t>
                 </a:r>
                 <a:endParaRPr lang="en-IN" sz="1900" dirty="0" smtClean="0">
                   <a:solidFill>
@@ -14427,7 +15230,7 @@
             </p:txBody>
           </p:sp>
         </mc:Choice>
-        <mc:Fallback xmlns="">
+        <mc:Fallback>
           <p:sp>
             <p:nvSpPr>
               <p:cNvPr id="3" name="Content Placeholder 2"/>
@@ -14442,7 +15245,7 @@
               <a:blipFill rotWithShape="1">
                 <a:blip r:embed="rId2"/>
                 <a:stretch>
-                  <a:fillRect l="-1111" t="-1348"/>
+                  <a:fillRect l="-889" t="-674" r="-519"/>
                 </a:stretch>
               </a:blipFill>
             </p:spPr>
@@ -14541,10 +15344,15 @@
                 <p:ph idx="1"/>
               </p:nvPr>
             </p:nvSpPr>
-            <p:spPr/>
+            <p:spPr>
+              <a:xfrm>
+                <a:off x="457200" y="1600201"/>
+                <a:ext cx="8229600" cy="3989040"/>
+              </a:xfrm>
+            </p:spPr>
             <p:txBody>
               <a:bodyPr>
-                <a:normAutofit/>
+                <a:normAutofit lnSpcReduction="10000"/>
               </a:bodyPr>
               <a:lstStyle/>
               <a:p>
@@ -14590,7 +15398,7 @@
                   <a:buNone/>
                 </a:pPr>
                 <a:r>
-                  <a:rPr lang="en-IN" dirty="0" smtClean="0">
+                  <a:rPr lang="en-IN" sz="3200" dirty="0" smtClean="0">
                     <a:solidFill>
                       <a:schemeClr val="accent2">
                         <a:lumMod val="50000"/>
@@ -14604,7 +15412,7 @@
                     <m:sSub>
                       <m:sSubPr>
                         <m:ctrlPr>
-                          <a:rPr lang="en-IN" sz="3500" i="1">
+                          <a:rPr lang="en-IN" sz="3200" i="1" smtClean="0">
                             <a:solidFill>
                               <a:schemeClr val="accent2">
                                 <a:lumMod val="50000"/>
@@ -14616,10 +15424,7 @@
                       </m:sSubPr>
                       <m:e>
                         <m:r>
-                          <m:rPr>
-                            <m:sty m:val="p"/>
-                          </m:rPr>
-                          <a:rPr lang="en-IN" sz="3500">
+                          <a:rPr lang="en-IN" sz="3200" i="1">
                             <a:solidFill>
                               <a:schemeClr val="accent2">
                                 <a:lumMod val="50000"/>
@@ -14627,12 +15432,12 @@
                             </a:solidFill>
                             <a:latin typeface="Cambria Math"/>
                           </a:rPr>
-                          <m:t>Φ</m:t>
+                          <m:t>𝛷</m:t>
                         </m:r>
                       </m:e>
                       <m:sub>
                         <m:r>
-                          <a:rPr lang="en-IN" sz="3500" i="1">
+                          <a:rPr lang="en-US" sz="3200" b="0" i="1" smtClean="0">
                             <a:solidFill>
                               <a:schemeClr val="accent2">
                                 <a:lumMod val="50000"/>
@@ -14640,23 +15445,12 @@
                             </a:solidFill>
                             <a:latin typeface="Cambria Math"/>
                           </a:rPr>
-                          <m:t>𝑚</m:t>
-                        </m:r>
-                        <m:r>
-                          <a:rPr lang="en-IN" sz="3500" i="1">
-                            <a:solidFill>
-                              <a:schemeClr val="accent2">
-                                <a:lumMod val="50000"/>
-                              </a:schemeClr>
-                            </a:solidFill>
-                            <a:latin typeface="Cambria Math"/>
-                          </a:rPr>
-                          <m:t>  </m:t>
+                          <m:t>𝑖</m:t>
                         </m:r>
                       </m:sub>
                     </m:sSub>
                     <m:r>
-                      <a:rPr lang="en-IN" sz="3500" i="1">
+                      <a:rPr lang="en-US" sz="3200" b="0" i="1" smtClean="0">
                         <a:solidFill>
                           <a:schemeClr val="accent2">
                             <a:lumMod val="50000"/>
@@ -14664,12 +15458,34 @@
                         </a:solidFill>
                         <a:latin typeface="Cambria Math"/>
                       </a:rPr>
-                      <m:t>= </m:t>
+                      <m:t>(</m:t>
+                    </m:r>
+                    <m:r>
+                      <a:rPr lang="en-US" sz="3200" b="0" i="1" smtClean="0">
+                        <a:solidFill>
+                          <a:schemeClr val="accent2">
+                            <a:lumMod val="50000"/>
+                          </a:schemeClr>
+                        </a:solidFill>
+                        <a:latin typeface="Cambria Math"/>
+                      </a:rPr>
+                      <m:t>𝑥</m:t>
+                    </m:r>
+                    <m:r>
+                      <a:rPr lang="en-US" sz="3200" b="0" i="1" smtClean="0">
+                        <a:solidFill>
+                          <a:schemeClr val="accent2">
+                            <a:lumMod val="50000"/>
+                          </a:schemeClr>
+                        </a:solidFill>
+                        <a:latin typeface="Cambria Math"/>
+                      </a:rPr>
+                      <m:t>)= </m:t>
                     </m:r>
                     <m:func>
                       <m:funcPr>
                         <m:ctrlPr>
-                          <a:rPr lang="en-IN" sz="3500" i="1">
+                          <a:rPr lang="en-IN" sz="3200" i="1">
                             <a:solidFill>
                               <a:schemeClr val="accent2">
                                 <a:lumMod val="50000"/>
@@ -14684,7 +15500,7 @@
                           <m:rPr>
                             <m:sty m:val="p"/>
                           </m:rPr>
-                          <a:rPr lang="en-IN" sz="3500">
+                          <a:rPr lang="en-IN" sz="3200">
                             <a:solidFill>
                               <a:schemeClr val="accent2">
                                 <a:lumMod val="50000"/>
@@ -14697,7 +15513,7 @@
                       </m:fName>
                       <m:e>
                         <m:r>
-                          <a:rPr lang="en-IN" sz="3500" i="1">
+                          <a:rPr lang="en-IN" sz="3200" i="1">
                             <a:solidFill>
                               <a:schemeClr val="accent2">
                                 <a:lumMod val="50000"/>
@@ -14712,7 +15528,7 @@
                             <m:begChr m:val="["/>
                             <m:endChr m:val="]"/>
                             <m:ctrlPr>
-                              <a:rPr lang="en-IN" sz="3500" i="1">
+                              <a:rPr lang="en-IN" sz="3200" i="1">
                                 <a:solidFill>
                                   <a:schemeClr val="accent2">
                                     <a:lumMod val="50000"/>
@@ -14726,7 +15542,7 @@
                             <m:f>
                               <m:fPr>
                                 <m:ctrlPr>
-                                  <a:rPr lang="en-IN" sz="3500" i="1">
+                                  <a:rPr lang="en-IN" sz="3200" i="1">
                                     <a:solidFill>
                                       <a:schemeClr val="accent2">
                                         <a:lumMod val="50000"/>
@@ -14740,7 +15556,7 @@
                                 <m:sSup>
                                   <m:sSupPr>
                                     <m:ctrlPr>
-                                      <a:rPr lang="en-IN" sz="3500" i="1">
+                                      <a:rPr lang="en-IN" sz="3200" i="1">
                                         <a:solidFill>
                                           <a:schemeClr val="accent2">
                                             <a:lumMod val="50000"/>
@@ -14752,7 +15568,7 @@
                                   </m:sSupPr>
                                   <m:e>
                                     <m:r>
-                                      <a:rPr lang="en-IN" sz="3500" i="1">
+                                      <a:rPr lang="en-IN" sz="3200" i="1">
                                         <a:solidFill>
                                           <a:schemeClr val="accent2">
                                             <a:lumMod val="50000"/>
@@ -14763,7 +15579,7 @@
                                       <m:t>− ||</m:t>
                                     </m:r>
                                     <m:r>
-                                      <a:rPr lang="en-IN" sz="3500" i="1">
+                                      <a:rPr lang="en-IN" sz="3200" i="1">
                                         <a:solidFill>
                                           <a:schemeClr val="accent2">
                                             <a:lumMod val="50000"/>
@@ -14774,7 +15590,7 @@
                                       <m:t>𝑥</m:t>
                                     </m:r>
                                     <m:r>
-                                      <a:rPr lang="en-IN" sz="3500" i="1">
+                                      <a:rPr lang="en-IN" sz="3200" i="1">
                                         <a:solidFill>
                                           <a:schemeClr val="accent2">
                                             <a:lumMod val="50000"/>
@@ -14785,7 +15601,7 @@
                                       <m:t>−</m:t>
                                     </m:r>
                                     <m:r>
-                                      <a:rPr lang="en-IN" sz="3500" i="1">
+                                      <a:rPr lang="en-IN" sz="3200" i="1">
                                         <a:solidFill>
                                           <a:schemeClr val="accent2">
                                             <a:lumMod val="50000"/>
@@ -14796,7 +15612,7 @@
                                       <m:t>𝜇</m:t>
                                     </m:r>
                                     <m:r>
-                                      <a:rPr lang="en-IN" sz="3500" i="1">
+                                      <a:rPr lang="en-IN" sz="3200" i="1">
                                         <a:solidFill>
                                           <a:schemeClr val="accent2">
                                             <a:lumMod val="50000"/>
@@ -14809,7 +15625,7 @@
                                   </m:e>
                                   <m:sup>
                                     <m:r>
-                                      <a:rPr lang="en-IN" sz="3500" i="1">
+                                      <a:rPr lang="en-IN" sz="3200" i="1">
                                         <a:solidFill>
                                           <a:schemeClr val="accent2">
                                             <a:lumMod val="50000"/>
@@ -14824,7 +15640,7 @@
                               </m:num>
                               <m:den>
                                 <m:r>
-                                  <a:rPr lang="en-IN" sz="3500" i="1">
+                                  <a:rPr lang="en-IN" sz="3200" i="1">
                                     <a:solidFill>
                                       <a:schemeClr val="accent2">
                                         <a:lumMod val="50000"/>
@@ -14837,7 +15653,7 @@
                                 <m:sSubSup>
                                   <m:sSubSupPr>
                                     <m:ctrlPr>
-                                      <a:rPr lang="en-IN" sz="3500" i="1">
+                                      <a:rPr lang="en-IN" sz="3200" i="1">
                                         <a:solidFill>
                                           <a:schemeClr val="accent2">
                                             <a:lumMod val="50000"/>
@@ -14849,7 +15665,7 @@
                                   </m:sSubSupPr>
                                   <m:e>
                                     <m:r>
-                                      <a:rPr lang="en-IN" sz="3500" i="1">
+                                      <a:rPr lang="en-IN" sz="3200" i="1">
                                         <a:solidFill>
                                           <a:schemeClr val="accent2">
                                             <a:lumMod val="50000"/>
@@ -14862,7 +15678,7 @@
                                   </m:e>
                                   <m:sub>
                                     <m:r>
-                                      <a:rPr lang="en-IN" sz="3500" i="1">
+                                      <a:rPr lang="en-US" sz="3200" b="0" i="1" smtClean="0">
                                         <a:solidFill>
                                           <a:schemeClr val="accent2">
                                             <a:lumMod val="50000"/>
@@ -14870,12 +15686,12 @@
                                         </a:solidFill>
                                         <a:latin typeface="Cambria Math"/>
                                       </a:rPr>
-                                      <m:t>𝑚</m:t>
+                                      <m:t>𝑖</m:t>
                                     </m:r>
                                   </m:sub>
                                   <m:sup>
                                     <m:r>
-                                      <a:rPr lang="en-IN" sz="3500" i="1">
+                                      <a:rPr lang="en-IN" sz="3200" i="1">
                                         <a:solidFill>
                                           <a:schemeClr val="accent2">
                                             <a:lumMod val="50000"/>
@@ -14895,7 +15711,7 @@
                     </m:func>
                   </m:oMath>
                 </a14:m>
-                <a:endParaRPr lang="en-IN" dirty="0">
+                <a:endParaRPr lang="en-IN" sz="3200" dirty="0">
                   <a:solidFill>
                     <a:schemeClr val="accent2">
                       <a:lumMod val="50000"/>
@@ -15042,7 +15858,39 @@
                       </a:schemeClr>
                     </a:solidFill>
                   </a:rPr>
-                  <a:t> position and	</a:t>
+                  <a:t> position </a:t>
+                </a:r>
+                <a:endParaRPr lang="en-IN" sz="2200" dirty="0" smtClean="0">
+                  <a:solidFill>
+                    <a:schemeClr val="accent2">
+                      <a:lumMod val="50000"/>
+                    </a:schemeClr>
+                  </a:solidFill>
+                </a:endParaRPr>
+              </a:p>
+              <a:p>
+                <a:pPr marL="0" indent="0">
+                  <a:buNone/>
+                </a:pPr>
+                <a:r>
+                  <a:rPr lang="en-IN" sz="2200" dirty="0" smtClean="0">
+                    <a:solidFill>
+                      <a:schemeClr val="accent2">
+                        <a:lumMod val="50000"/>
+                      </a:schemeClr>
+                    </a:solidFill>
+                  </a:rPr>
+                  <a:t>and</a:t>
+                </a:r>
+                <a:r>
+                  <a:rPr lang="en-IN" sz="2200" dirty="0">
+                    <a:solidFill>
+                      <a:schemeClr val="accent2">
+                        <a:lumMod val="50000"/>
+                      </a:schemeClr>
+                    </a:solidFill>
+                  </a:rPr>
+                  <a:t>	</a:t>
                 </a:r>
                 <a:endParaRPr lang="en-IN" sz="2200" dirty="0" smtClean="0">
                   <a:solidFill>
@@ -15096,7 +15944,7 @@
                       </m:e>
                       <m:sub>
                         <m:r>
-                          <a:rPr lang="en-IN" sz="2200" b="1" i="1">
+                          <a:rPr lang="en-US" sz="2200" b="1" i="1" smtClean="0">
                             <a:solidFill>
                               <a:schemeClr val="accent2">
                                 <a:lumMod val="50000"/>
@@ -15104,7 +15952,7 @@
                             </a:solidFill>
                             <a:latin typeface="Cambria Math"/>
                           </a:rPr>
-                          <m:t>𝒎</m:t>
+                          <m:t>𝒊</m:t>
                         </m:r>
                       </m:sub>
                     </m:sSub>
@@ -15118,20 +15966,55 @@
                       </a:schemeClr>
                     </a:solidFill>
                   </a:rPr>
-                  <a:t>  represents the fixed width of the m-</a:t>
+                  <a:t>  represents the fixed </a:t>
                 </a:r>
                 <a:r>
-                  <a:rPr lang="en-IN" sz="2200" dirty="0" err="1">
+                  <a:rPr lang="en-IN" sz="2200" dirty="0" smtClean="0">
                     <a:solidFill>
                       <a:schemeClr val="accent2">
                         <a:lumMod val="50000"/>
                       </a:schemeClr>
                     </a:solidFill>
                   </a:rPr>
-                  <a:t>th</a:t>
+                  <a:t>width </a:t>
+                </a:r>
+              </a:p>
+              <a:p>
+                <a:pPr marL="0" indent="0">
+                  <a:buNone/>
+                </a:pPr>
+                <a:r>
+                  <a:rPr lang="en-IN" sz="2200" dirty="0" smtClean="0">
+                    <a:solidFill>
+                      <a:schemeClr val="accent2">
+                        <a:lumMod val="50000"/>
+                      </a:schemeClr>
+                    </a:solidFill>
+                  </a:rPr>
+                  <a:t>of </a:t>
                 </a:r>
                 <a:r>
                   <a:rPr lang="en-IN" sz="2200" dirty="0">
+                    <a:solidFill>
+                      <a:schemeClr val="accent2">
+                        <a:lumMod val="50000"/>
+                      </a:schemeClr>
+                    </a:solidFill>
+                  </a:rPr>
+                  <a:t>the </a:t>
+                </a:r>
+                <a:r>
+                  <a:rPr lang="en-IN" sz="2200" dirty="0" err="1" smtClean="0">
+                    <a:solidFill>
+                      <a:schemeClr val="accent2">
+                        <a:lumMod val="50000"/>
+                      </a:schemeClr>
+                    </a:solidFill>
+                  </a:rPr>
+                  <a:t>i-th</a:t>
+                </a:r>
+                <a:r>
+                  <a:rPr lang="en-IN" sz="2200" dirty="0" smtClean="0">
                     <a:solidFill>
                       <a:schemeClr val="accent2">
                         <a:lumMod val="50000"/>
@@ -15188,10 +16071,14 @@
               </p:nvPr>
             </p:nvSpPr>
             <p:spPr>
+              <a:xfrm>
+                <a:off x="457200" y="1600201"/>
+                <a:ext cx="8229600" cy="3989040"/>
+              </a:xfrm>
               <a:blipFill rotWithShape="1">
                 <a:blip r:embed="rId2"/>
                 <a:stretch>
-                  <a:fillRect l="-1111" t="-674"/>
+                  <a:fillRect l="-1111" t="-1529" b="-2446"/>
                 </a:stretch>
               </a:blipFill>
             </p:spPr>
@@ -15210,6 +16097,70 @@
           </p:sp>
         </mc:Fallback>
       </mc:AlternateContent>
+      <p:pic>
+        <p:nvPicPr>
+          <p:cNvPr id="2050" name="Picture 2"/>
+          <p:cNvPicPr>
+            <a:picLocks noChangeAspect="1" noChangeArrowheads="1"/>
+          </p:cNvPicPr>
+          <p:nvPr/>
+        </p:nvPicPr>
+        <p:blipFill>
+          <a:blip r:embed="rId3">
+            <a:extLst>
+              <a:ext uri="{28A0092B-C50C-407E-A947-70E740481C1C}">
+                <a14:useLocalDpi xmlns:a14="http://schemas.microsoft.com/office/drawing/2010/main" val="0"/>
+              </a:ext>
+            </a:extLst>
+          </a:blip>
+          <a:srcRect/>
+          <a:stretch>
+            <a:fillRect/>
+          </a:stretch>
+        </p:blipFill>
+        <p:spPr bwMode="auto">
+          <a:xfrm>
+            <a:off x="5573217" y="3645024"/>
+            <a:ext cx="3240359" cy="2309585"/>
+          </a:xfrm>
+          <a:prstGeom prst="rect">
+            <a:avLst/>
+          </a:prstGeom>
+          <a:noFill/>
+          <a:ln>
+            <a:noFill/>
+          </a:ln>
+          <a:effectLst/>
+          <a:extLst>
+            <a:ext uri="{909E8E84-426E-40DD-AFC4-6F175D3DCCD1}">
+              <a14:hiddenFill xmlns:a14="http://schemas.microsoft.com/office/drawing/2010/main">
+                <a:solidFill>
+                  <a:schemeClr val="accent1"/>
+                </a:solidFill>
+              </a14:hiddenFill>
+            </a:ext>
+            <a:ext uri="{91240B29-F687-4F45-9708-019B960494DF}">
+              <a14:hiddenLine xmlns:a14="http://schemas.microsoft.com/office/drawing/2010/main" w="9525">
+                <a:solidFill>
+                  <a:schemeClr val="tx1"/>
+                </a:solidFill>
+                <a:miter lim="800000"/>
+                <a:headEnd/>
+                <a:tailEnd/>
+              </a14:hiddenLine>
+            </a:ext>
+            <a:ext uri="{AF507438-7753-43E0-B8FC-AC1667EBCBE1}">
+              <a14:hiddenEffects xmlns:a14="http://schemas.microsoft.com/office/drawing/2010/main">
+                <a:effectLst>
+                  <a:outerShdw dist="35921" dir="2700000" algn="ctr" rotWithShape="0">
+                    <a:schemeClr val="bg2"/>
+                  </a:outerShdw>
+                </a:effectLst>
+              </a14:hiddenEffects>
+            </a:ext>
+          </a:extLst>
+        </p:spPr>
+      </p:pic>
     </p:spTree>
     <p:extLst>
       <p:ext uri="{BB962C8B-B14F-4D97-AF65-F5344CB8AC3E}">
@@ -15364,6 +16315,16 @@
               <a:buChar char="q"/>
             </a:pPr>
             <a:r>
+              <a:rPr lang="en-IN" sz="1900" dirty="0" smtClean="0">
+                <a:solidFill>
+                  <a:schemeClr val="accent2">
+                    <a:lumMod val="50000"/>
+                  </a:schemeClr>
+                </a:solidFill>
+              </a:rPr>
+              <a:t>RBF </a:t>
+            </a:r>
+            <a:r>
               <a:rPr lang="en-IN" sz="1900" dirty="0">
                 <a:solidFill>
                   <a:schemeClr val="accent2">
@@ -15371,7 +16332,7 @@
                   </a:schemeClr>
                 </a:solidFill>
               </a:rPr>
-              <a:t>RBF neurons in the hidden layer assess input proximity using Gaussian functions based on neuron </a:t>
+              <a:t>neurons in the hidden layer measure how close the inputs are using Gaussian functions </a:t>
             </a:r>
             <a:r>
               <a:rPr lang="en-IN" sz="1900" dirty="0" err="1">
@@ -15381,10 +16342,20 @@
                   </a:schemeClr>
                 </a:solidFill>
               </a:rPr>
-              <a:t>centers</a:t>
+              <a:t>centered</a:t>
             </a:r>
             <a:r>
               <a:rPr lang="en-IN" sz="1900" dirty="0">
+                <a:solidFill>
+                  <a:schemeClr val="accent2">
+                    <a:lumMod val="50000"/>
+                  </a:schemeClr>
+                </a:solidFill>
+              </a:rPr>
+              <a:t> around each neuron</a:t>
+            </a:r>
+            <a:r>
+              <a:rPr lang="en-IN" sz="1900" dirty="0" smtClean="0">
                 <a:solidFill>
                   <a:schemeClr val="accent2">
                     <a:lumMod val="50000"/>
@@ -15400,14 +16371,24 @@
               <a:buChar char="q"/>
             </a:pPr>
             <a:r>
-              <a:rPr lang="en-IN" sz="1900" dirty="0">
-                <a:solidFill>
-                  <a:schemeClr val="accent2">
-                    <a:lumMod val="50000"/>
-                  </a:schemeClr>
-                </a:solidFill>
-              </a:rPr>
-              <a:t>Hidden layer outputs are integrated in the output layer.</a:t>
+              <a:rPr lang="en-IN" sz="1900" dirty="0" smtClean="0">
+                <a:solidFill>
+                  <a:schemeClr val="accent2">
+                    <a:lumMod val="50000"/>
+                  </a:schemeClr>
+                </a:solidFill>
+              </a:rPr>
+              <a:t>Hidden </a:t>
+            </a:r>
+            <a:r>
+              <a:rPr lang="en-IN" sz="1900" dirty="0" smtClean="0">
+                <a:solidFill>
+                  <a:schemeClr val="accent2">
+                    <a:lumMod val="50000"/>
+                  </a:schemeClr>
+                </a:solidFill>
+              </a:rPr>
+              <a:t>layer outputs are integrated in the output layer.</a:t>
             </a:r>
           </a:p>
           <a:p>

--- a/Project_presentation.pptx
+++ b/Project_presentation.pptx
@@ -3604,7 +3604,7 @@
           <a:p>
             <a:pPr algn="ctr"/>
             <a:r>
-              <a:rPr lang="en-IN" sz="1800" b="1" dirty="0" err="1" smtClean="0">
+              <a:rPr lang="en-IN" sz="2000" b="1" dirty="0" err="1" smtClean="0">
                 <a:solidFill>
                   <a:schemeClr val="accent2">
                     <a:lumMod val="50000"/>
@@ -3614,7 +3614,7 @@
               <a:t>Shruti</a:t>
             </a:r>
             <a:r>
-              <a:rPr lang="en-IN" sz="1800" b="1" dirty="0" smtClean="0">
+              <a:rPr lang="en-IN" sz="2000" b="1" dirty="0" smtClean="0">
                 <a:solidFill>
                   <a:schemeClr val="accent2">
                     <a:lumMod val="50000"/>
@@ -3623,7 +3623,7 @@
               </a:rPr>
               <a:t> Pathak</a:t>
             </a:r>
-            <a:endParaRPr lang="en-IN" sz="1800" b="1" dirty="0">
+            <a:endParaRPr lang="en-IN" sz="2000" b="1" dirty="0">
               <a:solidFill>
                 <a:schemeClr val="accent2">
                   <a:lumMod val="50000"/>
@@ -4155,7 +4155,17 @@
                   </a:schemeClr>
                 </a:solidFill>
               </a:rPr>
-              <a:t>2=GM, 3=WM </a:t>
+              <a:t>2=GM, 3=WM etc..) to </a:t>
+            </a:r>
+            <a:r>
+              <a:rPr lang="en-IN" sz="2000" dirty="0">
+                <a:solidFill>
+                  <a:schemeClr val="accent2">
+                    <a:lumMod val="50000"/>
+                  </a:schemeClr>
+                </a:solidFill>
+              </a:rPr>
+              <a:t>each </a:t>
             </a:r>
             <a:r>
               <a:rPr lang="en-IN" sz="2000" dirty="0" smtClean="0">
@@ -4165,37 +4175,7 @@
                   </a:schemeClr>
                 </a:solidFill>
               </a:rPr>
-              <a:t>etc..) to </a:t>
-            </a:r>
-            <a:r>
-              <a:rPr lang="en-IN" sz="2000" dirty="0">
-                <a:solidFill>
-                  <a:schemeClr val="accent2">
-                    <a:lumMod val="50000"/>
-                  </a:schemeClr>
-                </a:solidFill>
-              </a:rPr>
-              <a:t>each </a:t>
-            </a:r>
-            <a:r>
-              <a:rPr lang="en-IN" sz="2000" dirty="0" smtClean="0">
-                <a:solidFill>
-                  <a:schemeClr val="accent2">
-                    <a:lumMod val="50000"/>
-                  </a:schemeClr>
-                </a:solidFill>
-              </a:rPr>
-              <a:t>pi</a:t>
-            </a:r>
-            <a:r>
-              <a:rPr lang="en-IN" sz="2000" dirty="0" smtClean="0">
-                <a:solidFill>
-                  <a:schemeClr val="accent2">
-                    <a:lumMod val="50000"/>
-                  </a:schemeClr>
-                </a:solidFill>
-              </a:rPr>
-              <a:t>xel</a:t>
+              <a:t>pixel</a:t>
             </a:r>
             <a:r>
               <a:rPr lang="en-IN" sz="2000" dirty="0">
@@ -4366,17 +4346,7 @@
                   </a:schemeClr>
                 </a:solidFill>
               </a:rPr>
-              <a:t>as shown in </a:t>
-            </a:r>
-            <a:r>
-              <a:rPr lang="en-IN" sz="2000" dirty="0" smtClean="0">
-                <a:solidFill>
-                  <a:schemeClr val="accent2">
-                    <a:lumMod val="50000"/>
-                  </a:schemeClr>
-                </a:solidFill>
-              </a:rPr>
-              <a:t>the table </a:t>
+              <a:t>as shown in the table </a:t>
             </a:r>
             <a:r>
               <a:rPr lang="en-IN" sz="2000" dirty="0">
@@ -5710,17 +5680,7 @@
                   </a:schemeClr>
                 </a:solidFill>
               </a:rPr>
-              <a:t>	</a:t>
-            </a:r>
-            <a:r>
-              <a:rPr lang="en-IN" dirty="0">
-                <a:solidFill>
-                  <a:schemeClr val="accent2">
-                    <a:lumMod val="50000"/>
-                  </a:schemeClr>
-                </a:solidFill>
-              </a:rPr>
-              <a:t>Pre-processing brain MR images is important to ensure high quality for analysis. This involves improving image quality and removing non-brain tissues, which is essential for accurate segmentation</a:t>
+              <a:t>	Pre-processing brain MR images is important to ensure high quality for analysis. This involves improving image quality and removing non-brain tissues, which is essential for accurate segmentation</a:t>
             </a:r>
             <a:r>
               <a:rPr lang="en-IN" dirty="0" smtClean="0">
@@ -6033,27 +5993,7 @@
                   </a:schemeClr>
                 </a:solidFill>
               </a:rPr>
-              <a:t>and INU </a:t>
-            </a:r>
-            <a:r>
-              <a:rPr lang="en-US" dirty="0" smtClean="0">
-                <a:solidFill>
-                  <a:schemeClr val="accent2">
-                    <a:lumMod val="50000"/>
-                  </a:schemeClr>
-                </a:solidFill>
-              </a:rPr>
-              <a:t>percentages across multiple volumes, </a:t>
-            </a:r>
-            <a:r>
-              <a:rPr lang="en-US" dirty="0" smtClean="0">
-                <a:solidFill>
-                  <a:schemeClr val="accent2">
-                    <a:lumMod val="50000"/>
-                  </a:schemeClr>
-                </a:solidFill>
-              </a:rPr>
-              <a:t>ensuring</a:t>
+              <a:t>and INU percentages across multiple volumes, ensuring</a:t>
             </a:r>
             <a:r>
               <a:rPr lang="en-IN" dirty="0" smtClean="0">
@@ -6149,13 +6089,6 @@
               </a:rPr>
               <a:t>Training</a:t>
             </a:r>
-            <a:endParaRPr lang="en-US" b="1" dirty="0" smtClean="0">
-              <a:solidFill>
-                <a:schemeClr val="accent2">
-                  <a:lumMod val="50000"/>
-                </a:schemeClr>
-              </a:solidFill>
-            </a:endParaRPr>
           </a:p>
           <a:p>
             <a:pPr lvl="1">
@@ -7748,8 +7681,8 @@
           </a:p>
         </p:txBody>
       </p:sp>
-      <mc:AlternateContent xmlns:mc="http://schemas.openxmlformats.org/markup-compatibility/2006">
-        <mc:Choice xmlns:a14="http://schemas.microsoft.com/office/drawing/2010/main" Requires="a14">
+      <mc:AlternateContent xmlns:mc="http://schemas.openxmlformats.org/markup-compatibility/2006" xmlns:a14="http://schemas.microsoft.com/office/drawing/2010/main">
+        <mc:Choice Requires="a14">
           <p:sp>
             <p:nvSpPr>
               <p:cNvPr id="3" name="Content Placeholder 2"/>
@@ -8611,7 +8544,7 @@
             </p:txBody>
           </p:sp>
         </mc:Choice>
-        <mc:Fallback>
+        <mc:Fallback xmlns="">
           <p:sp>
             <p:nvSpPr>
               <p:cNvPr id="3" name="Content Placeholder 2"/>
@@ -11554,17 +11487,7 @@
                   </a:schemeClr>
                 </a:solidFill>
               </a:rPr>
-              <a:t>This  </a:t>
-            </a:r>
-            <a:r>
-              <a:rPr lang="en-IN" dirty="0" smtClean="0">
-                <a:solidFill>
-                  <a:schemeClr val="accent2">
-                    <a:lumMod val="50000"/>
-                  </a:schemeClr>
-                </a:solidFill>
-              </a:rPr>
-              <a:t>project highlights </a:t>
+              <a:t>This  project highlights </a:t>
             </a:r>
             <a:r>
               <a:rPr lang="en-IN" dirty="0">
@@ -11668,17 +11591,7 @@
                   </a:schemeClr>
                 </a:solidFill>
               </a:rPr>
-              <a:t>It is important to acknowledge that the proposed algorithm is not without challenges. </a:t>
-            </a:r>
-            <a:r>
-              <a:rPr lang="en-IN" dirty="0">
-                <a:solidFill>
-                  <a:schemeClr val="accent2">
-                    <a:lumMod val="50000"/>
-                  </a:schemeClr>
-                </a:solidFill>
-              </a:rPr>
-              <a:t>It can be complex and require a lot of computing power, leading to longer processing times. However, improvements in RBFNNs offer hope for better efficiency</a:t>
+              <a:t>It is important to acknowledge that the proposed algorithm is not without challenges. It can be complex and require a lot of computing power, leading to longer processing times. However, improvements in RBFNNs offer hope for better efficiency</a:t>
             </a:r>
             <a:r>
               <a:rPr lang="en-IN" dirty="0" smtClean="0">
@@ -11737,13 +11650,6 @@
               </a:rPr>
               <a:t>shows that RBFNNs are effective for brain MRI segmentation, helping to understand brain anatomy and support diagnosis and treatment planning for neurological diseases.</a:t>
             </a:r>
-            <a:endParaRPr lang="en-IN" dirty="0">
-              <a:solidFill>
-                <a:schemeClr val="accent2">
-                  <a:lumMod val="50000"/>
-                </a:schemeClr>
-              </a:solidFill>
-            </a:endParaRPr>
           </a:p>
         </p:txBody>
       </p:sp>
@@ -12010,237 +11916,6 @@
               <a:buFont typeface="Wingdings" panose="05000000000000000000" pitchFamily="2" charset="2"/>
               <a:buChar char="Ø"/>
             </a:pPr>
-            <a:r>
-              <a:rPr lang="en-IN" sz="1800" dirty="0" smtClean="0">
-                <a:solidFill>
-                  <a:schemeClr val="accent2">
-                    <a:lumMod val="50000"/>
-                  </a:schemeClr>
-                </a:solidFill>
-                <a:hlinkClick r:id="rId3"/>
-              </a:rPr>
-              <a:t>H. </a:t>
-            </a:r>
-            <a:r>
-              <a:rPr lang="en-IN" sz="1800" dirty="0" err="1">
-                <a:solidFill>
-                  <a:schemeClr val="accent2">
-                    <a:lumMod val="50000"/>
-                  </a:schemeClr>
-                </a:solidFill>
-                <a:hlinkClick r:id="rId3"/>
-              </a:rPr>
-              <a:t>Seo</a:t>
-            </a:r>
-            <a:r>
-              <a:rPr lang="en-IN" sz="1800" dirty="0">
-                <a:solidFill>
-                  <a:schemeClr val="accent2">
-                    <a:lumMod val="50000"/>
-                  </a:schemeClr>
-                </a:solidFill>
-                <a:hlinkClick r:id="rId3"/>
-              </a:rPr>
-              <a:t>, </a:t>
-            </a:r>
-            <a:r>
-              <a:rPr lang="en-IN" sz="1800" dirty="0" smtClean="0">
-                <a:solidFill>
-                  <a:schemeClr val="accent2">
-                    <a:lumMod val="50000"/>
-                  </a:schemeClr>
-                </a:solidFill>
-                <a:hlinkClick r:id="rId3"/>
-              </a:rPr>
-              <a:t>M. B. </a:t>
-            </a:r>
-            <a:r>
-              <a:rPr lang="en-IN" sz="1800" dirty="0" err="1">
-                <a:solidFill>
-                  <a:schemeClr val="accent2">
-                    <a:lumMod val="50000"/>
-                  </a:schemeClr>
-                </a:solidFill>
-                <a:hlinkClick r:id="rId3"/>
-              </a:rPr>
-              <a:t>Khuzani</a:t>
-            </a:r>
-            <a:r>
-              <a:rPr lang="en-IN" sz="1800" dirty="0">
-                <a:solidFill>
-                  <a:schemeClr val="accent2">
-                    <a:lumMod val="50000"/>
-                  </a:schemeClr>
-                </a:solidFill>
-                <a:hlinkClick r:id="rId3"/>
-              </a:rPr>
-              <a:t>, </a:t>
-            </a:r>
-            <a:r>
-              <a:rPr lang="en-IN" sz="1800" dirty="0" smtClean="0">
-                <a:solidFill>
-                  <a:schemeClr val="accent2">
-                    <a:lumMod val="50000"/>
-                  </a:schemeClr>
-                </a:solidFill>
-                <a:hlinkClick r:id="rId3"/>
-              </a:rPr>
-              <a:t>V. </a:t>
-            </a:r>
-            <a:r>
-              <a:rPr lang="en-IN" sz="1800" dirty="0" err="1">
-                <a:solidFill>
-                  <a:schemeClr val="accent2">
-                    <a:lumMod val="50000"/>
-                  </a:schemeClr>
-                </a:solidFill>
-                <a:hlinkClick r:id="rId3"/>
-              </a:rPr>
-              <a:t>Vasudevan</a:t>
-            </a:r>
-            <a:r>
-              <a:rPr lang="en-IN" sz="1800" dirty="0">
-                <a:solidFill>
-                  <a:schemeClr val="accent2">
-                    <a:lumMod val="50000"/>
-                  </a:schemeClr>
-                </a:solidFill>
-                <a:hlinkClick r:id="rId3"/>
-              </a:rPr>
-              <a:t>, </a:t>
-            </a:r>
-            <a:r>
-              <a:rPr lang="en-IN" sz="1800" dirty="0" smtClean="0">
-                <a:solidFill>
-                  <a:schemeClr val="accent2">
-                    <a:lumMod val="50000"/>
-                  </a:schemeClr>
-                </a:solidFill>
-                <a:hlinkClick r:id="rId3"/>
-              </a:rPr>
-              <a:t>C. </a:t>
-            </a:r>
-            <a:r>
-              <a:rPr lang="en-IN" sz="1800" dirty="0">
-                <a:solidFill>
-                  <a:schemeClr val="accent2">
-                    <a:lumMod val="50000"/>
-                  </a:schemeClr>
-                </a:solidFill>
-                <a:hlinkClick r:id="rId3"/>
-              </a:rPr>
-              <a:t>Huang, </a:t>
-            </a:r>
-            <a:r>
-              <a:rPr lang="en-IN" sz="1800" dirty="0" smtClean="0">
-                <a:solidFill>
-                  <a:schemeClr val="accent2">
-                    <a:lumMod val="50000"/>
-                  </a:schemeClr>
-                </a:solidFill>
-                <a:hlinkClick r:id="rId3"/>
-              </a:rPr>
-              <a:t>H. </a:t>
-            </a:r>
-            <a:r>
-              <a:rPr lang="en-IN" sz="1800" dirty="0">
-                <a:solidFill>
-                  <a:schemeClr val="accent2">
-                    <a:lumMod val="50000"/>
-                  </a:schemeClr>
-                </a:solidFill>
-                <a:hlinkClick r:id="rId3"/>
-              </a:rPr>
-              <a:t>Ren, </a:t>
-            </a:r>
-            <a:r>
-              <a:rPr lang="en-IN" sz="1800" dirty="0" smtClean="0">
-                <a:solidFill>
-                  <a:schemeClr val="accent2">
-                    <a:lumMod val="50000"/>
-                  </a:schemeClr>
-                </a:solidFill>
-                <a:hlinkClick r:id="rId3"/>
-              </a:rPr>
-              <a:t>R. </a:t>
-            </a:r>
-            <a:r>
-              <a:rPr lang="en-IN" sz="1800" dirty="0">
-                <a:solidFill>
-                  <a:schemeClr val="accent2">
-                    <a:lumMod val="50000"/>
-                  </a:schemeClr>
-                </a:solidFill>
-                <a:hlinkClick r:id="rId3"/>
-              </a:rPr>
-              <a:t>Xiao, </a:t>
-            </a:r>
-            <a:r>
-              <a:rPr lang="en-IN" sz="1800" dirty="0" smtClean="0">
-                <a:solidFill>
-                  <a:schemeClr val="accent2">
-                    <a:lumMod val="50000"/>
-                  </a:schemeClr>
-                </a:solidFill>
-                <a:hlinkClick r:id="rId3"/>
-              </a:rPr>
-              <a:t>X. </a:t>
-            </a:r>
-            <a:r>
-              <a:rPr lang="en-IN" sz="1800" dirty="0" err="1">
-                <a:solidFill>
-                  <a:schemeClr val="accent2">
-                    <a:lumMod val="50000"/>
-                  </a:schemeClr>
-                </a:solidFill>
-                <a:hlinkClick r:id="rId3"/>
-              </a:rPr>
-              <a:t>Jia</a:t>
-            </a:r>
-            <a:r>
-              <a:rPr lang="en-IN" sz="1800" dirty="0">
-                <a:solidFill>
-                  <a:schemeClr val="accent2">
-                    <a:lumMod val="50000"/>
-                  </a:schemeClr>
-                </a:solidFill>
-                <a:hlinkClick r:id="rId3"/>
-              </a:rPr>
-              <a:t>, </a:t>
-            </a:r>
-            <a:r>
-              <a:rPr lang="en-IN" sz="1800" dirty="0" smtClean="0">
-                <a:solidFill>
-                  <a:schemeClr val="accent2">
-                    <a:lumMod val="50000"/>
-                  </a:schemeClr>
-                </a:solidFill>
-                <a:hlinkClick r:id="rId3"/>
-              </a:rPr>
-              <a:t>L.  Xing, </a:t>
-            </a:r>
-            <a:r>
-              <a:rPr lang="en-IN" sz="1800" dirty="0">
-                <a:solidFill>
-                  <a:schemeClr val="accent2">
-                    <a:lumMod val="50000"/>
-                  </a:schemeClr>
-                </a:solidFill>
-                <a:hlinkClick r:id="rId3"/>
-              </a:rPr>
-              <a:t>“Machine Learning Techniques for Biomedical Image Segmentation: An Overview of Technical Aspects and Introduction to State-of-Art Applications”, Med Phys. 2020 Jun; 47(5): e148–e167</a:t>
-            </a:r>
-            <a:r>
-              <a:rPr lang="en-IN" sz="1800" dirty="0" smtClean="0">
-                <a:solidFill>
-                  <a:schemeClr val="accent2">
-                    <a:lumMod val="50000"/>
-                  </a:schemeClr>
-                </a:solidFill>
-                <a:hlinkClick r:id="rId3"/>
-              </a:rPr>
-              <a:t>.</a:t>
-            </a:r>
             <a:endParaRPr lang="en-IN" sz="1800" dirty="0" smtClean="0">
               <a:solidFill>
                 <a:schemeClr val="accent2">
@@ -12254,6 +11929,116 @@
               <a:buFont typeface="Wingdings" panose="05000000000000000000" pitchFamily="2" charset="2"/>
               <a:buChar char="Ø"/>
             </a:pPr>
+            <a:r>
+              <a:rPr lang="en-IN" sz="1800" dirty="0" smtClean="0">
+                <a:solidFill>
+                  <a:schemeClr val="accent2">
+                    <a:lumMod val="50000"/>
+                  </a:schemeClr>
+                </a:solidFill>
+                <a:hlinkClick r:id="rId3"/>
+              </a:rPr>
+              <a:t>G. </a:t>
+            </a:r>
+            <a:r>
+              <a:rPr lang="en-IN" sz="1800" dirty="0" err="1">
+                <a:solidFill>
+                  <a:schemeClr val="accent2">
+                    <a:lumMod val="50000"/>
+                  </a:schemeClr>
+                </a:solidFill>
+                <a:hlinkClick r:id="rId3"/>
+              </a:rPr>
+              <a:t>Slabaugh</a:t>
+            </a:r>
+            <a:r>
+              <a:rPr lang="en-IN" sz="1800" dirty="0">
+                <a:solidFill>
+                  <a:schemeClr val="accent2">
+                    <a:lumMod val="50000"/>
+                  </a:schemeClr>
+                </a:solidFill>
+                <a:hlinkClick r:id="rId3"/>
+              </a:rPr>
+              <a:t> </a:t>
+            </a:r>
+            <a:r>
+              <a:rPr lang="en-IN" sz="1800" dirty="0" smtClean="0">
+                <a:solidFill>
+                  <a:schemeClr val="accent2">
+                    <a:lumMod val="50000"/>
+                  </a:schemeClr>
+                </a:solidFill>
+                <a:hlinkClick r:id="rId3"/>
+              </a:rPr>
+              <a:t>,Q. </a:t>
+            </a:r>
+            <a:r>
+              <a:rPr lang="en-IN" sz="1800" dirty="0" err="1" smtClean="0">
+                <a:solidFill>
+                  <a:schemeClr val="accent2">
+                    <a:lumMod val="50000"/>
+                  </a:schemeClr>
+                </a:solidFill>
+                <a:hlinkClick r:id="rId3"/>
+              </a:rPr>
+              <a:t>Dinh</a:t>
+            </a:r>
+            <a:r>
+              <a:rPr lang="en-IN" sz="1800" dirty="0" smtClean="0">
+                <a:solidFill>
+                  <a:schemeClr val="accent2">
+                    <a:lumMod val="50000"/>
+                  </a:schemeClr>
+                </a:solidFill>
+                <a:hlinkClick r:id="rId3"/>
+              </a:rPr>
+              <a:t>, and G. </a:t>
+            </a:r>
+            <a:r>
+              <a:rPr lang="en-IN" sz="1800" dirty="0" err="1" smtClean="0">
+                <a:solidFill>
+                  <a:schemeClr val="accent2">
+                    <a:lumMod val="50000"/>
+                  </a:schemeClr>
+                </a:solidFill>
+                <a:hlinkClick r:id="rId3"/>
+              </a:rPr>
+              <a:t>Unal</a:t>
+            </a:r>
+            <a:r>
+              <a:rPr lang="en-IN" sz="1800" dirty="0" smtClean="0">
+                <a:solidFill>
+                  <a:schemeClr val="accent2">
+                    <a:lumMod val="50000"/>
+                  </a:schemeClr>
+                </a:solidFill>
+                <a:hlinkClick r:id="rId3"/>
+              </a:rPr>
+              <a:t>. "A </a:t>
+            </a:r>
+            <a:r>
+              <a:rPr lang="en-IN" sz="1800" dirty="0" err="1" smtClean="0">
+                <a:solidFill>
+                  <a:schemeClr val="accent2">
+                    <a:lumMod val="50000"/>
+                  </a:schemeClr>
+                </a:solidFill>
+                <a:hlinkClick r:id="rId3"/>
+              </a:rPr>
+              <a:t>variational</a:t>
+            </a:r>
+            <a:r>
+              <a:rPr lang="en-IN" sz="1800" dirty="0" smtClean="0">
+                <a:solidFill>
+                  <a:schemeClr val="accent2">
+                    <a:lumMod val="50000"/>
+                  </a:schemeClr>
+                </a:solidFill>
+                <a:hlinkClick r:id="rId3"/>
+              </a:rPr>
+              <a:t> approach to the evolution of radial basis functions for image segmentation." In 2007 IEEE Conference on Computer Vision and Pattern Recognition, pp. 1-8. IEEE, 2007.</a:t>
+            </a:r>
             <a:endParaRPr lang="en-IN" sz="1800" dirty="0" smtClean="0">
               <a:solidFill>
                 <a:schemeClr val="accent2">
@@ -12267,6 +12052,19 @@
               <a:buFont typeface="Wingdings" panose="05000000000000000000" pitchFamily="2" charset="2"/>
               <a:buChar char="Ø"/>
             </a:pPr>
+            <a:endParaRPr lang="en-US" sz="1800" dirty="0">
+              <a:solidFill>
+                <a:schemeClr val="accent2">
+                  <a:lumMod val="50000"/>
+                </a:schemeClr>
+              </a:solidFill>
+            </a:endParaRPr>
+          </a:p>
+          <a:p>
+            <a:pPr>
+              <a:buFont typeface="Wingdings" panose="05000000000000000000" pitchFamily="2" charset="2"/>
+              <a:buChar char="Ø"/>
+            </a:pPr>
             <a:r>
               <a:rPr lang="en-IN" sz="1800" dirty="0" smtClean="0">
                 <a:solidFill>
@@ -12276,7 +12074,18 @@
                 </a:solidFill>
                 <a:hlinkClick r:id="rId4"/>
               </a:rPr>
-              <a:t>G.</a:t>
+              <a:t>M. Habib </a:t>
+            </a:r>
+            <a:r>
+              <a:rPr lang="en-IN" sz="1800" dirty="0">
+                <a:solidFill>
+                  <a:schemeClr val="accent2">
+                    <a:lumMod val="50000"/>
+                  </a:schemeClr>
+                </a:solidFill>
+                <a:hlinkClick r:id="rId4"/>
+              </a:rPr>
+              <a:t>&amp; </a:t>
             </a:r>
             <a:r>
               <a:rPr lang="en-IN" sz="1800" dirty="0" smtClean="0">
@@ -12287,10 +12096,10 @@
                 </a:solidFill>
                 <a:hlinkClick r:id="rId4"/>
               </a:rPr>
-              <a:t> </a:t>
-            </a:r>
-            <a:r>
-              <a:rPr lang="en-IN" sz="1800" dirty="0" err="1">
+              <a:t>F. </a:t>
+            </a:r>
+            <a:r>
+              <a:rPr lang="en-IN" sz="1800" dirty="0" err="1" smtClean="0">
                 <a:solidFill>
                   <a:schemeClr val="accent2">
                     <a:lumMod val="50000"/>
@@ -12298,7 +12107,7 @@
                 </a:solidFill>
                 <a:hlinkClick r:id="rId4"/>
               </a:rPr>
-              <a:t>Slabaugh</a:t>
+              <a:t>Hadria</a:t>
             </a:r>
             <a:r>
               <a:rPr lang="en-IN" sz="1800" dirty="0">
@@ -12309,7 +12118,7 @@
                 </a:solidFill>
                 <a:hlinkClick r:id="rId4"/>
               </a:rPr>
-              <a:t> </a:t>
+              <a:t>. </a:t>
             </a:r>
             <a:r>
               <a:rPr lang="en-IN" sz="1800" dirty="0" smtClean="0">
@@ -12320,10 +12129,10 @@
                 </a:solidFill>
                 <a:hlinkClick r:id="rId4"/>
               </a:rPr>
-              <a:t>,Q. </a:t>
-            </a:r>
-            <a:r>
-              <a:rPr lang="en-IN" sz="1800" dirty="0" err="1" smtClean="0">
+              <a:t>(2011). “Segmentation </a:t>
+            </a:r>
+            <a:r>
+              <a:rPr lang="en-IN" sz="1800" dirty="0">
                 <a:solidFill>
                   <a:schemeClr val="accent2">
                     <a:lumMod val="50000"/>
@@ -12331,7 +12140,7 @@
                 </a:solidFill>
                 <a:hlinkClick r:id="rId4"/>
               </a:rPr>
-              <a:t>Dinh</a:t>
+              <a:t>of Satellite Imagery using RBF Neural Network and Genetic Algorithm</a:t>
             </a:r>
             <a:r>
               <a:rPr lang="en-IN" sz="1800" dirty="0" smtClean="0">
@@ -12342,10 +12151,10 @@
                 </a:solidFill>
                 <a:hlinkClick r:id="rId4"/>
               </a:rPr>
-              <a:t>, and G. </a:t>
-            </a:r>
-            <a:r>
-              <a:rPr lang="en-IN" sz="1800" dirty="0" err="1" smtClean="0">
+              <a:t>.” </a:t>
+            </a:r>
+            <a:r>
+              <a:rPr lang="en-IN" sz="1800" dirty="0">
                 <a:solidFill>
                   <a:schemeClr val="accent2">
                     <a:lumMod val="50000"/>
@@ -12353,40 +12162,7 @@
                 </a:solidFill>
                 <a:hlinkClick r:id="rId4"/>
               </a:rPr>
-              <a:t>Unal</a:t>
-            </a:r>
-            <a:r>
-              <a:rPr lang="en-IN" sz="1800" dirty="0" smtClean="0">
-                <a:solidFill>
-                  <a:schemeClr val="accent2">
-                    <a:lumMod val="50000"/>
-                  </a:schemeClr>
-                </a:solidFill>
-                <a:hlinkClick r:id="rId4"/>
-              </a:rPr>
-              <a:t>. "A </a:t>
-            </a:r>
-            <a:r>
-              <a:rPr lang="en-IN" sz="1800" dirty="0" err="1" smtClean="0">
-                <a:solidFill>
-                  <a:schemeClr val="accent2">
-                    <a:lumMod val="50000"/>
-                  </a:schemeClr>
-                </a:solidFill>
-                <a:hlinkClick r:id="rId4"/>
-              </a:rPr>
-              <a:t>variational</a:t>
-            </a:r>
-            <a:r>
-              <a:rPr lang="en-IN" sz="1800" dirty="0" smtClean="0">
-                <a:solidFill>
-                  <a:schemeClr val="accent2">
-                    <a:lumMod val="50000"/>
-                  </a:schemeClr>
-                </a:solidFill>
-                <a:hlinkClick r:id="rId4"/>
-              </a:rPr>
-              <a:t> approach to the evolution of radial basis functions for image segmentation." In 2007 IEEE Conference on Computer Vision and Pattern Recognition, pp. 1-8. IEEE, 2007.</a:t>
+              <a:t>Asian Journal of Applied Sciences. 4. 186-194. 10.3923/ajaps.2011.186.194. </a:t>
             </a:r>
             <a:endParaRPr lang="en-IN" sz="1800" dirty="0" smtClean="0">
               <a:solidFill>
@@ -12423,18 +12199,7 @@
                 </a:solidFill>
                 <a:hlinkClick r:id="rId5"/>
               </a:rPr>
-              <a:t>https</a:t>
-            </a:r>
-            <a:r>
-              <a:rPr lang="en-IN" sz="1800" dirty="0" smtClean="0">
-                <a:solidFill>
-                  <a:schemeClr val="accent2">
-                    <a:lumMod val="50000"/>
-                  </a:schemeClr>
-                </a:solidFill>
-                <a:hlinkClick r:id="rId5"/>
-              </a:rPr>
-              <a:t>://en.wikipedia.org/wiki/Radial_basis_function_network</a:t>
+              <a:t>https://en.wikipedia.org/wiki/Radial_basis_function_network</a:t>
             </a:r>
             <a:endParaRPr lang="en-IN" sz="1800" dirty="0" smtClean="0">
               <a:solidFill>
@@ -12738,17 +12503,7 @@
                   </a:schemeClr>
                 </a:solidFill>
               </a:rPr>
-              <a:t>) </a:t>
-            </a:r>
-            <a:r>
-              <a:rPr lang="en-IN" sz="1800" dirty="0">
-                <a:solidFill>
-                  <a:schemeClr val="accent2">
-                    <a:lumMod val="50000"/>
-                  </a:schemeClr>
-                </a:solidFill>
-              </a:rPr>
-              <a:t>is a modern, non-invasive method to clearly see brain tissues and diagnose brain illnesses</a:t>
+              <a:t>) is a modern, non-invasive method to clearly see brain tissues and diagnose brain illnesses</a:t>
             </a:r>
             <a:r>
               <a:rPr lang="en-IN" sz="1800" dirty="0" smtClean="0">
@@ -12854,7 +12609,27 @@
                   </a:schemeClr>
                 </a:solidFill>
               </a:rPr>
-              <a:t>W</a:t>
+              <a:t>White Matter (WM)</a:t>
+            </a:r>
+            <a:r>
+              <a:rPr lang="en-IN" sz="1800" dirty="0" smtClean="0">
+                <a:solidFill>
+                  <a:schemeClr val="accent2">
+                    <a:lumMod val="50000"/>
+                  </a:schemeClr>
+                </a:solidFill>
+              </a:rPr>
+              <a:t>, </a:t>
+            </a:r>
+            <a:r>
+              <a:rPr lang="en-IN" sz="1800" b="1" dirty="0" err="1" smtClean="0">
+                <a:solidFill>
+                  <a:schemeClr val="accent2">
+                    <a:lumMod val="50000"/>
+                  </a:schemeClr>
+                </a:solidFill>
+              </a:rPr>
+              <a:t>Gray</a:t>
             </a:r>
             <a:r>
               <a:rPr lang="en-IN" sz="1800" b="1" dirty="0" smtClean="0">
@@ -12864,117 +12639,7 @@
                   </a:schemeClr>
                 </a:solidFill>
               </a:rPr>
-              <a:t>hite </a:t>
-            </a:r>
-            <a:r>
-              <a:rPr lang="en-IN" sz="1800" b="1" dirty="0" smtClean="0">
-                <a:solidFill>
-                  <a:schemeClr val="accent2">
-                    <a:lumMod val="50000"/>
-                  </a:schemeClr>
-                </a:solidFill>
-              </a:rPr>
-              <a:t>M</a:t>
-            </a:r>
-            <a:r>
-              <a:rPr lang="en-IN" sz="1800" b="1" dirty="0" smtClean="0">
-                <a:solidFill>
-                  <a:schemeClr val="accent2">
-                    <a:lumMod val="50000"/>
-                  </a:schemeClr>
-                </a:solidFill>
-              </a:rPr>
-              <a:t>atter (WM)</a:t>
-            </a:r>
-            <a:r>
-              <a:rPr lang="en-IN" sz="1800" dirty="0" smtClean="0">
-                <a:solidFill>
-                  <a:schemeClr val="accent2">
-                    <a:lumMod val="50000"/>
-                  </a:schemeClr>
-                </a:solidFill>
-              </a:rPr>
-              <a:t>, </a:t>
-            </a:r>
-            <a:r>
-              <a:rPr lang="en-IN" sz="1800" b="1" dirty="0" err="1" smtClean="0">
-                <a:solidFill>
-                  <a:schemeClr val="accent2">
-                    <a:lumMod val="50000"/>
-                  </a:schemeClr>
-                </a:solidFill>
-              </a:rPr>
-              <a:t>G</a:t>
-            </a:r>
-            <a:r>
-              <a:rPr lang="en-IN" sz="1800" b="1" dirty="0" err="1" smtClean="0">
-                <a:solidFill>
-                  <a:schemeClr val="accent2">
-                    <a:lumMod val="50000"/>
-                  </a:schemeClr>
-                </a:solidFill>
-              </a:rPr>
-              <a:t>ray</a:t>
-            </a:r>
-            <a:r>
-              <a:rPr lang="en-IN" sz="1800" b="1" dirty="0" smtClean="0">
-                <a:solidFill>
-                  <a:schemeClr val="accent2">
-                    <a:lumMod val="50000"/>
-                  </a:schemeClr>
-                </a:solidFill>
-              </a:rPr>
-              <a:t> Matter (GM), </a:t>
-            </a:r>
-            <a:r>
-              <a:rPr lang="en-IN" sz="1800" b="1" dirty="0" err="1" smtClean="0">
-                <a:solidFill>
-                  <a:schemeClr val="accent2">
-                    <a:lumMod val="50000"/>
-                  </a:schemeClr>
-                </a:solidFill>
-              </a:rPr>
-              <a:t>CerebroSpinal</a:t>
-            </a:r>
-            <a:r>
-              <a:rPr lang="en-IN" sz="1800" b="1" dirty="0" smtClean="0">
-                <a:solidFill>
-                  <a:schemeClr val="accent2">
-                    <a:lumMod val="50000"/>
-                  </a:schemeClr>
-                </a:solidFill>
-              </a:rPr>
-              <a:t> </a:t>
-            </a:r>
-            <a:r>
-              <a:rPr lang="en-IN" sz="1800" b="1" dirty="0" smtClean="0">
-                <a:solidFill>
-                  <a:schemeClr val="accent2">
-                    <a:lumMod val="50000"/>
-                  </a:schemeClr>
-                </a:solidFill>
-              </a:rPr>
-              <a:t>F</a:t>
-            </a:r>
-            <a:r>
-              <a:rPr lang="en-IN" sz="1800" b="1" dirty="0" smtClean="0">
-                <a:solidFill>
-                  <a:schemeClr val="accent2">
-                    <a:lumMod val="50000"/>
-                  </a:schemeClr>
-                </a:solidFill>
-              </a:rPr>
-              <a:t>luid </a:t>
-            </a:r>
-            <a:r>
-              <a:rPr lang="en-IN" sz="1800" b="1" dirty="0" smtClean="0">
-                <a:solidFill>
-                  <a:schemeClr val="accent2">
-                    <a:lumMod val="50000"/>
-                  </a:schemeClr>
-                </a:solidFill>
-              </a:rPr>
-              <a:t>(CSF), </a:t>
+              <a:t> Matter (GM), Cerebrospinal Fluid (CSF), </a:t>
             </a:r>
             <a:r>
               <a:rPr lang="en-IN" sz="1800" dirty="0" smtClean="0">
@@ -13072,13 +12737,6 @@
               </a:rPr>
               <a:t>.</a:t>
             </a:r>
-            <a:endParaRPr lang="en-IN" sz="1800" dirty="0" smtClean="0">
-              <a:solidFill>
-                <a:schemeClr val="accent2">
-                  <a:lumMod val="50000"/>
-                </a:schemeClr>
-              </a:solidFill>
-            </a:endParaRPr>
           </a:p>
         </p:txBody>
       </p:sp>
@@ -13633,197 +13291,160 @@
                   </a:schemeClr>
                 </a:solidFill>
               </a:rPr>
+              <a:t> RBF Neural Network is </a:t>
+            </a:r>
+            <a:r>
+              <a:rPr lang="en-IN" sz="1600" dirty="0">
+                <a:solidFill>
+                  <a:schemeClr val="accent2">
+                    <a:lumMod val="50000"/>
+                  </a:schemeClr>
+                </a:solidFill>
+              </a:rPr>
+              <a:t>a type of A</a:t>
+            </a:r>
+            <a:r>
+              <a:rPr lang="en-IN" sz="1600" dirty="0" smtClean="0">
+                <a:solidFill>
+                  <a:schemeClr val="accent2">
+                    <a:lumMod val="50000"/>
+                  </a:schemeClr>
+                </a:solidFill>
+              </a:rPr>
+              <a:t>rtificial </a:t>
+            </a:r>
+            <a:r>
+              <a:rPr lang="en-IN" sz="1600" dirty="0">
+                <a:solidFill>
+                  <a:schemeClr val="accent2">
+                    <a:lumMod val="50000"/>
+                  </a:schemeClr>
+                </a:solidFill>
+              </a:rPr>
+              <a:t>N</a:t>
+            </a:r>
+            <a:r>
+              <a:rPr lang="en-IN" sz="1600" dirty="0" smtClean="0">
+                <a:solidFill>
+                  <a:schemeClr val="accent2">
+                    <a:lumMod val="50000"/>
+                  </a:schemeClr>
+                </a:solidFill>
+              </a:rPr>
+              <a:t>eural </a:t>
+            </a:r>
+            <a:r>
+              <a:rPr lang="en-IN" sz="1600" dirty="0">
+                <a:solidFill>
+                  <a:schemeClr val="accent2">
+                    <a:lumMod val="50000"/>
+                  </a:schemeClr>
+                </a:solidFill>
+              </a:rPr>
+              <a:t>N</a:t>
+            </a:r>
+            <a:r>
+              <a:rPr lang="en-IN" sz="1600" dirty="0" smtClean="0">
+                <a:solidFill>
+                  <a:schemeClr val="accent2">
+                    <a:lumMod val="50000"/>
+                  </a:schemeClr>
+                </a:solidFill>
+              </a:rPr>
+              <a:t>etwork </a:t>
+            </a:r>
+            <a:r>
+              <a:rPr lang="en-IN" sz="1600" dirty="0">
+                <a:solidFill>
+                  <a:schemeClr val="accent2">
+                    <a:lumMod val="50000"/>
+                  </a:schemeClr>
+                </a:solidFill>
+              </a:rPr>
+              <a:t>that uses radial basis functions as </a:t>
+            </a:r>
+            <a:r>
+              <a:rPr lang="en-IN" sz="1600" b="1" dirty="0">
+                <a:solidFill>
+                  <a:schemeClr val="accent2">
+                    <a:lumMod val="50000"/>
+                  </a:schemeClr>
+                </a:solidFill>
+              </a:rPr>
+              <a:t>activation functions</a:t>
+            </a:r>
+            <a:r>
+              <a:rPr lang="en-IN" sz="1600" dirty="0" smtClean="0">
+                <a:solidFill>
+                  <a:schemeClr val="accent2">
+                    <a:lumMod val="50000"/>
+                  </a:schemeClr>
+                </a:solidFill>
+              </a:rPr>
+              <a:t>.</a:t>
+            </a:r>
+          </a:p>
+          <a:p>
+            <a:r>
+              <a:rPr lang="en-IN" sz="1600" dirty="0">
+                <a:solidFill>
+                  <a:schemeClr val="accent2">
+                    <a:lumMod val="50000"/>
+                  </a:schemeClr>
+                </a:solidFill>
+              </a:rPr>
+              <a:t>The network consists of </a:t>
+            </a:r>
+            <a:r>
+              <a:rPr lang="en-IN" sz="1600" b="1" dirty="0">
+                <a:solidFill>
+                  <a:schemeClr val="accent2">
+                    <a:lumMod val="50000"/>
+                  </a:schemeClr>
+                </a:solidFill>
+              </a:rPr>
+              <a:t>three layers</a:t>
+            </a:r>
+            <a:r>
+              <a:rPr lang="en-IN" sz="1600" dirty="0">
+                <a:solidFill>
+                  <a:schemeClr val="accent2">
+                    <a:lumMod val="50000"/>
+                  </a:schemeClr>
+                </a:solidFill>
+              </a:rPr>
+              <a:t>: an input layer, a hidden </a:t>
+            </a:r>
+            <a:r>
+              <a:rPr lang="en-IN" sz="1600" dirty="0" smtClean="0">
+                <a:solidFill>
+                  <a:schemeClr val="accent2">
+                    <a:lumMod val="50000"/>
+                  </a:schemeClr>
+                </a:solidFill>
+              </a:rPr>
+              <a:t>layer, </a:t>
+            </a:r>
+            <a:r>
+              <a:rPr lang="en-IN" sz="1600" dirty="0">
+                <a:solidFill>
+                  <a:schemeClr val="accent2">
+                    <a:lumMod val="50000"/>
+                  </a:schemeClr>
+                </a:solidFill>
+              </a:rPr>
+              <a:t>and an output layer. </a:t>
+            </a:r>
+            <a:r>
+              <a:rPr lang="en-IN" sz="1600" dirty="0" smtClean="0">
+                <a:solidFill>
+                  <a:schemeClr val="accent2">
+                    <a:lumMod val="50000"/>
+                  </a:schemeClr>
+                </a:solidFill>
+              </a:rPr>
               <a:t> </a:t>
             </a:r>
-            <a:r>
-              <a:rPr lang="en-IN" sz="1600" dirty="0" smtClean="0">
-                <a:solidFill>
-                  <a:schemeClr val="accent2">
-                    <a:lumMod val="50000"/>
-                  </a:schemeClr>
-                </a:solidFill>
-              </a:rPr>
-              <a:t>RBFNN </a:t>
-            </a:r>
-            <a:r>
-              <a:rPr lang="en-IN" sz="1600" dirty="0" smtClean="0">
-                <a:solidFill>
-                  <a:schemeClr val="accent2">
-                    <a:lumMod val="50000"/>
-                  </a:schemeClr>
-                </a:solidFill>
-              </a:rPr>
-              <a:t>is </a:t>
-            </a:r>
-            <a:r>
-              <a:rPr lang="en-IN" sz="1600" dirty="0">
-                <a:solidFill>
-                  <a:schemeClr val="accent2">
-                    <a:lumMod val="50000"/>
-                  </a:schemeClr>
-                </a:solidFill>
-              </a:rPr>
-              <a:t>a type of </a:t>
-            </a:r>
-            <a:r>
-              <a:rPr lang="en-IN" sz="1600" dirty="0">
-                <a:solidFill>
-                  <a:schemeClr val="accent2">
-                    <a:lumMod val="50000"/>
-                  </a:schemeClr>
-                </a:solidFill>
-              </a:rPr>
-              <a:t>A</a:t>
-            </a:r>
-            <a:r>
-              <a:rPr lang="en-IN" sz="1600" dirty="0" smtClean="0">
-                <a:solidFill>
-                  <a:schemeClr val="accent2">
-                    <a:lumMod val="50000"/>
-                  </a:schemeClr>
-                </a:solidFill>
-              </a:rPr>
-              <a:t>rtificial </a:t>
-            </a:r>
-            <a:r>
-              <a:rPr lang="en-IN" sz="1600" dirty="0">
-                <a:solidFill>
-                  <a:schemeClr val="accent2">
-                    <a:lumMod val="50000"/>
-                  </a:schemeClr>
-                </a:solidFill>
-              </a:rPr>
-              <a:t>N</a:t>
-            </a:r>
-            <a:r>
-              <a:rPr lang="en-IN" sz="1600" dirty="0" smtClean="0">
-                <a:solidFill>
-                  <a:schemeClr val="accent2">
-                    <a:lumMod val="50000"/>
-                  </a:schemeClr>
-                </a:solidFill>
-              </a:rPr>
-              <a:t>eural </a:t>
-            </a:r>
-            <a:r>
-              <a:rPr lang="en-IN" sz="1600" dirty="0">
-                <a:solidFill>
-                  <a:schemeClr val="accent2">
-                    <a:lumMod val="50000"/>
-                  </a:schemeClr>
-                </a:solidFill>
-              </a:rPr>
-              <a:t>N</a:t>
-            </a:r>
-            <a:r>
-              <a:rPr lang="en-IN" sz="1600" dirty="0" smtClean="0">
-                <a:solidFill>
-                  <a:schemeClr val="accent2">
-                    <a:lumMod val="50000"/>
-                  </a:schemeClr>
-                </a:solidFill>
-              </a:rPr>
-              <a:t>etwork </a:t>
-            </a:r>
-            <a:r>
-              <a:rPr lang="en-IN" sz="1600" dirty="0">
-                <a:solidFill>
-                  <a:schemeClr val="accent2">
-                    <a:lumMod val="50000"/>
-                  </a:schemeClr>
-                </a:solidFill>
-              </a:rPr>
-              <a:t>that uses radial basis functions as </a:t>
-            </a:r>
-            <a:r>
-              <a:rPr lang="en-IN" sz="1600" b="1" dirty="0">
-                <a:solidFill>
-                  <a:schemeClr val="accent2">
-                    <a:lumMod val="50000"/>
-                  </a:schemeClr>
-                </a:solidFill>
-              </a:rPr>
-              <a:t>activation functions</a:t>
-            </a:r>
-            <a:r>
-              <a:rPr lang="en-IN" sz="1600" dirty="0" smtClean="0">
-                <a:solidFill>
-                  <a:schemeClr val="accent2">
-                    <a:lumMod val="50000"/>
-                  </a:schemeClr>
-                </a:solidFill>
-              </a:rPr>
-              <a:t>.</a:t>
-            </a:r>
-          </a:p>
-          <a:p>
-            <a:r>
-              <a:rPr lang="en-IN" sz="1600" dirty="0">
-                <a:solidFill>
-                  <a:schemeClr val="accent2">
-                    <a:lumMod val="50000"/>
-                  </a:schemeClr>
-                </a:solidFill>
-              </a:rPr>
-              <a:t>The network consists of </a:t>
-            </a:r>
-            <a:r>
-              <a:rPr lang="en-IN" sz="1600" b="1" dirty="0">
-                <a:solidFill>
-                  <a:schemeClr val="accent2">
-                    <a:lumMod val="50000"/>
-                  </a:schemeClr>
-                </a:solidFill>
-              </a:rPr>
-              <a:t>three layers</a:t>
-            </a:r>
-            <a:r>
-              <a:rPr lang="en-IN" sz="1600" dirty="0">
-                <a:solidFill>
-                  <a:schemeClr val="accent2">
-                    <a:lumMod val="50000"/>
-                  </a:schemeClr>
-                </a:solidFill>
-              </a:rPr>
-              <a:t>: an input layer, a hidden </a:t>
-            </a:r>
-            <a:r>
-              <a:rPr lang="en-IN" sz="1600" dirty="0" smtClean="0">
-                <a:solidFill>
-                  <a:schemeClr val="accent2">
-                    <a:lumMod val="50000"/>
-                  </a:schemeClr>
-                </a:solidFill>
-              </a:rPr>
-              <a:t>layer, </a:t>
-            </a:r>
-            <a:r>
-              <a:rPr lang="en-IN" sz="1600" dirty="0">
-                <a:solidFill>
-                  <a:schemeClr val="accent2">
-                    <a:lumMod val="50000"/>
-                  </a:schemeClr>
-                </a:solidFill>
-              </a:rPr>
-              <a:t>and an output layer. </a:t>
-            </a:r>
-            <a:r>
-              <a:rPr lang="en-IN" sz="1600" dirty="0" smtClean="0">
-                <a:solidFill>
-                  <a:schemeClr val="accent2">
-                    <a:lumMod val="50000"/>
-                  </a:schemeClr>
-                </a:solidFill>
-              </a:rPr>
-              <a:t> </a:t>
-            </a:r>
-            <a:endParaRPr lang="en-IN" sz="1600" dirty="0" smtClean="0">
-              <a:solidFill>
-                <a:schemeClr val="accent2">
-                  <a:lumMod val="50000"/>
-                </a:schemeClr>
-              </a:solidFill>
-            </a:endParaRPr>
           </a:p>
         </p:txBody>
       </p:sp>
@@ -14021,6 +13642,9 @@
             <a:avLst/>
           </a:prstGeom>
           <a:ln>
+            <a:solidFill>
+              <a:schemeClr val="tx1"/>
+            </a:solidFill>
             <a:tailEnd type="arrow"/>
           </a:ln>
         </p:spPr>
@@ -14039,8 +13663,8 @@
           </a:fontRef>
         </p:style>
       </p:cxnSp>
-      <mc:AlternateContent xmlns:mc="http://schemas.openxmlformats.org/markup-compatibility/2006">
-        <mc:Choice xmlns:a14="http://schemas.microsoft.com/office/drawing/2010/main" Requires="a14">
+      <mc:AlternateContent xmlns:mc="http://schemas.openxmlformats.org/markup-compatibility/2006" xmlns:a14="http://schemas.microsoft.com/office/drawing/2010/main">
+        <mc:Choice Requires="a14">
           <p:sp>
             <p:nvSpPr>
               <p:cNvPr id="11" name="Rectangle 10"/>
@@ -14050,7 +13674,7 @@
             <p:spPr>
               <a:xfrm>
                 <a:off x="7956376" y="3377193"/>
-                <a:ext cx="786562" cy="395621"/>
+                <a:ext cx="852221" cy="429220"/>
               </a:xfrm>
               <a:prstGeom prst="rect">
                 <a:avLst/>
@@ -14062,6 +13686,7 @@
               </a:bodyPr>
               <a:lstStyle/>
               <a:p>
+                <a:pPr/>
                 <a14:m>
                   <m:oMathPara xmlns:m="http://schemas.openxmlformats.org/officeDocument/2006/math">
                     <m:oMathParaPr>
@@ -14071,11 +13696,9 @@
                       <m:sSub>
                         <m:sSubPr>
                           <m:ctrlPr>
-                            <a:rPr lang="en-IN" b="1" i="1">
+                            <a:rPr lang="en-IN" sz="2000" b="1" i="1" smtClean="0">
                               <a:solidFill>
-                                <a:schemeClr val="accent2">
-                                  <a:lumMod val="50000"/>
-                                </a:schemeClr>
+                                <a:schemeClr val="tx1"/>
                               </a:solidFill>
                               <a:latin typeface="Cambria Math"/>
                             </a:rPr>
@@ -14083,11 +13706,9 @@
                         </m:sSubPr>
                         <m:e>
                           <m:r>
-                            <a:rPr lang="en-US" b="1" i="1">
+                            <a:rPr lang="en-US" sz="2000" b="1" i="1">
                               <a:solidFill>
-                                <a:schemeClr val="accent2">
-                                  <a:lumMod val="50000"/>
-                                </a:schemeClr>
+                                <a:schemeClr val="tx1"/>
                               </a:solidFill>
                               <a:latin typeface="Cambria Math"/>
                             </a:rPr>
@@ -14096,11 +13717,9 @@
                         </m:e>
                         <m:sub>
                           <m:r>
-                            <a:rPr lang="en-US" b="1" i="1">
+                            <a:rPr lang="en-US" sz="2000" b="1" i="1">
                               <a:solidFill>
-                                <a:schemeClr val="accent2">
-                                  <a:lumMod val="50000"/>
-                                </a:schemeClr>
+                                <a:schemeClr val="tx1"/>
                               </a:solidFill>
                               <a:latin typeface="Cambria Math"/>
                             </a:rPr>
@@ -14111,11 +13730,9 @@
                       <m:d>
                         <m:dPr>
                           <m:ctrlPr>
-                            <a:rPr lang="en-US" b="1" i="1">
+                            <a:rPr lang="en-US" sz="2000" b="1" i="1">
                               <a:solidFill>
-                                <a:schemeClr val="accent2">
-                                  <a:lumMod val="50000"/>
-                                </a:schemeClr>
+                                <a:schemeClr val="tx1"/>
                               </a:solidFill>
                               <a:latin typeface="Cambria Math"/>
                             </a:rPr>
@@ -14123,11 +13740,9 @@
                         </m:dPr>
                         <m:e>
                           <m:r>
-                            <a:rPr lang="en-US" b="1" i="1">
+                            <a:rPr lang="en-US" sz="2000" b="1" i="1">
                               <a:solidFill>
-                                <a:schemeClr val="accent2">
-                                  <a:lumMod val="50000"/>
-                                </a:schemeClr>
+                                <a:schemeClr val="tx1"/>
                               </a:solidFill>
                               <a:latin typeface="Cambria Math"/>
                             </a:rPr>
@@ -14138,12 +13753,16 @@
                     </m:oMath>
                   </m:oMathPara>
                 </a14:m>
-                <a:endParaRPr lang="en-IN" b="1" dirty="0"/>
+                <a:endParaRPr lang="en-IN" sz="2000" b="1" dirty="0">
+                  <a:solidFill>
+                    <a:schemeClr val="tx1"/>
+                  </a:solidFill>
+                </a:endParaRPr>
               </a:p>
             </p:txBody>
           </p:sp>
         </mc:Choice>
-        <mc:Fallback>
+        <mc:Fallback xmlns="">
           <p:sp>
             <p:nvSpPr>
               <p:cNvPr id="11" name="Rectangle 10"/>
@@ -14155,7 +13774,7 @@
             <p:spPr>
               <a:xfrm>
                 <a:off x="7956376" y="3377193"/>
-                <a:ext cx="786562" cy="395621"/>
+                <a:ext cx="852221" cy="429220"/>
               </a:xfrm>
               <a:prstGeom prst="rect">
                 <a:avLst/>
@@ -14163,7 +13782,7 @@
               <a:blipFill rotWithShape="1">
                 <a:blip r:embed="rId3"/>
                 <a:stretch>
-                  <a:fillRect b="-7692"/>
+                  <a:fillRect b="-11429"/>
                 </a:stretch>
               </a:blipFill>
             </p:spPr>
@@ -14250,8 +13869,8 @@
           </a:p>
         </p:txBody>
       </p:sp>
-      <mc:AlternateContent xmlns:mc="http://schemas.openxmlformats.org/markup-compatibility/2006">
-        <mc:Choice xmlns:a14="http://schemas.microsoft.com/office/drawing/2010/main" Requires="a14">
+      <mc:AlternateContent xmlns:mc="http://schemas.openxmlformats.org/markup-compatibility/2006" xmlns:a14="http://schemas.microsoft.com/office/drawing/2010/main">
+        <mc:Choice Requires="a14">
           <p:sp>
             <p:nvSpPr>
               <p:cNvPr id="3" name="Content Placeholder 2"/>
@@ -14691,13 +14310,6 @@
                   </a:rPr>
                   <a:t>, </a:t>
                 </a:r>
-                <a:endParaRPr lang="en-IN" dirty="0" smtClean="0">
-                  <a:solidFill>
-                    <a:schemeClr val="accent2">
-                      <a:lumMod val="50000"/>
-                    </a:schemeClr>
-                  </a:solidFill>
-                </a:endParaRPr>
               </a:p>
               <a:p>
                 <a:pPr marL="0" indent="0">
@@ -14790,17 +14402,7 @@
                       </a:schemeClr>
                     </a:solidFill>
                   </a:rPr>
-                  <a:t>j</a:t>
-                </a:r>
-                <a:r>
-                  <a:rPr lang="en-IN" sz="1900" dirty="0" smtClean="0">
-                    <a:solidFill>
-                      <a:schemeClr val="accent2">
-                        <a:lumMod val="50000"/>
-                      </a:schemeClr>
-                    </a:solidFill>
-                  </a:rPr>
-                  <a:t>-</a:t>
+                  <a:t>j-</a:t>
                 </a:r>
                 <a:r>
                   <a:rPr lang="en-IN" sz="1900" dirty="0" err="1" smtClean="0">
@@ -15056,17 +14658,7 @@
                       </a:schemeClr>
                     </a:solidFill>
                   </a:rPr>
-                  <a:t>hidden and </a:t>
-                </a:r>
-                <a:r>
-                  <a:rPr lang="en-IN" sz="1900" dirty="0">
-                    <a:solidFill>
-                      <a:schemeClr val="accent2">
-                        <a:lumMod val="50000"/>
-                      </a:schemeClr>
-                    </a:solidFill>
-                  </a:rPr>
-                  <a:t>j</a:t>
+                  <a:t>hidden and j</a:t>
                 </a:r>
                 <a:r>
                   <a:rPr lang="en-IN" sz="1900" dirty="0" smtClean="0">
@@ -15230,7 +14822,7 @@
             </p:txBody>
           </p:sp>
         </mc:Choice>
-        <mc:Fallback>
+        <mc:Fallback xmlns="">
           <p:sp>
             <p:nvSpPr>
               <p:cNvPr id="3" name="Content Placeholder 2"/>
@@ -15332,8 +14924,8 @@
           </a:p>
         </p:txBody>
       </p:sp>
-      <mc:AlternateContent xmlns:mc="http://schemas.openxmlformats.org/markup-compatibility/2006">
-        <mc:Choice xmlns:a14="http://schemas.microsoft.com/office/drawing/2010/main" Requires="a14">
+      <mc:AlternateContent xmlns:mc="http://schemas.openxmlformats.org/markup-compatibility/2006" xmlns:a14="http://schemas.microsoft.com/office/drawing/2010/main">
+        <mc:Choice Requires="a14">
           <p:sp>
             <p:nvSpPr>
               <p:cNvPr id="3" name="Content Placeholder 2"/>
@@ -16021,17 +15613,7 @@
                       </a:schemeClr>
                     </a:solidFill>
                   </a:rPr>
-                  <a:t>  </a:t>
-                </a:r>
-                <a:r>
-                  <a:rPr lang="en-IN" sz="2200" dirty="0" smtClean="0">
-                    <a:solidFill>
-                      <a:schemeClr val="accent2">
-                        <a:lumMod val="50000"/>
-                      </a:schemeClr>
-                    </a:solidFill>
-                  </a:rPr>
-                  <a:t>hidden </a:t>
+                  <a:t>  hidden </a:t>
                 </a:r>
                 <a:r>
                   <a:rPr lang="en-IN" sz="2200" dirty="0">
@@ -16059,7 +15641,7 @@
             </p:txBody>
           </p:sp>
         </mc:Choice>
-        <mc:Fallback>
+        <mc:Fallback xmlns="">
           <p:sp>
             <p:nvSpPr>
               <p:cNvPr id="3" name="Content Placeholder 2"/>
@@ -16378,17 +15960,7 @@
                   </a:schemeClr>
                 </a:solidFill>
               </a:rPr>
-              <a:t>Hidden </a:t>
-            </a:r>
-            <a:r>
-              <a:rPr lang="en-IN" sz="1900" dirty="0" smtClean="0">
-                <a:solidFill>
-                  <a:schemeClr val="accent2">
-                    <a:lumMod val="50000"/>
-                  </a:schemeClr>
-                </a:solidFill>
-              </a:rPr>
-              <a:t>layer outputs are integrated in the output layer.</a:t>
+              <a:t>Hidden layer outputs are integrated in the output layer.</a:t>
             </a:r>
           </a:p>
           <a:p>
